--- a/gr2_lhj/세미나 등록.pptx
+++ b/gr2_lhj/세미나 등록.pptx
@@ -5,10 +5,13 @@
     <p:sldMasterId id="2147483648" r:id="rId1"/>
   </p:sldMasterIdLst>
   <p:notesMasterIdLst>
-    <p:notesMasterId r:id="rId3"/>
+    <p:notesMasterId r:id="rId6"/>
   </p:notesMasterIdLst>
   <p:sldIdLst>
     <p:sldId id="257" r:id="rId2"/>
+    <p:sldId id="258" r:id="rId3"/>
+    <p:sldId id="259" r:id="rId4"/>
+    <p:sldId id="260" r:id="rId5"/>
   </p:sldIdLst>
   <p:sldSz cx="12192000" cy="6858000"/>
   <p:notesSz cx="6858000" cy="9144000"/>
@@ -465,6 +468,387 @@
 </file>
 
 <file path=ppt/notesSlides/notesSlide1.xml><?xml version="1.0" encoding="utf-8"?>
+<p:notes xmlns:a="http://schemas.openxmlformats.org/drawingml/2006/main" xmlns:r="http://schemas.openxmlformats.org/officeDocument/2006/relationships" xmlns:p="http://schemas.openxmlformats.org/presentationml/2006/main" showMasterSp="0" showMasterPhAnim="0">
+  <p:cSld>
+    <p:spTree>
+      <p:nvGrpSpPr>
+        <p:cNvPr id="1" name="Shape 87"/>
+        <p:cNvGrpSpPr/>
+        <p:nvPr/>
+      </p:nvGrpSpPr>
+      <p:grpSpPr>
+        <a:xfrm>
+          <a:off x="0" y="0"/>
+          <a:ext cx="0" cy="0"/>
+          <a:chOff x="0" y="0"/>
+          <a:chExt cx="0" cy="0"/>
+        </a:xfrm>
+      </p:grpSpPr>
+      <p:sp>
+        <p:nvSpPr>
+          <p:cNvPr id="88" name="Google Shape;88;g7c553259d1_0_3:notes"/>
+          <p:cNvSpPr txBox="1">
+            <a:spLocks noGrp="1"/>
+          </p:cNvSpPr>
+          <p:nvPr>
+            <p:ph type="body" idx="1"/>
+          </p:nvPr>
+        </p:nvSpPr>
+        <p:spPr>
+          <a:xfrm>
+            <a:off x="685800" y="4343400"/>
+            <a:ext cx="5486400" cy="4114800"/>
+          </a:xfrm>
+          <a:prstGeom prst="rect">
+            <a:avLst/>
+          </a:prstGeom>
+          <a:noFill/>
+          <a:ln>
+            <a:noFill/>
+          </a:ln>
+        </p:spPr>
+        <p:txBody>
+          <a:bodyPr spcFirstLastPara="1" wrap="square" lIns="91425" tIns="91425" rIns="91425" bIns="91425" anchor="t" anchorCtr="0">
+            <a:noAutofit/>
+          </a:bodyPr>
+          <a:lstStyle/>
+          <a:p>
+            <a:pPr marL="0" lvl="0" indent="0" algn="l" rtl="0">
+              <a:lnSpc>
+                <a:spcPct val="100000"/>
+              </a:lnSpc>
+              <a:spcBef>
+                <a:spcPts val="0"/>
+              </a:spcBef>
+              <a:spcAft>
+                <a:spcPts val="0"/>
+              </a:spcAft>
+              <a:buSzPts val="1100"/>
+              <a:buNone/>
+            </a:pPr>
+            <a:endParaRPr/>
+          </a:p>
+        </p:txBody>
+      </p:sp>
+      <p:sp>
+        <p:nvSpPr>
+          <p:cNvPr id="89" name="Google Shape;89;g7c553259d1_0_3:notes"/>
+          <p:cNvSpPr>
+            <a:spLocks noGrp="1" noRot="1" noChangeAspect="1"/>
+          </p:cNvSpPr>
+          <p:nvPr>
+            <p:ph type="sldImg" idx="2"/>
+          </p:nvPr>
+        </p:nvSpPr>
+        <p:spPr>
+          <a:xfrm>
+            <a:off x="382588" y="685800"/>
+            <a:ext cx="6094412" cy="3429000"/>
+          </a:xfrm>
+          <a:custGeom>
+            <a:avLst/>
+            <a:gdLst/>
+            <a:ahLst/>
+            <a:cxnLst/>
+            <a:rect l="l" t="t" r="r" b="b"/>
+            <a:pathLst>
+              <a:path w="120000" h="120000" extrusionOk="0">
+                <a:moveTo>
+                  <a:pt x="0" y="0"/>
+                </a:moveTo>
+                <a:lnTo>
+                  <a:pt x="120000" y="0"/>
+                </a:lnTo>
+                <a:lnTo>
+                  <a:pt x="120000" y="120000"/>
+                </a:lnTo>
+                <a:lnTo>
+                  <a:pt x="0" y="120000"/>
+                </a:lnTo>
+                <a:close/>
+              </a:path>
+            </a:pathLst>
+          </a:custGeom>
+          <a:noFill/>
+          <a:ln w="9525" cap="flat" cmpd="sng">
+            <a:solidFill>
+              <a:srgbClr val="000000"/>
+            </a:solidFill>
+            <a:prstDash val="solid"/>
+            <a:round/>
+            <a:headEnd type="none" w="sm" len="sm"/>
+            <a:tailEnd type="none" w="sm" len="sm"/>
+          </a:ln>
+        </p:spPr>
+      </p:sp>
+    </p:spTree>
+    <p:extLst>
+      <p:ext uri="{BB962C8B-B14F-4D97-AF65-F5344CB8AC3E}">
+        <p14:creationId xmlns:p14="http://schemas.microsoft.com/office/powerpoint/2010/main" val="904104145"/>
+      </p:ext>
+    </p:extLst>
+  </p:cSld>
+  <p:clrMapOvr>
+    <a:masterClrMapping/>
+  </p:clrMapOvr>
+</p:notes>
+</file>
+
+<file path=ppt/notesSlides/notesSlide2.xml><?xml version="1.0" encoding="utf-8"?>
+<p:notes xmlns:a="http://schemas.openxmlformats.org/drawingml/2006/main" xmlns:r="http://schemas.openxmlformats.org/officeDocument/2006/relationships" xmlns:p="http://schemas.openxmlformats.org/presentationml/2006/main" showMasterSp="0" showMasterPhAnim="0">
+  <p:cSld>
+    <p:spTree>
+      <p:nvGrpSpPr>
+        <p:cNvPr id="1" name="Shape 87"/>
+        <p:cNvGrpSpPr/>
+        <p:nvPr/>
+      </p:nvGrpSpPr>
+      <p:grpSpPr>
+        <a:xfrm>
+          <a:off x="0" y="0"/>
+          <a:ext cx="0" cy="0"/>
+          <a:chOff x="0" y="0"/>
+          <a:chExt cx="0" cy="0"/>
+        </a:xfrm>
+      </p:grpSpPr>
+      <p:sp>
+        <p:nvSpPr>
+          <p:cNvPr id="88" name="Google Shape;88;g7c553259d1_0_3:notes"/>
+          <p:cNvSpPr txBox="1">
+            <a:spLocks noGrp="1"/>
+          </p:cNvSpPr>
+          <p:nvPr>
+            <p:ph type="body" idx="1"/>
+          </p:nvPr>
+        </p:nvSpPr>
+        <p:spPr>
+          <a:xfrm>
+            <a:off x="685800" y="4343400"/>
+            <a:ext cx="5486400" cy="4114800"/>
+          </a:xfrm>
+          <a:prstGeom prst="rect">
+            <a:avLst/>
+          </a:prstGeom>
+          <a:noFill/>
+          <a:ln>
+            <a:noFill/>
+          </a:ln>
+        </p:spPr>
+        <p:txBody>
+          <a:bodyPr spcFirstLastPara="1" wrap="square" lIns="91425" tIns="91425" rIns="91425" bIns="91425" anchor="t" anchorCtr="0">
+            <a:noAutofit/>
+          </a:bodyPr>
+          <a:lstStyle/>
+          <a:p>
+            <a:pPr marL="0" lvl="0" indent="0" algn="l" rtl="0">
+              <a:lnSpc>
+                <a:spcPct val="100000"/>
+              </a:lnSpc>
+              <a:spcBef>
+                <a:spcPts val="0"/>
+              </a:spcBef>
+              <a:spcAft>
+                <a:spcPts val="0"/>
+              </a:spcAft>
+              <a:buSzPts val="1100"/>
+              <a:buNone/>
+            </a:pPr>
+            <a:endParaRPr/>
+          </a:p>
+        </p:txBody>
+      </p:sp>
+      <p:sp>
+        <p:nvSpPr>
+          <p:cNvPr id="89" name="Google Shape;89;g7c553259d1_0_3:notes"/>
+          <p:cNvSpPr>
+            <a:spLocks noGrp="1" noRot="1" noChangeAspect="1"/>
+          </p:cNvSpPr>
+          <p:nvPr>
+            <p:ph type="sldImg" idx="2"/>
+          </p:nvPr>
+        </p:nvSpPr>
+        <p:spPr>
+          <a:xfrm>
+            <a:off x="382588" y="685800"/>
+            <a:ext cx="6094412" cy="3429000"/>
+          </a:xfrm>
+          <a:custGeom>
+            <a:avLst/>
+            <a:gdLst/>
+            <a:ahLst/>
+            <a:cxnLst/>
+            <a:rect l="l" t="t" r="r" b="b"/>
+            <a:pathLst>
+              <a:path w="120000" h="120000" extrusionOk="0">
+                <a:moveTo>
+                  <a:pt x="0" y="0"/>
+                </a:moveTo>
+                <a:lnTo>
+                  <a:pt x="120000" y="0"/>
+                </a:lnTo>
+                <a:lnTo>
+                  <a:pt x="120000" y="120000"/>
+                </a:lnTo>
+                <a:lnTo>
+                  <a:pt x="0" y="120000"/>
+                </a:lnTo>
+                <a:close/>
+              </a:path>
+            </a:pathLst>
+          </a:custGeom>
+          <a:noFill/>
+          <a:ln w="9525" cap="flat" cmpd="sng">
+            <a:solidFill>
+              <a:srgbClr val="000000"/>
+            </a:solidFill>
+            <a:prstDash val="solid"/>
+            <a:round/>
+            <a:headEnd type="none" w="sm" len="sm"/>
+            <a:tailEnd type="none" w="sm" len="sm"/>
+          </a:ln>
+        </p:spPr>
+      </p:sp>
+    </p:spTree>
+    <p:extLst>
+      <p:ext uri="{BB962C8B-B14F-4D97-AF65-F5344CB8AC3E}">
+        <p14:creationId xmlns:p14="http://schemas.microsoft.com/office/powerpoint/2010/main" val="904104145"/>
+      </p:ext>
+    </p:extLst>
+  </p:cSld>
+  <p:clrMapOvr>
+    <a:masterClrMapping/>
+  </p:clrMapOvr>
+</p:notes>
+</file>
+
+<file path=ppt/notesSlides/notesSlide3.xml><?xml version="1.0" encoding="utf-8"?>
+<p:notes xmlns:a="http://schemas.openxmlformats.org/drawingml/2006/main" xmlns:r="http://schemas.openxmlformats.org/officeDocument/2006/relationships" xmlns:p="http://schemas.openxmlformats.org/presentationml/2006/main" showMasterSp="0" showMasterPhAnim="0">
+  <p:cSld>
+    <p:spTree>
+      <p:nvGrpSpPr>
+        <p:cNvPr id="1" name="Shape 87"/>
+        <p:cNvGrpSpPr/>
+        <p:nvPr/>
+      </p:nvGrpSpPr>
+      <p:grpSpPr>
+        <a:xfrm>
+          <a:off x="0" y="0"/>
+          <a:ext cx="0" cy="0"/>
+          <a:chOff x="0" y="0"/>
+          <a:chExt cx="0" cy="0"/>
+        </a:xfrm>
+      </p:grpSpPr>
+      <p:sp>
+        <p:nvSpPr>
+          <p:cNvPr id="88" name="Google Shape;88;g7c553259d1_0_3:notes"/>
+          <p:cNvSpPr txBox="1">
+            <a:spLocks noGrp="1"/>
+          </p:cNvSpPr>
+          <p:nvPr>
+            <p:ph type="body" idx="1"/>
+          </p:nvPr>
+        </p:nvSpPr>
+        <p:spPr>
+          <a:xfrm>
+            <a:off x="685800" y="4343400"/>
+            <a:ext cx="5486400" cy="4114800"/>
+          </a:xfrm>
+          <a:prstGeom prst="rect">
+            <a:avLst/>
+          </a:prstGeom>
+          <a:noFill/>
+          <a:ln>
+            <a:noFill/>
+          </a:ln>
+        </p:spPr>
+        <p:txBody>
+          <a:bodyPr spcFirstLastPara="1" wrap="square" lIns="91425" tIns="91425" rIns="91425" bIns="91425" anchor="t" anchorCtr="0">
+            <a:noAutofit/>
+          </a:bodyPr>
+          <a:lstStyle/>
+          <a:p>
+            <a:pPr marL="0" lvl="0" indent="0" algn="l" rtl="0">
+              <a:lnSpc>
+                <a:spcPct val="100000"/>
+              </a:lnSpc>
+              <a:spcBef>
+                <a:spcPts val="0"/>
+              </a:spcBef>
+              <a:spcAft>
+                <a:spcPts val="0"/>
+              </a:spcAft>
+              <a:buSzPts val="1100"/>
+              <a:buNone/>
+            </a:pPr>
+            <a:endParaRPr/>
+          </a:p>
+        </p:txBody>
+      </p:sp>
+      <p:sp>
+        <p:nvSpPr>
+          <p:cNvPr id="89" name="Google Shape;89;g7c553259d1_0_3:notes"/>
+          <p:cNvSpPr>
+            <a:spLocks noGrp="1" noRot="1" noChangeAspect="1"/>
+          </p:cNvSpPr>
+          <p:nvPr>
+            <p:ph type="sldImg" idx="2"/>
+          </p:nvPr>
+        </p:nvSpPr>
+        <p:spPr>
+          <a:xfrm>
+            <a:off x="382588" y="685800"/>
+            <a:ext cx="6094412" cy="3429000"/>
+          </a:xfrm>
+          <a:custGeom>
+            <a:avLst/>
+            <a:gdLst/>
+            <a:ahLst/>
+            <a:cxnLst/>
+            <a:rect l="l" t="t" r="r" b="b"/>
+            <a:pathLst>
+              <a:path w="120000" h="120000" extrusionOk="0">
+                <a:moveTo>
+                  <a:pt x="0" y="0"/>
+                </a:moveTo>
+                <a:lnTo>
+                  <a:pt x="120000" y="0"/>
+                </a:lnTo>
+                <a:lnTo>
+                  <a:pt x="120000" y="120000"/>
+                </a:lnTo>
+                <a:lnTo>
+                  <a:pt x="0" y="120000"/>
+                </a:lnTo>
+                <a:close/>
+              </a:path>
+            </a:pathLst>
+          </a:custGeom>
+          <a:noFill/>
+          <a:ln w="9525" cap="flat" cmpd="sng">
+            <a:solidFill>
+              <a:srgbClr val="000000"/>
+            </a:solidFill>
+            <a:prstDash val="solid"/>
+            <a:round/>
+            <a:headEnd type="none" w="sm" len="sm"/>
+            <a:tailEnd type="none" w="sm" len="sm"/>
+          </a:ln>
+        </p:spPr>
+      </p:sp>
+    </p:spTree>
+    <p:extLst>
+      <p:ext uri="{BB962C8B-B14F-4D97-AF65-F5344CB8AC3E}">
+        <p14:creationId xmlns:p14="http://schemas.microsoft.com/office/powerpoint/2010/main" val="904104145"/>
+      </p:ext>
+    </p:extLst>
+  </p:cSld>
+  <p:clrMapOvr>
+    <a:masterClrMapping/>
+  </p:clrMapOvr>
+</p:notes>
+</file>
+
+<file path=ppt/notesSlides/notesSlide4.xml><?xml version="1.0" encoding="utf-8"?>
 <p:notes xmlns:a="http://schemas.openxmlformats.org/drawingml/2006/main" xmlns:r="http://schemas.openxmlformats.org/officeDocument/2006/relationships" xmlns:p="http://schemas.openxmlformats.org/presentationml/2006/main" showMasterSp="0" showMasterPhAnim="0">
   <p:cSld>
     <p:spTree>
@@ -4658,14 +5042,14 @@
           <p:nvPr>
             <p:extLst>
               <p:ext uri="{D42A27DB-BD31-4B8C-83A1-F6EECF244321}">
-                <p14:modId xmlns:p14="http://schemas.microsoft.com/office/powerpoint/2010/main" val="2827487036"/>
+                <p14:modId xmlns:p14="http://schemas.microsoft.com/office/powerpoint/2010/main" val="3100431360"/>
               </p:ext>
             </p:extLst>
           </p:nvPr>
         </p:nvGraphicFramePr>
         <p:xfrm>
           <a:off x="8843382" y="836712"/>
-          <a:ext cx="2952330" cy="2286168"/>
+          <a:ext cx="2952330" cy="2906958"/>
         </p:xfrm>
         <a:graphic>
           <a:graphicData uri="http://schemas.openxmlformats.org/drawingml/2006/table">
@@ -4957,6 +5341,14 @@
                         <a:buNone/>
                         <a:tabLst/>
                       </a:pPr>
+                      <a:r>
+                        <a:rPr lang="ko-KR" altLang="en-US" sz="1300" b="0" u="none" strike="noStrike" cap="none" dirty="0" smtClean="0"/>
+                        <a:t>세미나를 등록하기 위한 정보를 입력하는 페이지로 먼저 공간을 선택하여 공간에 대한 시간정보를 불러온다</a:t>
+                      </a:r>
+                      <a:r>
+                        <a:rPr lang="en-US" altLang="ko-KR" sz="1300" b="0" u="none" strike="noStrike" cap="none" dirty="0" smtClean="0"/>
+                        <a:t>.</a:t>
+                      </a:r>
                       <a:endParaRPr lang="en-US" altLang="ko-KR" sz="1300" b="0" u="none" strike="noStrike" cap="none" dirty="0" smtClean="0"/>
                     </a:p>
                   </a:txBody>
@@ -5110,6 +5502,65 @@
                         <a:buFont typeface="Arial"/>
                         <a:buNone/>
                       </a:pPr>
+                      <a:r>
+                        <a:rPr lang="ko-KR" altLang="en-US" sz="1300" b="0" u="none" strike="noStrike" cap="none" dirty="0" smtClean="0"/>
+                        <a:t>시간은 최소 </a:t>
+                      </a:r>
+                      <a:r>
+                        <a:rPr lang="en-US" altLang="ko-KR" sz="1300" b="0" u="none" strike="noStrike" cap="none" dirty="0" smtClean="0"/>
+                        <a:t>2</a:t>
+                      </a:r>
+                      <a:r>
+                        <a:rPr lang="ko-KR" altLang="en-US" sz="1300" b="0" u="none" strike="noStrike" cap="none" dirty="0" smtClean="0"/>
+                        <a:t>시간으로 </a:t>
+                      </a:r>
+                      <a:r>
+                        <a:rPr lang="en-US" altLang="ko-KR" sz="1300" b="0" u="none" strike="noStrike" cap="none" dirty="0" smtClean="0"/>
+                        <a:t>1</a:t>
+                      </a:r>
+                      <a:r>
+                        <a:rPr lang="ko-KR" altLang="en-US" sz="1300" b="0" u="none" strike="noStrike" cap="none" dirty="0" smtClean="0"/>
+                        <a:t>시간 단위로 선택한다</a:t>
+                      </a:r>
+                      <a:r>
+                        <a:rPr lang="en-US" altLang="ko-KR" sz="1300" b="0" u="none" strike="noStrike" cap="none" dirty="0" smtClean="0"/>
+                        <a:t>.</a:t>
+                      </a:r>
+                    </a:p>
+                    <a:p>
+                      <a:pPr marL="133350" marR="0" lvl="0" indent="0" algn="l" rtl="0">
+                        <a:lnSpc>
+                          <a:spcPct val="100000"/>
+                        </a:lnSpc>
+                        <a:spcBef>
+                          <a:spcPts val="0"/>
+                        </a:spcBef>
+                        <a:spcAft>
+                          <a:spcPts val="0"/>
+                        </a:spcAft>
+                        <a:buClr>
+                          <a:srgbClr val="000000"/>
+                        </a:buClr>
+                        <a:buSzPts val="1500"/>
+                        <a:buFont typeface="Arial"/>
+                        <a:buNone/>
+                      </a:pPr>
+                      <a:r>
+                        <a:rPr lang="ko-KR" altLang="en-US" sz="1300" b="0" u="none" strike="noStrike" cap="none" dirty="0" smtClean="0"/>
+                        <a:t>가능시간범위</a:t>
+                      </a:r>
+                      <a:r>
+                        <a:rPr lang="en-US" altLang="ko-KR" sz="1300" b="0" u="none" strike="noStrike" cap="none" dirty="0" smtClean="0"/>
+                        <a:t>(09~22</a:t>
+                      </a:r>
+                      <a:r>
+                        <a:rPr lang="ko-KR" altLang="en-US" sz="1300" b="0" u="none" strike="noStrike" cap="none" dirty="0" smtClean="0"/>
+                        <a:t>시</a:t>
+                      </a:r>
+                      <a:r>
+                        <a:rPr lang="en-US" altLang="ko-KR" sz="1300" b="0" u="none" strike="noStrike" cap="none" dirty="0" smtClean="0"/>
+                        <a:t>)</a:t>
+                      </a:r>
                       <a:endParaRPr lang="en-US" altLang="ko-KR" sz="1300" b="0" u="none" strike="noStrike" cap="none" dirty="0"/>
                     </a:p>
                   </a:txBody>
@@ -5263,6 +5714,22 @@
                         <a:buFont typeface="Arial"/>
                         <a:buNone/>
                       </a:pPr>
+                      <a:r>
+                        <a:rPr lang="ko-KR" altLang="en-US" sz="1300" b="0" u="none" strike="noStrike" cap="none" dirty="0" smtClean="0"/>
+                        <a:t>등록하기 버튼을 눌러서 등록 확인 페이지로 이동하고</a:t>
+                      </a:r>
+                      <a:r>
+                        <a:rPr lang="en-US" altLang="ko-KR" sz="1300" b="0" u="none" strike="noStrike" cap="none" dirty="0" smtClean="0"/>
+                        <a:t>, </a:t>
+                      </a:r>
+                      <a:r>
+                        <a:rPr lang="ko-KR" altLang="en-US" sz="1300" b="0" u="none" strike="noStrike" cap="none" dirty="0" smtClean="0"/>
+                        <a:t>해당 페이지에서 예약 완료를 위한 계좌 번호를 발급받는다</a:t>
+                      </a:r>
+                      <a:r>
+                        <a:rPr lang="en-US" altLang="ko-KR" sz="1300" b="0" u="none" strike="noStrike" cap="none" dirty="0" smtClean="0"/>
+                        <a:t>.</a:t>
+                      </a:r>
                       <a:endParaRPr lang="en-US" altLang="ko-KR" sz="1300" b="0" u="none" strike="noStrike" cap="none" dirty="0"/>
                     </a:p>
                   </a:txBody>
@@ -5308,6 +5775,3509 @@
                     </a:solidFill>
                   </a:tcPr>
                 </a:tc>
+              </a:tr>
+            </a:tbl>
+          </a:graphicData>
+        </a:graphic>
+      </p:graphicFrame>
+      <p:sp>
+        <p:nvSpPr>
+          <p:cNvPr id="5" name="직사각형 4"/>
+          <p:cNvSpPr/>
+          <p:nvPr/>
+        </p:nvSpPr>
+        <p:spPr>
+          <a:xfrm>
+            <a:off x="467832" y="1237124"/>
+            <a:ext cx="8059479" cy="5518678"/>
+          </a:xfrm>
+          <a:prstGeom prst="rect">
+            <a:avLst/>
+          </a:prstGeom>
+          <a:noFill/>
+          <a:ln>
+            <a:solidFill>
+              <a:schemeClr val="tx1"/>
+            </a:solidFill>
+          </a:ln>
+        </p:spPr>
+        <p:style>
+          <a:lnRef idx="2">
+            <a:schemeClr val="accent1">
+              <a:shade val="50000"/>
+            </a:schemeClr>
+          </a:lnRef>
+          <a:fillRef idx="1">
+            <a:schemeClr val="accent1"/>
+          </a:fillRef>
+          <a:effectRef idx="0">
+            <a:schemeClr val="accent1"/>
+          </a:effectRef>
+          <a:fontRef idx="minor">
+            <a:schemeClr val="lt1"/>
+          </a:fontRef>
+        </p:style>
+        <p:txBody>
+          <a:bodyPr rtlCol="0" anchor="ctr"/>
+          <a:lstStyle/>
+          <a:p>
+            <a:pPr algn="ctr"/>
+            <a:endParaRPr lang="ko-KR" altLang="en-US"/>
+          </a:p>
+        </p:txBody>
+      </p:sp>
+      <p:sp>
+        <p:nvSpPr>
+          <p:cNvPr id="2" name="TextBox 1"/>
+          <p:cNvSpPr txBox="1"/>
+          <p:nvPr/>
+        </p:nvSpPr>
+        <p:spPr>
+          <a:xfrm>
+            <a:off x="1477925" y="2200962"/>
+            <a:ext cx="1020726" cy="307777"/>
+          </a:xfrm>
+          <a:prstGeom prst="rect">
+            <a:avLst/>
+          </a:prstGeom>
+          <a:noFill/>
+        </p:spPr>
+        <p:txBody>
+          <a:bodyPr wrap="square" rtlCol="0">
+            <a:spAutoFit/>
+          </a:bodyPr>
+          <a:lstStyle/>
+          <a:p>
+            <a:r>
+              <a:rPr lang="ko-KR" altLang="en-US" sz="1400" dirty="0" err="1" smtClean="0"/>
+              <a:t>세미나명</a:t>
+            </a:r>
+            <a:endParaRPr lang="ko-KR" altLang="en-US" sz="1400" dirty="0"/>
+          </a:p>
+        </p:txBody>
+      </p:sp>
+      <p:sp>
+        <p:nvSpPr>
+          <p:cNvPr id="3" name="직사각형 2"/>
+          <p:cNvSpPr/>
+          <p:nvPr/>
+        </p:nvSpPr>
+        <p:spPr>
+          <a:xfrm>
+            <a:off x="2392325" y="2200961"/>
+            <a:ext cx="3976577" cy="307777"/>
+          </a:xfrm>
+          <a:prstGeom prst="rect">
+            <a:avLst/>
+          </a:prstGeom>
+          <a:noFill/>
+          <a:ln>
+            <a:solidFill>
+              <a:schemeClr val="tx1"/>
+            </a:solidFill>
+          </a:ln>
+        </p:spPr>
+        <p:style>
+          <a:lnRef idx="2">
+            <a:schemeClr val="accent1">
+              <a:shade val="50000"/>
+            </a:schemeClr>
+          </a:lnRef>
+          <a:fillRef idx="1">
+            <a:schemeClr val="accent1"/>
+          </a:fillRef>
+          <a:effectRef idx="0">
+            <a:schemeClr val="accent1"/>
+          </a:effectRef>
+          <a:fontRef idx="minor">
+            <a:schemeClr val="lt1"/>
+          </a:fontRef>
+        </p:style>
+        <p:txBody>
+          <a:bodyPr rtlCol="0" anchor="ctr"/>
+          <a:lstStyle/>
+          <a:p>
+            <a:pPr algn="ctr"/>
+            <a:endParaRPr lang="ko-KR" altLang="en-US"/>
+          </a:p>
+        </p:txBody>
+      </p:sp>
+      <p:sp>
+        <p:nvSpPr>
+          <p:cNvPr id="9" name="TextBox 8"/>
+          <p:cNvSpPr txBox="1"/>
+          <p:nvPr/>
+        </p:nvSpPr>
+        <p:spPr>
+          <a:xfrm>
+            <a:off x="1679943" y="2615632"/>
+            <a:ext cx="616689" cy="307777"/>
+          </a:xfrm>
+          <a:prstGeom prst="rect">
+            <a:avLst/>
+          </a:prstGeom>
+          <a:noFill/>
+        </p:spPr>
+        <p:txBody>
+          <a:bodyPr wrap="square" rtlCol="0">
+            <a:spAutoFit/>
+          </a:bodyPr>
+          <a:lstStyle/>
+          <a:p>
+            <a:r>
+              <a:rPr lang="ko-KR" altLang="en-US" sz="1400" smtClean="0"/>
+              <a:t>부제</a:t>
+            </a:r>
+            <a:endParaRPr lang="ko-KR" altLang="en-US" sz="1400" dirty="0"/>
+          </a:p>
+        </p:txBody>
+      </p:sp>
+      <p:sp>
+        <p:nvSpPr>
+          <p:cNvPr id="10" name="직사각형 9"/>
+          <p:cNvSpPr/>
+          <p:nvPr/>
+        </p:nvSpPr>
+        <p:spPr>
+          <a:xfrm>
+            <a:off x="2392325" y="2625695"/>
+            <a:ext cx="3976577" cy="307777"/>
+          </a:xfrm>
+          <a:prstGeom prst="rect">
+            <a:avLst/>
+          </a:prstGeom>
+          <a:noFill/>
+          <a:ln>
+            <a:solidFill>
+              <a:schemeClr val="tx1"/>
+            </a:solidFill>
+          </a:ln>
+        </p:spPr>
+        <p:style>
+          <a:lnRef idx="2">
+            <a:schemeClr val="accent1">
+              <a:shade val="50000"/>
+            </a:schemeClr>
+          </a:lnRef>
+          <a:fillRef idx="1">
+            <a:schemeClr val="accent1"/>
+          </a:fillRef>
+          <a:effectRef idx="0">
+            <a:schemeClr val="accent1"/>
+          </a:effectRef>
+          <a:fontRef idx="minor">
+            <a:schemeClr val="lt1"/>
+          </a:fontRef>
+        </p:style>
+        <p:txBody>
+          <a:bodyPr rtlCol="0" anchor="ctr"/>
+          <a:lstStyle/>
+          <a:p>
+            <a:pPr algn="ctr"/>
+            <a:endParaRPr lang="ko-KR" altLang="en-US"/>
+          </a:p>
+        </p:txBody>
+      </p:sp>
+      <p:sp>
+        <p:nvSpPr>
+          <p:cNvPr id="17" name="TextBox 16"/>
+          <p:cNvSpPr txBox="1"/>
+          <p:nvPr/>
+        </p:nvSpPr>
+        <p:spPr>
+          <a:xfrm>
+            <a:off x="893111" y="3019644"/>
+            <a:ext cx="935666" cy="307777"/>
+          </a:xfrm>
+          <a:prstGeom prst="rect">
+            <a:avLst/>
+          </a:prstGeom>
+          <a:noFill/>
+        </p:spPr>
+        <p:txBody>
+          <a:bodyPr wrap="square" rtlCol="0">
+            <a:spAutoFit/>
+          </a:bodyPr>
+          <a:lstStyle/>
+          <a:p>
+            <a:r>
+              <a:rPr lang="ko-KR" altLang="en-US" sz="1400" dirty="0" smtClean="0"/>
+              <a:t>시</a:t>
+            </a:r>
+            <a:r>
+              <a:rPr lang="ko-KR" altLang="en-US" sz="1400" dirty="0"/>
+              <a:t>간</a:t>
+            </a:r>
+            <a:r>
+              <a:rPr lang="ko-KR" altLang="en-US" sz="1400" dirty="0" smtClean="0"/>
+              <a:t>선택</a:t>
+            </a:r>
+            <a:endParaRPr lang="ko-KR" altLang="en-US" sz="1400" dirty="0"/>
+          </a:p>
+        </p:txBody>
+      </p:sp>
+      <p:sp>
+        <p:nvSpPr>
+          <p:cNvPr id="19" name="TextBox 18"/>
+          <p:cNvSpPr txBox="1"/>
+          <p:nvPr/>
+        </p:nvSpPr>
+        <p:spPr>
+          <a:xfrm>
+            <a:off x="1414128" y="1584213"/>
+            <a:ext cx="935666" cy="307777"/>
+          </a:xfrm>
+          <a:prstGeom prst="rect">
+            <a:avLst/>
+          </a:prstGeom>
+          <a:noFill/>
+        </p:spPr>
+        <p:txBody>
+          <a:bodyPr wrap="square" rtlCol="0">
+            <a:spAutoFit/>
+          </a:bodyPr>
+          <a:lstStyle/>
+          <a:p>
+            <a:r>
+              <a:rPr lang="ko-KR" altLang="en-US" sz="1400" smtClean="0"/>
+              <a:t>공간선</a:t>
+            </a:r>
+            <a:r>
+              <a:rPr lang="ko-KR" altLang="en-US" sz="1400"/>
+              <a:t>택</a:t>
+            </a:r>
+            <a:endParaRPr lang="ko-KR" altLang="en-US" sz="1400" dirty="0"/>
+          </a:p>
+        </p:txBody>
+      </p:sp>
+      <p:sp>
+        <p:nvSpPr>
+          <p:cNvPr id="20" name="직사각형 19"/>
+          <p:cNvSpPr/>
+          <p:nvPr/>
+        </p:nvSpPr>
+        <p:spPr>
+          <a:xfrm>
+            <a:off x="2392325" y="1584211"/>
+            <a:ext cx="871870" cy="382775"/>
+          </a:xfrm>
+          <a:prstGeom prst="rect">
+            <a:avLst/>
+          </a:prstGeom>
+          <a:noFill/>
+          <a:ln>
+            <a:solidFill>
+              <a:schemeClr val="tx1"/>
+            </a:solidFill>
+          </a:ln>
+        </p:spPr>
+        <p:style>
+          <a:lnRef idx="2">
+            <a:schemeClr val="accent1">
+              <a:shade val="50000"/>
+            </a:schemeClr>
+          </a:lnRef>
+          <a:fillRef idx="1">
+            <a:schemeClr val="accent1"/>
+          </a:fillRef>
+          <a:effectRef idx="0">
+            <a:schemeClr val="accent1"/>
+          </a:effectRef>
+          <a:fontRef idx="minor">
+            <a:schemeClr val="lt1"/>
+          </a:fontRef>
+        </p:style>
+        <p:txBody>
+          <a:bodyPr rtlCol="0" anchor="ctr"/>
+          <a:lstStyle/>
+          <a:p>
+            <a:pPr algn="ctr"/>
+            <a:r>
+              <a:rPr lang="en-US" altLang="ko-KR" dirty="0" smtClean="0">
+                <a:solidFill>
+                  <a:schemeClr val="tx1"/>
+                </a:solidFill>
+              </a:rPr>
+              <a:t>zone1</a:t>
+            </a:r>
+            <a:endParaRPr lang="ko-KR" altLang="en-US" dirty="0">
+              <a:solidFill>
+                <a:schemeClr val="tx1"/>
+              </a:solidFill>
+            </a:endParaRPr>
+          </a:p>
+        </p:txBody>
+      </p:sp>
+      <p:sp>
+        <p:nvSpPr>
+          <p:cNvPr id="21" name="직사각형 20"/>
+          <p:cNvSpPr/>
+          <p:nvPr/>
+        </p:nvSpPr>
+        <p:spPr>
+          <a:xfrm>
+            <a:off x="3264195" y="1584211"/>
+            <a:ext cx="871870" cy="382775"/>
+          </a:xfrm>
+          <a:prstGeom prst="rect">
+            <a:avLst/>
+          </a:prstGeom>
+          <a:noFill/>
+          <a:ln>
+            <a:solidFill>
+              <a:schemeClr val="tx1"/>
+            </a:solidFill>
+          </a:ln>
+        </p:spPr>
+        <p:style>
+          <a:lnRef idx="2">
+            <a:schemeClr val="accent1">
+              <a:shade val="50000"/>
+            </a:schemeClr>
+          </a:lnRef>
+          <a:fillRef idx="1">
+            <a:schemeClr val="accent1"/>
+          </a:fillRef>
+          <a:effectRef idx="0">
+            <a:schemeClr val="accent1"/>
+          </a:effectRef>
+          <a:fontRef idx="minor">
+            <a:schemeClr val="lt1"/>
+          </a:fontRef>
+        </p:style>
+        <p:txBody>
+          <a:bodyPr rtlCol="0" anchor="ctr"/>
+          <a:lstStyle/>
+          <a:p>
+            <a:pPr algn="ctr"/>
+            <a:r>
+              <a:rPr lang="en-US" altLang="ko-KR" dirty="0" smtClean="0">
+                <a:solidFill>
+                  <a:schemeClr val="tx1"/>
+                </a:solidFill>
+              </a:rPr>
+              <a:t>zone2</a:t>
+            </a:r>
+            <a:endParaRPr lang="ko-KR" altLang="en-US" dirty="0">
+              <a:solidFill>
+                <a:schemeClr val="tx1"/>
+              </a:solidFill>
+            </a:endParaRPr>
+          </a:p>
+        </p:txBody>
+      </p:sp>
+      <p:sp>
+        <p:nvSpPr>
+          <p:cNvPr id="22" name="직사각형 21"/>
+          <p:cNvSpPr/>
+          <p:nvPr/>
+        </p:nvSpPr>
+        <p:spPr>
+          <a:xfrm>
+            <a:off x="4136065" y="1584211"/>
+            <a:ext cx="871870" cy="382775"/>
+          </a:xfrm>
+          <a:prstGeom prst="rect">
+            <a:avLst/>
+          </a:prstGeom>
+          <a:noFill/>
+          <a:ln>
+            <a:solidFill>
+              <a:schemeClr val="tx1"/>
+            </a:solidFill>
+          </a:ln>
+        </p:spPr>
+        <p:style>
+          <a:lnRef idx="2">
+            <a:schemeClr val="accent1">
+              <a:shade val="50000"/>
+            </a:schemeClr>
+          </a:lnRef>
+          <a:fillRef idx="1">
+            <a:schemeClr val="accent1"/>
+          </a:fillRef>
+          <a:effectRef idx="0">
+            <a:schemeClr val="accent1"/>
+          </a:effectRef>
+          <a:fontRef idx="minor">
+            <a:schemeClr val="lt1"/>
+          </a:fontRef>
+        </p:style>
+        <p:txBody>
+          <a:bodyPr rtlCol="0" anchor="ctr"/>
+          <a:lstStyle/>
+          <a:p>
+            <a:pPr algn="ctr"/>
+            <a:r>
+              <a:rPr lang="en-US" altLang="ko-KR" dirty="0" smtClean="0">
+                <a:solidFill>
+                  <a:schemeClr val="tx1"/>
+                </a:solidFill>
+              </a:rPr>
+              <a:t>zone3</a:t>
+            </a:r>
+            <a:endParaRPr lang="ko-KR" altLang="en-US" dirty="0">
+              <a:solidFill>
+                <a:schemeClr val="tx1"/>
+              </a:solidFill>
+            </a:endParaRPr>
+          </a:p>
+        </p:txBody>
+      </p:sp>
+      <p:sp>
+        <p:nvSpPr>
+          <p:cNvPr id="23" name="직사각형 22"/>
+          <p:cNvSpPr/>
+          <p:nvPr/>
+        </p:nvSpPr>
+        <p:spPr>
+          <a:xfrm>
+            <a:off x="5007935" y="1584211"/>
+            <a:ext cx="871870" cy="382775"/>
+          </a:xfrm>
+          <a:prstGeom prst="rect">
+            <a:avLst/>
+          </a:prstGeom>
+          <a:noFill/>
+          <a:ln>
+            <a:solidFill>
+              <a:schemeClr val="tx1"/>
+            </a:solidFill>
+          </a:ln>
+        </p:spPr>
+        <p:style>
+          <a:lnRef idx="2">
+            <a:schemeClr val="accent1">
+              <a:shade val="50000"/>
+            </a:schemeClr>
+          </a:lnRef>
+          <a:fillRef idx="1">
+            <a:schemeClr val="accent1"/>
+          </a:fillRef>
+          <a:effectRef idx="0">
+            <a:schemeClr val="accent1"/>
+          </a:effectRef>
+          <a:fontRef idx="minor">
+            <a:schemeClr val="lt1"/>
+          </a:fontRef>
+        </p:style>
+        <p:txBody>
+          <a:bodyPr rtlCol="0" anchor="ctr"/>
+          <a:lstStyle/>
+          <a:p>
+            <a:pPr algn="ctr"/>
+            <a:r>
+              <a:rPr lang="en-US" altLang="ko-KR" dirty="0" smtClean="0">
+                <a:solidFill>
+                  <a:schemeClr val="tx1"/>
+                </a:solidFill>
+              </a:rPr>
+              <a:t>zone4</a:t>
+            </a:r>
+            <a:endParaRPr lang="ko-KR" altLang="en-US" dirty="0">
+              <a:solidFill>
+                <a:schemeClr val="tx1"/>
+              </a:solidFill>
+            </a:endParaRPr>
+          </a:p>
+        </p:txBody>
+      </p:sp>
+      <p:sp>
+        <p:nvSpPr>
+          <p:cNvPr id="24" name="직사각형 23"/>
+          <p:cNvSpPr/>
+          <p:nvPr/>
+        </p:nvSpPr>
+        <p:spPr>
+          <a:xfrm>
+            <a:off x="1871308" y="3019644"/>
+            <a:ext cx="414670" cy="307777"/>
+          </a:xfrm>
+          <a:prstGeom prst="rect">
+            <a:avLst/>
+          </a:prstGeom>
+          <a:solidFill>
+            <a:srgbClr val="92D050"/>
+          </a:solidFill>
+          <a:ln>
+            <a:solidFill>
+              <a:schemeClr val="tx1"/>
+            </a:solidFill>
+          </a:ln>
+        </p:spPr>
+        <p:style>
+          <a:lnRef idx="2">
+            <a:schemeClr val="accent1">
+              <a:shade val="50000"/>
+            </a:schemeClr>
+          </a:lnRef>
+          <a:fillRef idx="1">
+            <a:schemeClr val="accent1"/>
+          </a:fillRef>
+          <a:effectRef idx="0">
+            <a:schemeClr val="accent1"/>
+          </a:effectRef>
+          <a:fontRef idx="minor">
+            <a:schemeClr val="lt1"/>
+          </a:fontRef>
+        </p:style>
+        <p:txBody>
+          <a:bodyPr rtlCol="0" anchor="ctr"/>
+          <a:lstStyle/>
+          <a:p>
+            <a:pPr algn="ctr"/>
+            <a:r>
+              <a:rPr lang="en-US" altLang="ko-KR" sz="1400" dirty="0" smtClean="0">
+                <a:solidFill>
+                  <a:schemeClr val="tx1"/>
+                </a:solidFill>
+              </a:rPr>
+              <a:t>9</a:t>
+            </a:r>
+            <a:endParaRPr lang="ko-KR" altLang="en-US" sz="1400" dirty="0">
+              <a:solidFill>
+                <a:schemeClr val="tx1"/>
+              </a:solidFill>
+            </a:endParaRPr>
+          </a:p>
+        </p:txBody>
+      </p:sp>
+      <p:sp>
+        <p:nvSpPr>
+          <p:cNvPr id="27" name="직사각형 26"/>
+          <p:cNvSpPr/>
+          <p:nvPr/>
+        </p:nvSpPr>
+        <p:spPr>
+          <a:xfrm>
+            <a:off x="2288106" y="3019644"/>
+            <a:ext cx="423174" cy="307777"/>
+          </a:xfrm>
+          <a:prstGeom prst="rect">
+            <a:avLst/>
+          </a:prstGeom>
+          <a:solidFill>
+            <a:srgbClr val="92D050"/>
+          </a:solidFill>
+          <a:ln>
+            <a:solidFill>
+              <a:schemeClr val="tx1"/>
+            </a:solidFill>
+          </a:ln>
+        </p:spPr>
+        <p:style>
+          <a:lnRef idx="2">
+            <a:schemeClr val="accent1">
+              <a:shade val="50000"/>
+            </a:schemeClr>
+          </a:lnRef>
+          <a:fillRef idx="1">
+            <a:schemeClr val="accent1"/>
+          </a:fillRef>
+          <a:effectRef idx="0">
+            <a:schemeClr val="accent1"/>
+          </a:effectRef>
+          <a:fontRef idx="minor">
+            <a:schemeClr val="lt1"/>
+          </a:fontRef>
+        </p:style>
+        <p:txBody>
+          <a:bodyPr rtlCol="0" anchor="ctr"/>
+          <a:lstStyle/>
+          <a:p>
+            <a:pPr algn="ctr"/>
+            <a:r>
+              <a:rPr lang="en-US" altLang="ko-KR" sz="1400" dirty="0" smtClean="0">
+                <a:solidFill>
+                  <a:schemeClr val="tx1"/>
+                </a:solidFill>
+              </a:rPr>
+              <a:t>10</a:t>
+            </a:r>
+            <a:endParaRPr lang="ko-KR" altLang="en-US" sz="1400" dirty="0">
+              <a:solidFill>
+                <a:schemeClr val="tx1"/>
+              </a:solidFill>
+            </a:endParaRPr>
+          </a:p>
+        </p:txBody>
+      </p:sp>
+      <p:sp>
+        <p:nvSpPr>
+          <p:cNvPr id="37" name="직사각형 36"/>
+          <p:cNvSpPr/>
+          <p:nvPr/>
+        </p:nvSpPr>
+        <p:spPr>
+          <a:xfrm>
+            <a:off x="2711280" y="3019644"/>
+            <a:ext cx="423174" cy="307777"/>
+          </a:xfrm>
+          <a:prstGeom prst="rect">
+            <a:avLst/>
+          </a:prstGeom>
+          <a:noFill/>
+          <a:ln>
+            <a:solidFill>
+              <a:schemeClr val="tx1"/>
+            </a:solidFill>
+          </a:ln>
+        </p:spPr>
+        <p:style>
+          <a:lnRef idx="2">
+            <a:schemeClr val="accent1">
+              <a:shade val="50000"/>
+            </a:schemeClr>
+          </a:lnRef>
+          <a:fillRef idx="1">
+            <a:schemeClr val="accent1"/>
+          </a:fillRef>
+          <a:effectRef idx="0">
+            <a:schemeClr val="accent1"/>
+          </a:effectRef>
+          <a:fontRef idx="minor">
+            <a:schemeClr val="lt1"/>
+          </a:fontRef>
+        </p:style>
+        <p:txBody>
+          <a:bodyPr rtlCol="0" anchor="ctr"/>
+          <a:lstStyle/>
+          <a:p>
+            <a:pPr algn="ctr"/>
+            <a:r>
+              <a:rPr lang="en-US" altLang="ko-KR" sz="1400" dirty="0" smtClean="0">
+                <a:solidFill>
+                  <a:schemeClr val="tx1"/>
+                </a:solidFill>
+              </a:rPr>
+              <a:t>11</a:t>
+            </a:r>
+            <a:endParaRPr lang="ko-KR" altLang="en-US" sz="1400" dirty="0">
+              <a:solidFill>
+                <a:schemeClr val="tx1"/>
+              </a:solidFill>
+            </a:endParaRPr>
+          </a:p>
+        </p:txBody>
+      </p:sp>
+      <p:sp>
+        <p:nvSpPr>
+          <p:cNvPr id="38" name="직사각형 37"/>
+          <p:cNvSpPr/>
+          <p:nvPr/>
+        </p:nvSpPr>
+        <p:spPr>
+          <a:xfrm>
+            <a:off x="3136582" y="3019644"/>
+            <a:ext cx="414670" cy="307777"/>
+          </a:xfrm>
+          <a:prstGeom prst="rect">
+            <a:avLst/>
+          </a:prstGeom>
+          <a:noFill/>
+          <a:ln>
+            <a:solidFill>
+              <a:schemeClr val="tx1"/>
+            </a:solidFill>
+          </a:ln>
+        </p:spPr>
+        <p:style>
+          <a:lnRef idx="2">
+            <a:schemeClr val="accent1">
+              <a:shade val="50000"/>
+            </a:schemeClr>
+          </a:lnRef>
+          <a:fillRef idx="1">
+            <a:schemeClr val="accent1"/>
+          </a:fillRef>
+          <a:effectRef idx="0">
+            <a:schemeClr val="accent1"/>
+          </a:effectRef>
+          <a:fontRef idx="minor">
+            <a:schemeClr val="lt1"/>
+          </a:fontRef>
+        </p:style>
+        <p:txBody>
+          <a:bodyPr rtlCol="0" anchor="ctr"/>
+          <a:lstStyle/>
+          <a:p>
+            <a:pPr algn="ctr"/>
+            <a:r>
+              <a:rPr lang="en-US" altLang="ko-KR" sz="1400" dirty="0" smtClean="0">
+                <a:solidFill>
+                  <a:schemeClr val="tx1"/>
+                </a:solidFill>
+              </a:rPr>
+              <a:t>12</a:t>
+            </a:r>
+            <a:endParaRPr lang="ko-KR" altLang="en-US" sz="1400" dirty="0">
+              <a:solidFill>
+                <a:schemeClr val="tx1"/>
+              </a:solidFill>
+            </a:endParaRPr>
+          </a:p>
+        </p:txBody>
+      </p:sp>
+      <p:sp>
+        <p:nvSpPr>
+          <p:cNvPr id="39" name="직사각형 38"/>
+          <p:cNvSpPr/>
+          <p:nvPr/>
+        </p:nvSpPr>
+        <p:spPr>
+          <a:xfrm>
+            <a:off x="3553380" y="3019644"/>
+            <a:ext cx="423174" cy="307777"/>
+          </a:xfrm>
+          <a:prstGeom prst="rect">
+            <a:avLst/>
+          </a:prstGeom>
+          <a:noFill/>
+          <a:ln>
+            <a:solidFill>
+              <a:schemeClr val="tx1"/>
+            </a:solidFill>
+          </a:ln>
+        </p:spPr>
+        <p:style>
+          <a:lnRef idx="2">
+            <a:schemeClr val="accent1">
+              <a:shade val="50000"/>
+            </a:schemeClr>
+          </a:lnRef>
+          <a:fillRef idx="1">
+            <a:schemeClr val="accent1"/>
+          </a:fillRef>
+          <a:effectRef idx="0">
+            <a:schemeClr val="accent1"/>
+          </a:effectRef>
+          <a:fontRef idx="minor">
+            <a:schemeClr val="lt1"/>
+          </a:fontRef>
+        </p:style>
+        <p:txBody>
+          <a:bodyPr rtlCol="0" anchor="ctr"/>
+          <a:lstStyle/>
+          <a:p>
+            <a:pPr algn="ctr"/>
+            <a:r>
+              <a:rPr lang="en-US" altLang="ko-KR" sz="1400" dirty="0" smtClean="0">
+                <a:solidFill>
+                  <a:schemeClr val="tx1"/>
+                </a:solidFill>
+              </a:rPr>
+              <a:t>13</a:t>
+            </a:r>
+            <a:endParaRPr lang="ko-KR" altLang="en-US" sz="1400" dirty="0">
+              <a:solidFill>
+                <a:schemeClr val="tx1"/>
+              </a:solidFill>
+            </a:endParaRPr>
+          </a:p>
+        </p:txBody>
+      </p:sp>
+      <p:sp>
+        <p:nvSpPr>
+          <p:cNvPr id="40" name="직사각형 39"/>
+          <p:cNvSpPr/>
+          <p:nvPr/>
+        </p:nvSpPr>
+        <p:spPr>
+          <a:xfrm>
+            <a:off x="3976554" y="3019644"/>
+            <a:ext cx="423174" cy="307777"/>
+          </a:xfrm>
+          <a:prstGeom prst="rect">
+            <a:avLst/>
+          </a:prstGeom>
+          <a:noFill/>
+          <a:ln>
+            <a:solidFill>
+              <a:schemeClr val="tx1"/>
+            </a:solidFill>
+          </a:ln>
+        </p:spPr>
+        <p:style>
+          <a:lnRef idx="2">
+            <a:schemeClr val="accent1">
+              <a:shade val="50000"/>
+            </a:schemeClr>
+          </a:lnRef>
+          <a:fillRef idx="1">
+            <a:schemeClr val="accent1"/>
+          </a:fillRef>
+          <a:effectRef idx="0">
+            <a:schemeClr val="accent1"/>
+          </a:effectRef>
+          <a:fontRef idx="minor">
+            <a:schemeClr val="lt1"/>
+          </a:fontRef>
+        </p:style>
+        <p:txBody>
+          <a:bodyPr rtlCol="0" anchor="ctr"/>
+          <a:lstStyle/>
+          <a:p>
+            <a:pPr algn="ctr"/>
+            <a:r>
+              <a:rPr lang="en-US" altLang="ko-KR" sz="1400" dirty="0" smtClean="0">
+                <a:solidFill>
+                  <a:schemeClr val="tx1"/>
+                </a:solidFill>
+              </a:rPr>
+              <a:t>14</a:t>
+            </a:r>
+            <a:endParaRPr lang="ko-KR" altLang="en-US" sz="1400" dirty="0">
+              <a:solidFill>
+                <a:schemeClr val="tx1"/>
+              </a:solidFill>
+            </a:endParaRPr>
+          </a:p>
+        </p:txBody>
+      </p:sp>
+      <p:sp>
+        <p:nvSpPr>
+          <p:cNvPr id="47" name="직사각형 46"/>
+          <p:cNvSpPr/>
+          <p:nvPr/>
+        </p:nvSpPr>
+        <p:spPr>
+          <a:xfrm>
+            <a:off x="4399728" y="3019644"/>
+            <a:ext cx="414670" cy="307777"/>
+          </a:xfrm>
+          <a:prstGeom prst="rect">
+            <a:avLst/>
+          </a:prstGeom>
+          <a:noFill/>
+          <a:ln>
+            <a:solidFill>
+              <a:schemeClr val="tx1"/>
+            </a:solidFill>
+          </a:ln>
+        </p:spPr>
+        <p:style>
+          <a:lnRef idx="2">
+            <a:schemeClr val="accent1">
+              <a:shade val="50000"/>
+            </a:schemeClr>
+          </a:lnRef>
+          <a:fillRef idx="1">
+            <a:schemeClr val="accent1"/>
+          </a:fillRef>
+          <a:effectRef idx="0">
+            <a:schemeClr val="accent1"/>
+          </a:effectRef>
+          <a:fontRef idx="minor">
+            <a:schemeClr val="lt1"/>
+          </a:fontRef>
+        </p:style>
+        <p:txBody>
+          <a:bodyPr rtlCol="0" anchor="ctr"/>
+          <a:lstStyle/>
+          <a:p>
+            <a:pPr algn="ctr"/>
+            <a:r>
+              <a:rPr lang="en-US" altLang="ko-KR" sz="1400" dirty="0" smtClean="0">
+                <a:solidFill>
+                  <a:schemeClr val="tx1"/>
+                </a:solidFill>
+              </a:rPr>
+              <a:t>15</a:t>
+            </a:r>
+            <a:endParaRPr lang="ko-KR" altLang="en-US" sz="1400" dirty="0">
+              <a:solidFill>
+                <a:schemeClr val="tx1"/>
+              </a:solidFill>
+            </a:endParaRPr>
+          </a:p>
+        </p:txBody>
+      </p:sp>
+      <p:sp>
+        <p:nvSpPr>
+          <p:cNvPr id="48" name="직사각형 47"/>
+          <p:cNvSpPr/>
+          <p:nvPr/>
+        </p:nvSpPr>
+        <p:spPr>
+          <a:xfrm>
+            <a:off x="4816526" y="3019644"/>
+            <a:ext cx="423174" cy="307777"/>
+          </a:xfrm>
+          <a:prstGeom prst="rect">
+            <a:avLst/>
+          </a:prstGeom>
+          <a:noFill/>
+          <a:ln>
+            <a:solidFill>
+              <a:schemeClr val="tx1"/>
+            </a:solidFill>
+          </a:ln>
+        </p:spPr>
+        <p:style>
+          <a:lnRef idx="2">
+            <a:schemeClr val="accent1">
+              <a:shade val="50000"/>
+            </a:schemeClr>
+          </a:lnRef>
+          <a:fillRef idx="1">
+            <a:schemeClr val="accent1"/>
+          </a:fillRef>
+          <a:effectRef idx="0">
+            <a:schemeClr val="accent1"/>
+          </a:effectRef>
+          <a:fontRef idx="minor">
+            <a:schemeClr val="lt1"/>
+          </a:fontRef>
+        </p:style>
+        <p:txBody>
+          <a:bodyPr rtlCol="0" anchor="ctr"/>
+          <a:lstStyle/>
+          <a:p>
+            <a:pPr algn="ctr"/>
+            <a:r>
+              <a:rPr lang="en-US" altLang="ko-KR" sz="1400" dirty="0" smtClean="0">
+                <a:solidFill>
+                  <a:schemeClr val="tx1"/>
+                </a:solidFill>
+              </a:rPr>
+              <a:t>16</a:t>
+            </a:r>
+            <a:endParaRPr lang="ko-KR" altLang="en-US" sz="1400" dirty="0">
+              <a:solidFill>
+                <a:schemeClr val="tx1"/>
+              </a:solidFill>
+            </a:endParaRPr>
+          </a:p>
+        </p:txBody>
+      </p:sp>
+      <p:sp>
+        <p:nvSpPr>
+          <p:cNvPr id="49" name="직사각형 48"/>
+          <p:cNvSpPr/>
+          <p:nvPr/>
+        </p:nvSpPr>
+        <p:spPr>
+          <a:xfrm>
+            <a:off x="5239700" y="3019644"/>
+            <a:ext cx="423174" cy="307777"/>
+          </a:xfrm>
+          <a:prstGeom prst="rect">
+            <a:avLst/>
+          </a:prstGeom>
+          <a:noFill/>
+          <a:ln>
+            <a:solidFill>
+              <a:schemeClr val="tx1"/>
+            </a:solidFill>
+          </a:ln>
+        </p:spPr>
+        <p:style>
+          <a:lnRef idx="2">
+            <a:schemeClr val="accent1">
+              <a:shade val="50000"/>
+            </a:schemeClr>
+          </a:lnRef>
+          <a:fillRef idx="1">
+            <a:schemeClr val="accent1"/>
+          </a:fillRef>
+          <a:effectRef idx="0">
+            <a:schemeClr val="accent1"/>
+          </a:effectRef>
+          <a:fontRef idx="minor">
+            <a:schemeClr val="lt1"/>
+          </a:fontRef>
+        </p:style>
+        <p:txBody>
+          <a:bodyPr rtlCol="0" anchor="ctr"/>
+          <a:lstStyle/>
+          <a:p>
+            <a:pPr algn="ctr"/>
+            <a:r>
+              <a:rPr lang="en-US" altLang="ko-KR" sz="1400" dirty="0" smtClean="0">
+                <a:solidFill>
+                  <a:schemeClr val="tx1"/>
+                </a:solidFill>
+              </a:rPr>
+              <a:t>17</a:t>
+            </a:r>
+            <a:endParaRPr lang="ko-KR" altLang="en-US" sz="1400" dirty="0">
+              <a:solidFill>
+                <a:schemeClr val="tx1"/>
+              </a:solidFill>
+            </a:endParaRPr>
+          </a:p>
+        </p:txBody>
+      </p:sp>
+      <p:sp>
+        <p:nvSpPr>
+          <p:cNvPr id="50" name="직사각형 49"/>
+          <p:cNvSpPr/>
+          <p:nvPr/>
+        </p:nvSpPr>
+        <p:spPr>
+          <a:xfrm>
+            <a:off x="5665002" y="3019644"/>
+            <a:ext cx="414670" cy="307777"/>
+          </a:xfrm>
+          <a:prstGeom prst="rect">
+            <a:avLst/>
+          </a:prstGeom>
+          <a:noFill/>
+          <a:ln>
+            <a:solidFill>
+              <a:schemeClr val="tx1"/>
+            </a:solidFill>
+          </a:ln>
+        </p:spPr>
+        <p:style>
+          <a:lnRef idx="2">
+            <a:schemeClr val="accent1">
+              <a:shade val="50000"/>
+            </a:schemeClr>
+          </a:lnRef>
+          <a:fillRef idx="1">
+            <a:schemeClr val="accent1"/>
+          </a:fillRef>
+          <a:effectRef idx="0">
+            <a:schemeClr val="accent1"/>
+          </a:effectRef>
+          <a:fontRef idx="minor">
+            <a:schemeClr val="lt1"/>
+          </a:fontRef>
+        </p:style>
+        <p:txBody>
+          <a:bodyPr rtlCol="0" anchor="ctr"/>
+          <a:lstStyle/>
+          <a:p>
+            <a:pPr algn="ctr"/>
+            <a:r>
+              <a:rPr lang="en-US" altLang="ko-KR" sz="1400" dirty="0" smtClean="0">
+                <a:solidFill>
+                  <a:schemeClr val="tx1"/>
+                </a:solidFill>
+              </a:rPr>
+              <a:t>18</a:t>
+            </a:r>
+            <a:endParaRPr lang="ko-KR" altLang="en-US" sz="1400" dirty="0">
+              <a:solidFill>
+                <a:schemeClr val="tx1"/>
+              </a:solidFill>
+            </a:endParaRPr>
+          </a:p>
+        </p:txBody>
+      </p:sp>
+      <p:sp>
+        <p:nvSpPr>
+          <p:cNvPr id="51" name="직사각형 50"/>
+          <p:cNvSpPr/>
+          <p:nvPr/>
+        </p:nvSpPr>
+        <p:spPr>
+          <a:xfrm>
+            <a:off x="6081800" y="3019644"/>
+            <a:ext cx="423174" cy="307777"/>
+          </a:xfrm>
+          <a:prstGeom prst="rect">
+            <a:avLst/>
+          </a:prstGeom>
+          <a:noFill/>
+          <a:ln>
+            <a:solidFill>
+              <a:schemeClr val="tx1"/>
+            </a:solidFill>
+          </a:ln>
+        </p:spPr>
+        <p:style>
+          <a:lnRef idx="2">
+            <a:schemeClr val="accent1">
+              <a:shade val="50000"/>
+            </a:schemeClr>
+          </a:lnRef>
+          <a:fillRef idx="1">
+            <a:schemeClr val="accent1"/>
+          </a:fillRef>
+          <a:effectRef idx="0">
+            <a:schemeClr val="accent1"/>
+          </a:effectRef>
+          <a:fontRef idx="minor">
+            <a:schemeClr val="lt1"/>
+          </a:fontRef>
+        </p:style>
+        <p:txBody>
+          <a:bodyPr rtlCol="0" anchor="ctr"/>
+          <a:lstStyle/>
+          <a:p>
+            <a:pPr algn="ctr"/>
+            <a:r>
+              <a:rPr lang="en-US" altLang="ko-KR" sz="1400" dirty="0" smtClean="0">
+                <a:solidFill>
+                  <a:schemeClr val="tx1"/>
+                </a:solidFill>
+              </a:rPr>
+              <a:t>19</a:t>
+            </a:r>
+            <a:endParaRPr lang="ko-KR" altLang="en-US" sz="1400" dirty="0">
+              <a:solidFill>
+                <a:schemeClr val="tx1"/>
+              </a:solidFill>
+            </a:endParaRPr>
+          </a:p>
+        </p:txBody>
+      </p:sp>
+      <p:sp>
+        <p:nvSpPr>
+          <p:cNvPr id="52" name="직사각형 51"/>
+          <p:cNvSpPr/>
+          <p:nvPr/>
+        </p:nvSpPr>
+        <p:spPr>
+          <a:xfrm>
+            <a:off x="6504974" y="3019644"/>
+            <a:ext cx="423174" cy="307777"/>
+          </a:xfrm>
+          <a:prstGeom prst="rect">
+            <a:avLst/>
+          </a:prstGeom>
+          <a:noFill/>
+          <a:ln>
+            <a:solidFill>
+              <a:schemeClr val="tx1"/>
+            </a:solidFill>
+          </a:ln>
+        </p:spPr>
+        <p:style>
+          <a:lnRef idx="2">
+            <a:schemeClr val="accent1">
+              <a:shade val="50000"/>
+            </a:schemeClr>
+          </a:lnRef>
+          <a:fillRef idx="1">
+            <a:schemeClr val="accent1"/>
+          </a:fillRef>
+          <a:effectRef idx="0">
+            <a:schemeClr val="accent1"/>
+          </a:effectRef>
+          <a:fontRef idx="minor">
+            <a:schemeClr val="lt1"/>
+          </a:fontRef>
+        </p:style>
+        <p:txBody>
+          <a:bodyPr rtlCol="0" anchor="ctr"/>
+          <a:lstStyle/>
+          <a:p>
+            <a:pPr algn="ctr"/>
+            <a:r>
+              <a:rPr lang="en-US" altLang="ko-KR" sz="1400" dirty="0" smtClean="0">
+                <a:solidFill>
+                  <a:schemeClr val="tx1"/>
+                </a:solidFill>
+              </a:rPr>
+              <a:t>20</a:t>
+            </a:r>
+            <a:endParaRPr lang="ko-KR" altLang="en-US" sz="1400" dirty="0">
+              <a:solidFill>
+                <a:schemeClr val="tx1"/>
+              </a:solidFill>
+            </a:endParaRPr>
+          </a:p>
+        </p:txBody>
+      </p:sp>
+      <p:sp>
+        <p:nvSpPr>
+          <p:cNvPr id="53" name="직사각형 52"/>
+          <p:cNvSpPr/>
+          <p:nvPr/>
+        </p:nvSpPr>
+        <p:spPr>
+          <a:xfrm>
+            <a:off x="6928148" y="3019644"/>
+            <a:ext cx="423174" cy="307777"/>
+          </a:xfrm>
+          <a:prstGeom prst="rect">
+            <a:avLst/>
+          </a:prstGeom>
+          <a:noFill/>
+          <a:ln>
+            <a:solidFill>
+              <a:schemeClr val="tx1"/>
+            </a:solidFill>
+          </a:ln>
+        </p:spPr>
+        <p:style>
+          <a:lnRef idx="2">
+            <a:schemeClr val="accent1">
+              <a:shade val="50000"/>
+            </a:schemeClr>
+          </a:lnRef>
+          <a:fillRef idx="1">
+            <a:schemeClr val="accent1"/>
+          </a:fillRef>
+          <a:effectRef idx="0">
+            <a:schemeClr val="accent1"/>
+          </a:effectRef>
+          <a:fontRef idx="minor">
+            <a:schemeClr val="lt1"/>
+          </a:fontRef>
+        </p:style>
+        <p:txBody>
+          <a:bodyPr rtlCol="0" anchor="ctr"/>
+          <a:lstStyle/>
+          <a:p>
+            <a:pPr algn="ctr"/>
+            <a:r>
+              <a:rPr lang="en-US" altLang="ko-KR" sz="1400" dirty="0" smtClean="0">
+                <a:solidFill>
+                  <a:schemeClr val="tx1"/>
+                </a:solidFill>
+              </a:rPr>
+              <a:t>21</a:t>
+            </a:r>
+            <a:endParaRPr lang="ko-KR" altLang="en-US" sz="1400" dirty="0">
+              <a:solidFill>
+                <a:schemeClr val="tx1"/>
+              </a:solidFill>
+            </a:endParaRPr>
+          </a:p>
+        </p:txBody>
+      </p:sp>
+      <p:sp>
+        <p:nvSpPr>
+          <p:cNvPr id="59" name="TextBox 58"/>
+          <p:cNvSpPr txBox="1"/>
+          <p:nvPr/>
+        </p:nvSpPr>
+        <p:spPr>
+          <a:xfrm>
+            <a:off x="818694" y="3580667"/>
+            <a:ext cx="935666" cy="523220"/>
+          </a:xfrm>
+          <a:prstGeom prst="rect">
+            <a:avLst/>
+          </a:prstGeom>
+          <a:noFill/>
+        </p:spPr>
+        <p:txBody>
+          <a:bodyPr wrap="square" rtlCol="0">
+            <a:spAutoFit/>
+          </a:bodyPr>
+          <a:lstStyle/>
+          <a:p>
+            <a:r>
+              <a:rPr lang="ko-KR" altLang="en-US" sz="1400" smtClean="0"/>
+              <a:t>카테고리선</a:t>
+            </a:r>
+            <a:r>
+              <a:rPr lang="ko-KR" altLang="en-US" sz="1400"/>
+              <a:t>택</a:t>
+            </a:r>
+            <a:endParaRPr lang="ko-KR" altLang="en-US" sz="1400" dirty="0"/>
+          </a:p>
+        </p:txBody>
+      </p:sp>
+      <p:sp>
+        <p:nvSpPr>
+          <p:cNvPr id="60" name="직사각형 59"/>
+          <p:cNvSpPr/>
+          <p:nvPr/>
+        </p:nvSpPr>
+        <p:spPr>
+          <a:xfrm>
+            <a:off x="2074390" y="3504605"/>
+            <a:ext cx="1062191" cy="393902"/>
+          </a:xfrm>
+          <a:prstGeom prst="rect">
+            <a:avLst/>
+          </a:prstGeom>
+          <a:noFill/>
+          <a:ln>
+            <a:solidFill>
+              <a:schemeClr val="tx1"/>
+            </a:solidFill>
+          </a:ln>
+        </p:spPr>
+        <p:style>
+          <a:lnRef idx="2">
+            <a:schemeClr val="accent1">
+              <a:shade val="50000"/>
+            </a:schemeClr>
+          </a:lnRef>
+          <a:fillRef idx="1">
+            <a:schemeClr val="accent1"/>
+          </a:fillRef>
+          <a:effectRef idx="0">
+            <a:schemeClr val="accent1"/>
+          </a:effectRef>
+          <a:fontRef idx="minor">
+            <a:schemeClr val="lt1"/>
+          </a:fontRef>
+        </p:style>
+        <p:txBody>
+          <a:bodyPr rtlCol="0" anchor="ctr"/>
+          <a:lstStyle/>
+          <a:p>
+            <a:pPr algn="ctr"/>
+            <a:r>
+              <a:rPr lang="en-US" altLang="ko-KR" sz="1400" dirty="0" smtClean="0">
+                <a:solidFill>
+                  <a:schemeClr val="tx1"/>
+                </a:solidFill>
+              </a:rPr>
+              <a:t>IT</a:t>
+            </a:r>
+            <a:r>
+              <a:rPr lang="ko-KR" altLang="en-US" sz="1400" dirty="0" smtClean="0">
+                <a:solidFill>
+                  <a:schemeClr val="tx1"/>
+                </a:solidFill>
+              </a:rPr>
+              <a:t>기술</a:t>
+            </a:r>
+            <a:endParaRPr lang="ko-KR" altLang="en-US" sz="1400" dirty="0">
+              <a:solidFill>
+                <a:schemeClr val="tx1"/>
+              </a:solidFill>
+            </a:endParaRPr>
+          </a:p>
+        </p:txBody>
+      </p:sp>
+      <p:sp>
+        <p:nvSpPr>
+          <p:cNvPr id="69" name="직사각형 68"/>
+          <p:cNvSpPr/>
+          <p:nvPr/>
+        </p:nvSpPr>
+        <p:spPr>
+          <a:xfrm>
+            <a:off x="3136582" y="3504605"/>
+            <a:ext cx="1062191" cy="393902"/>
+          </a:xfrm>
+          <a:prstGeom prst="rect">
+            <a:avLst/>
+          </a:prstGeom>
+          <a:noFill/>
+          <a:ln>
+            <a:solidFill>
+              <a:schemeClr val="tx1"/>
+            </a:solidFill>
+          </a:ln>
+        </p:spPr>
+        <p:style>
+          <a:lnRef idx="2">
+            <a:schemeClr val="accent1">
+              <a:shade val="50000"/>
+            </a:schemeClr>
+          </a:lnRef>
+          <a:fillRef idx="1">
+            <a:schemeClr val="accent1"/>
+          </a:fillRef>
+          <a:effectRef idx="0">
+            <a:schemeClr val="accent1"/>
+          </a:effectRef>
+          <a:fontRef idx="minor">
+            <a:schemeClr val="lt1"/>
+          </a:fontRef>
+        </p:style>
+        <p:txBody>
+          <a:bodyPr rtlCol="0" anchor="ctr"/>
+          <a:lstStyle/>
+          <a:p>
+            <a:pPr algn="ctr"/>
+            <a:r>
+              <a:rPr lang="ko-KR" altLang="en-US" sz="1400" dirty="0" smtClean="0">
+                <a:solidFill>
+                  <a:schemeClr val="tx1"/>
+                </a:solidFill>
+              </a:rPr>
+              <a:t>스포츠</a:t>
+            </a:r>
+            <a:endParaRPr lang="ko-KR" altLang="en-US" sz="1400" dirty="0">
+              <a:solidFill>
+                <a:schemeClr val="tx1"/>
+              </a:solidFill>
+            </a:endParaRPr>
+          </a:p>
+        </p:txBody>
+      </p:sp>
+      <p:sp>
+        <p:nvSpPr>
+          <p:cNvPr id="71" name="직사각형 70"/>
+          <p:cNvSpPr/>
+          <p:nvPr/>
+        </p:nvSpPr>
+        <p:spPr>
+          <a:xfrm>
+            <a:off x="4198774" y="3504605"/>
+            <a:ext cx="1062191" cy="393902"/>
+          </a:xfrm>
+          <a:prstGeom prst="rect">
+            <a:avLst/>
+          </a:prstGeom>
+          <a:noFill/>
+          <a:ln>
+            <a:solidFill>
+              <a:schemeClr val="tx1"/>
+            </a:solidFill>
+          </a:ln>
+        </p:spPr>
+        <p:style>
+          <a:lnRef idx="2">
+            <a:schemeClr val="accent1">
+              <a:shade val="50000"/>
+            </a:schemeClr>
+          </a:lnRef>
+          <a:fillRef idx="1">
+            <a:schemeClr val="accent1"/>
+          </a:fillRef>
+          <a:effectRef idx="0">
+            <a:schemeClr val="accent1"/>
+          </a:effectRef>
+          <a:fontRef idx="minor">
+            <a:schemeClr val="lt1"/>
+          </a:fontRef>
+        </p:style>
+        <p:txBody>
+          <a:bodyPr rtlCol="0" anchor="ctr"/>
+          <a:lstStyle/>
+          <a:p>
+            <a:pPr algn="ctr"/>
+            <a:r>
+              <a:rPr lang="ko-KR" altLang="en-US" sz="1400" dirty="0" smtClean="0">
+                <a:solidFill>
+                  <a:schemeClr val="tx1"/>
+                </a:solidFill>
+              </a:rPr>
+              <a:t>건강</a:t>
+            </a:r>
+            <a:endParaRPr lang="ko-KR" altLang="en-US" sz="1400" dirty="0">
+              <a:solidFill>
+                <a:schemeClr val="tx1"/>
+              </a:solidFill>
+            </a:endParaRPr>
+          </a:p>
+        </p:txBody>
+      </p:sp>
+      <p:sp>
+        <p:nvSpPr>
+          <p:cNvPr id="72" name="직사각형 71"/>
+          <p:cNvSpPr/>
+          <p:nvPr/>
+        </p:nvSpPr>
+        <p:spPr>
+          <a:xfrm>
+            <a:off x="2074390" y="3905543"/>
+            <a:ext cx="1062191" cy="393902"/>
+          </a:xfrm>
+          <a:prstGeom prst="rect">
+            <a:avLst/>
+          </a:prstGeom>
+          <a:noFill/>
+          <a:ln>
+            <a:solidFill>
+              <a:schemeClr val="tx1"/>
+            </a:solidFill>
+          </a:ln>
+        </p:spPr>
+        <p:style>
+          <a:lnRef idx="2">
+            <a:schemeClr val="accent1">
+              <a:shade val="50000"/>
+            </a:schemeClr>
+          </a:lnRef>
+          <a:fillRef idx="1">
+            <a:schemeClr val="accent1"/>
+          </a:fillRef>
+          <a:effectRef idx="0">
+            <a:schemeClr val="accent1"/>
+          </a:effectRef>
+          <a:fontRef idx="minor">
+            <a:schemeClr val="lt1"/>
+          </a:fontRef>
+        </p:style>
+        <p:txBody>
+          <a:bodyPr rtlCol="0" anchor="ctr"/>
+          <a:lstStyle/>
+          <a:p>
+            <a:pPr algn="ctr"/>
+            <a:r>
+              <a:rPr lang="ko-KR" altLang="en-US" sz="1400" dirty="0" smtClean="0">
+                <a:solidFill>
+                  <a:schemeClr val="tx1"/>
+                </a:solidFill>
+              </a:rPr>
+              <a:t>음식</a:t>
+            </a:r>
+            <a:endParaRPr lang="ko-KR" altLang="en-US" sz="1400" dirty="0">
+              <a:solidFill>
+                <a:schemeClr val="tx1"/>
+              </a:solidFill>
+            </a:endParaRPr>
+          </a:p>
+        </p:txBody>
+      </p:sp>
+      <p:sp>
+        <p:nvSpPr>
+          <p:cNvPr id="73" name="직사각형 72"/>
+          <p:cNvSpPr/>
+          <p:nvPr/>
+        </p:nvSpPr>
+        <p:spPr>
+          <a:xfrm>
+            <a:off x="3136582" y="3905543"/>
+            <a:ext cx="1062191" cy="393902"/>
+          </a:xfrm>
+          <a:prstGeom prst="rect">
+            <a:avLst/>
+          </a:prstGeom>
+          <a:noFill/>
+          <a:ln>
+            <a:solidFill>
+              <a:schemeClr val="tx1"/>
+            </a:solidFill>
+          </a:ln>
+        </p:spPr>
+        <p:style>
+          <a:lnRef idx="2">
+            <a:schemeClr val="accent1">
+              <a:shade val="50000"/>
+            </a:schemeClr>
+          </a:lnRef>
+          <a:fillRef idx="1">
+            <a:schemeClr val="accent1"/>
+          </a:fillRef>
+          <a:effectRef idx="0">
+            <a:schemeClr val="accent1"/>
+          </a:effectRef>
+          <a:fontRef idx="minor">
+            <a:schemeClr val="lt1"/>
+          </a:fontRef>
+        </p:style>
+        <p:txBody>
+          <a:bodyPr rtlCol="0" anchor="ctr"/>
+          <a:lstStyle/>
+          <a:p>
+            <a:pPr algn="ctr"/>
+            <a:r>
+              <a:rPr lang="ko-KR" altLang="en-US" sz="1400" dirty="0" smtClean="0">
+                <a:solidFill>
+                  <a:schemeClr val="tx1"/>
+                </a:solidFill>
+              </a:rPr>
+              <a:t>음</a:t>
+            </a:r>
+            <a:r>
+              <a:rPr lang="ko-KR" altLang="en-US" sz="1400" dirty="0">
+                <a:solidFill>
+                  <a:schemeClr val="tx1"/>
+                </a:solidFill>
+              </a:rPr>
+              <a:t>악</a:t>
+            </a:r>
+          </a:p>
+        </p:txBody>
+      </p:sp>
+      <p:sp>
+        <p:nvSpPr>
+          <p:cNvPr id="74" name="직사각형 73"/>
+          <p:cNvSpPr/>
+          <p:nvPr/>
+        </p:nvSpPr>
+        <p:spPr>
+          <a:xfrm>
+            <a:off x="4198774" y="3905543"/>
+            <a:ext cx="1062191" cy="393902"/>
+          </a:xfrm>
+          <a:prstGeom prst="rect">
+            <a:avLst/>
+          </a:prstGeom>
+          <a:noFill/>
+          <a:ln>
+            <a:solidFill>
+              <a:schemeClr val="tx1"/>
+            </a:solidFill>
+          </a:ln>
+        </p:spPr>
+        <p:style>
+          <a:lnRef idx="2">
+            <a:schemeClr val="accent1">
+              <a:shade val="50000"/>
+            </a:schemeClr>
+          </a:lnRef>
+          <a:fillRef idx="1">
+            <a:schemeClr val="accent1"/>
+          </a:fillRef>
+          <a:effectRef idx="0">
+            <a:schemeClr val="accent1"/>
+          </a:effectRef>
+          <a:fontRef idx="minor">
+            <a:schemeClr val="lt1"/>
+          </a:fontRef>
+        </p:style>
+        <p:txBody>
+          <a:bodyPr rtlCol="0" anchor="ctr"/>
+          <a:lstStyle/>
+          <a:p>
+            <a:pPr algn="ctr"/>
+            <a:r>
+              <a:rPr lang="ko-KR" altLang="en-US" sz="1400" dirty="0" smtClean="0">
+                <a:solidFill>
+                  <a:schemeClr val="tx1"/>
+                </a:solidFill>
+              </a:rPr>
+              <a:t>가</a:t>
+            </a:r>
+            <a:r>
+              <a:rPr lang="ko-KR" altLang="en-US" sz="1400" dirty="0">
+                <a:solidFill>
+                  <a:schemeClr val="tx1"/>
+                </a:solidFill>
+              </a:rPr>
+              <a:t>족</a:t>
+            </a:r>
+          </a:p>
+        </p:txBody>
+      </p:sp>
+      <p:sp>
+        <p:nvSpPr>
+          <p:cNvPr id="75" name="직사각형 74"/>
+          <p:cNvSpPr/>
+          <p:nvPr/>
+        </p:nvSpPr>
+        <p:spPr>
+          <a:xfrm>
+            <a:off x="2074390" y="4299445"/>
+            <a:ext cx="1062191" cy="393902"/>
+          </a:xfrm>
+          <a:prstGeom prst="rect">
+            <a:avLst/>
+          </a:prstGeom>
+          <a:noFill/>
+          <a:ln>
+            <a:solidFill>
+              <a:schemeClr val="tx1"/>
+            </a:solidFill>
+          </a:ln>
+        </p:spPr>
+        <p:style>
+          <a:lnRef idx="2">
+            <a:schemeClr val="accent1">
+              <a:shade val="50000"/>
+            </a:schemeClr>
+          </a:lnRef>
+          <a:fillRef idx="1">
+            <a:schemeClr val="accent1"/>
+          </a:fillRef>
+          <a:effectRef idx="0">
+            <a:schemeClr val="accent1"/>
+          </a:effectRef>
+          <a:fontRef idx="minor">
+            <a:schemeClr val="lt1"/>
+          </a:fontRef>
+        </p:style>
+        <p:txBody>
+          <a:bodyPr rtlCol="0" anchor="ctr"/>
+          <a:lstStyle/>
+          <a:p>
+            <a:pPr algn="ctr"/>
+            <a:r>
+              <a:rPr lang="ko-KR" altLang="en-US" sz="1400" dirty="0" smtClean="0">
+                <a:solidFill>
+                  <a:schemeClr val="tx1"/>
+                </a:solidFill>
+              </a:rPr>
+              <a:t>언어문화</a:t>
+            </a:r>
+            <a:endParaRPr lang="ko-KR" altLang="en-US" sz="1400" dirty="0">
+              <a:solidFill>
+                <a:schemeClr val="tx1"/>
+              </a:solidFill>
+            </a:endParaRPr>
+          </a:p>
+        </p:txBody>
+      </p:sp>
+      <p:sp>
+        <p:nvSpPr>
+          <p:cNvPr id="76" name="직사각형 75"/>
+          <p:cNvSpPr/>
+          <p:nvPr/>
+        </p:nvSpPr>
+        <p:spPr>
+          <a:xfrm>
+            <a:off x="3136582" y="4299445"/>
+            <a:ext cx="1062191" cy="393902"/>
+          </a:xfrm>
+          <a:prstGeom prst="rect">
+            <a:avLst/>
+          </a:prstGeom>
+          <a:noFill/>
+          <a:ln>
+            <a:solidFill>
+              <a:schemeClr val="tx1"/>
+            </a:solidFill>
+          </a:ln>
+        </p:spPr>
+        <p:style>
+          <a:lnRef idx="2">
+            <a:schemeClr val="accent1">
+              <a:shade val="50000"/>
+            </a:schemeClr>
+          </a:lnRef>
+          <a:fillRef idx="1">
+            <a:schemeClr val="accent1"/>
+          </a:fillRef>
+          <a:effectRef idx="0">
+            <a:schemeClr val="accent1"/>
+          </a:effectRef>
+          <a:fontRef idx="minor">
+            <a:schemeClr val="lt1"/>
+          </a:fontRef>
+        </p:style>
+        <p:txBody>
+          <a:bodyPr rtlCol="0" anchor="ctr"/>
+          <a:lstStyle/>
+          <a:p>
+            <a:pPr algn="ctr"/>
+            <a:r>
+              <a:rPr lang="ko-KR" altLang="en-US" sz="1400" dirty="0" smtClean="0">
+                <a:solidFill>
+                  <a:schemeClr val="tx1"/>
+                </a:solidFill>
+              </a:rPr>
+              <a:t>영상제작</a:t>
+            </a:r>
+            <a:endParaRPr lang="ko-KR" altLang="en-US" sz="1400" dirty="0">
+              <a:solidFill>
+                <a:schemeClr val="tx1"/>
+              </a:solidFill>
+            </a:endParaRPr>
+          </a:p>
+        </p:txBody>
+      </p:sp>
+      <p:sp>
+        <p:nvSpPr>
+          <p:cNvPr id="77" name="직사각형 76"/>
+          <p:cNvSpPr/>
+          <p:nvPr/>
+        </p:nvSpPr>
+        <p:spPr>
+          <a:xfrm>
+            <a:off x="4198774" y="4299445"/>
+            <a:ext cx="1062191" cy="393902"/>
+          </a:xfrm>
+          <a:prstGeom prst="rect">
+            <a:avLst/>
+          </a:prstGeom>
+          <a:noFill/>
+          <a:ln>
+            <a:solidFill>
+              <a:schemeClr val="tx1"/>
+            </a:solidFill>
+          </a:ln>
+        </p:spPr>
+        <p:style>
+          <a:lnRef idx="2">
+            <a:schemeClr val="accent1">
+              <a:shade val="50000"/>
+            </a:schemeClr>
+          </a:lnRef>
+          <a:fillRef idx="1">
+            <a:schemeClr val="accent1"/>
+          </a:fillRef>
+          <a:effectRef idx="0">
+            <a:schemeClr val="accent1"/>
+          </a:effectRef>
+          <a:fontRef idx="minor">
+            <a:schemeClr val="lt1"/>
+          </a:fontRef>
+        </p:style>
+        <p:txBody>
+          <a:bodyPr rtlCol="0" anchor="ctr"/>
+          <a:lstStyle/>
+          <a:p>
+            <a:pPr algn="ctr"/>
+            <a:r>
+              <a:rPr lang="ko-KR" altLang="en-US" sz="1400" dirty="0" smtClean="0">
+                <a:solidFill>
+                  <a:schemeClr val="tx1"/>
+                </a:solidFill>
+              </a:rPr>
+              <a:t>기</a:t>
+            </a:r>
+            <a:r>
+              <a:rPr lang="ko-KR" altLang="en-US" sz="1400" dirty="0">
+                <a:solidFill>
+                  <a:schemeClr val="tx1"/>
+                </a:solidFill>
+              </a:rPr>
+              <a:t>타</a:t>
+            </a:r>
+          </a:p>
+        </p:txBody>
+      </p:sp>
+      <p:sp>
+        <p:nvSpPr>
+          <p:cNvPr id="78" name="TextBox 77"/>
+          <p:cNvSpPr txBox="1"/>
+          <p:nvPr/>
+        </p:nvSpPr>
+        <p:spPr>
+          <a:xfrm>
+            <a:off x="893111" y="4856672"/>
+            <a:ext cx="786832" cy="523220"/>
+          </a:xfrm>
+          <a:prstGeom prst="rect">
+            <a:avLst/>
+          </a:prstGeom>
+          <a:noFill/>
+        </p:spPr>
+        <p:txBody>
+          <a:bodyPr wrap="square" rtlCol="0">
+            <a:spAutoFit/>
+          </a:bodyPr>
+          <a:lstStyle/>
+          <a:p>
+            <a:r>
+              <a:rPr lang="ko-KR" altLang="en-US" sz="1400" dirty="0" smtClean="0"/>
+              <a:t>세미나 소개</a:t>
+            </a:r>
+            <a:endParaRPr lang="ko-KR" altLang="en-US" sz="1400" dirty="0"/>
+          </a:p>
+        </p:txBody>
+      </p:sp>
+      <p:sp>
+        <p:nvSpPr>
+          <p:cNvPr id="79" name="직사각형 78"/>
+          <p:cNvSpPr/>
+          <p:nvPr/>
+        </p:nvSpPr>
+        <p:spPr>
+          <a:xfrm>
+            <a:off x="1881961" y="4818111"/>
+            <a:ext cx="5469361" cy="795930"/>
+          </a:xfrm>
+          <a:prstGeom prst="rect">
+            <a:avLst/>
+          </a:prstGeom>
+          <a:noFill/>
+          <a:ln>
+            <a:solidFill>
+              <a:schemeClr val="tx1"/>
+            </a:solidFill>
+          </a:ln>
+        </p:spPr>
+        <p:style>
+          <a:lnRef idx="2">
+            <a:schemeClr val="accent1">
+              <a:shade val="50000"/>
+            </a:schemeClr>
+          </a:lnRef>
+          <a:fillRef idx="1">
+            <a:schemeClr val="accent1"/>
+          </a:fillRef>
+          <a:effectRef idx="0">
+            <a:schemeClr val="accent1"/>
+          </a:effectRef>
+          <a:fontRef idx="minor">
+            <a:schemeClr val="lt1"/>
+          </a:fontRef>
+        </p:style>
+        <p:txBody>
+          <a:bodyPr rtlCol="0" anchor="ctr"/>
+          <a:lstStyle/>
+          <a:p>
+            <a:pPr algn="ctr"/>
+            <a:endParaRPr lang="ko-KR" altLang="en-US"/>
+          </a:p>
+        </p:txBody>
+      </p:sp>
+      <p:sp>
+        <p:nvSpPr>
+          <p:cNvPr id="16" name="직사각형 15"/>
+          <p:cNvSpPr/>
+          <p:nvPr/>
+        </p:nvSpPr>
+        <p:spPr>
+          <a:xfrm>
+            <a:off x="3670467" y="6272752"/>
+            <a:ext cx="1233376" cy="393404"/>
+          </a:xfrm>
+          <a:prstGeom prst="rect">
+            <a:avLst/>
+          </a:prstGeom>
+        </p:spPr>
+        <p:style>
+          <a:lnRef idx="2">
+            <a:schemeClr val="accent5">
+              <a:shade val="50000"/>
+            </a:schemeClr>
+          </a:lnRef>
+          <a:fillRef idx="1">
+            <a:schemeClr val="accent5"/>
+          </a:fillRef>
+          <a:effectRef idx="0">
+            <a:schemeClr val="accent5"/>
+          </a:effectRef>
+          <a:fontRef idx="minor">
+            <a:schemeClr val="lt1"/>
+          </a:fontRef>
+        </p:style>
+        <p:txBody>
+          <a:bodyPr rtlCol="0" anchor="ctr"/>
+          <a:lstStyle/>
+          <a:p>
+            <a:pPr algn="ctr"/>
+            <a:r>
+              <a:rPr lang="ko-KR" altLang="en-US" dirty="0" smtClean="0">
+                <a:solidFill>
+                  <a:schemeClr val="tx1"/>
+                </a:solidFill>
+              </a:rPr>
+              <a:t>등록하기</a:t>
+            </a:r>
+            <a:endParaRPr lang="ko-KR" altLang="en-US" dirty="0">
+              <a:solidFill>
+                <a:schemeClr val="tx1"/>
+              </a:solidFill>
+            </a:endParaRPr>
+          </a:p>
+        </p:txBody>
+      </p:sp>
+      <p:sp>
+        <p:nvSpPr>
+          <p:cNvPr id="81" name="TextBox 80"/>
+          <p:cNvSpPr txBox="1"/>
+          <p:nvPr/>
+        </p:nvSpPr>
+        <p:spPr>
+          <a:xfrm>
+            <a:off x="664510" y="5712596"/>
+            <a:ext cx="1392867" cy="307777"/>
+          </a:xfrm>
+          <a:prstGeom prst="rect">
+            <a:avLst/>
+          </a:prstGeom>
+          <a:noFill/>
+        </p:spPr>
+        <p:txBody>
+          <a:bodyPr wrap="square" rtlCol="0">
+            <a:spAutoFit/>
+          </a:bodyPr>
+          <a:lstStyle/>
+          <a:p>
+            <a:r>
+              <a:rPr lang="ko-KR" altLang="en-US" sz="1400" smtClean="0"/>
+              <a:t>최대 인원수</a:t>
+            </a:r>
+            <a:endParaRPr lang="ko-KR" altLang="en-US" sz="1400" dirty="0"/>
+          </a:p>
+        </p:txBody>
+      </p:sp>
+      <p:sp>
+        <p:nvSpPr>
+          <p:cNvPr id="82" name="직사각형 81"/>
+          <p:cNvSpPr/>
+          <p:nvPr/>
+        </p:nvSpPr>
+        <p:spPr>
+          <a:xfrm>
+            <a:off x="1988288" y="5730433"/>
+            <a:ext cx="530542" cy="307777"/>
+          </a:xfrm>
+          <a:prstGeom prst="rect">
+            <a:avLst/>
+          </a:prstGeom>
+          <a:noFill/>
+          <a:ln>
+            <a:solidFill>
+              <a:schemeClr val="tx1"/>
+            </a:solidFill>
+          </a:ln>
+        </p:spPr>
+        <p:style>
+          <a:lnRef idx="2">
+            <a:schemeClr val="accent1">
+              <a:shade val="50000"/>
+            </a:schemeClr>
+          </a:lnRef>
+          <a:fillRef idx="1">
+            <a:schemeClr val="accent1"/>
+          </a:fillRef>
+          <a:effectRef idx="0">
+            <a:schemeClr val="accent1"/>
+          </a:effectRef>
+          <a:fontRef idx="minor">
+            <a:schemeClr val="lt1"/>
+          </a:fontRef>
+        </p:style>
+        <p:txBody>
+          <a:bodyPr rtlCol="0" anchor="ctr"/>
+          <a:lstStyle/>
+          <a:p>
+            <a:pPr algn="ctr"/>
+            <a:endParaRPr lang="ko-KR" altLang="en-US"/>
+          </a:p>
+        </p:txBody>
+      </p:sp>
+      <p:sp>
+        <p:nvSpPr>
+          <p:cNvPr id="18" name="직사각형 17"/>
+          <p:cNvSpPr/>
+          <p:nvPr/>
+        </p:nvSpPr>
+        <p:spPr>
+          <a:xfrm>
+            <a:off x="2240810" y="1445256"/>
+            <a:ext cx="217967" cy="254903"/>
+          </a:xfrm>
+          <a:prstGeom prst="rect">
+            <a:avLst/>
+          </a:prstGeom>
+          <a:solidFill>
+            <a:srgbClr val="FF0000"/>
+          </a:solidFill>
+        </p:spPr>
+        <p:style>
+          <a:lnRef idx="2">
+            <a:schemeClr val="accent1">
+              <a:shade val="50000"/>
+            </a:schemeClr>
+          </a:lnRef>
+          <a:fillRef idx="1">
+            <a:schemeClr val="accent1"/>
+          </a:fillRef>
+          <a:effectRef idx="0">
+            <a:schemeClr val="accent1"/>
+          </a:effectRef>
+          <a:fontRef idx="minor">
+            <a:schemeClr val="lt1"/>
+          </a:fontRef>
+        </p:style>
+        <p:txBody>
+          <a:bodyPr rtlCol="0" anchor="ctr"/>
+          <a:lstStyle/>
+          <a:p>
+            <a:pPr algn="ctr"/>
+            <a:r>
+              <a:rPr lang="en-US" altLang="ko-KR" dirty="0" smtClean="0"/>
+              <a:t>1</a:t>
+            </a:r>
+            <a:endParaRPr lang="ko-KR" altLang="en-US" dirty="0"/>
+          </a:p>
+        </p:txBody>
+      </p:sp>
+      <p:sp>
+        <p:nvSpPr>
+          <p:cNvPr id="84" name="TextBox 83"/>
+          <p:cNvSpPr txBox="1"/>
+          <p:nvPr/>
+        </p:nvSpPr>
+        <p:spPr>
+          <a:xfrm>
+            <a:off x="3236798" y="5712596"/>
+            <a:ext cx="1392867" cy="307777"/>
+          </a:xfrm>
+          <a:prstGeom prst="rect">
+            <a:avLst/>
+          </a:prstGeom>
+          <a:noFill/>
+        </p:spPr>
+        <p:txBody>
+          <a:bodyPr wrap="square" rtlCol="0">
+            <a:spAutoFit/>
+          </a:bodyPr>
+          <a:lstStyle/>
+          <a:p>
+            <a:r>
+              <a:rPr lang="ko-KR" altLang="en-US" sz="1400" dirty="0" smtClean="0"/>
+              <a:t>참가비 설정</a:t>
+            </a:r>
+            <a:endParaRPr lang="ko-KR" altLang="en-US" sz="1400" dirty="0"/>
+          </a:p>
+        </p:txBody>
+      </p:sp>
+      <p:sp>
+        <p:nvSpPr>
+          <p:cNvPr id="85" name="직사각형 84"/>
+          <p:cNvSpPr/>
+          <p:nvPr/>
+        </p:nvSpPr>
+        <p:spPr>
+          <a:xfrm>
+            <a:off x="4497571" y="5730433"/>
+            <a:ext cx="1677318" cy="307777"/>
+          </a:xfrm>
+          <a:prstGeom prst="rect">
+            <a:avLst/>
+          </a:prstGeom>
+          <a:noFill/>
+          <a:ln>
+            <a:solidFill>
+              <a:schemeClr val="tx1"/>
+            </a:solidFill>
+          </a:ln>
+        </p:spPr>
+        <p:style>
+          <a:lnRef idx="2">
+            <a:schemeClr val="accent1">
+              <a:shade val="50000"/>
+            </a:schemeClr>
+          </a:lnRef>
+          <a:fillRef idx="1">
+            <a:schemeClr val="accent1"/>
+          </a:fillRef>
+          <a:effectRef idx="0">
+            <a:schemeClr val="accent1"/>
+          </a:effectRef>
+          <a:fontRef idx="minor">
+            <a:schemeClr val="lt1"/>
+          </a:fontRef>
+        </p:style>
+        <p:txBody>
+          <a:bodyPr rtlCol="0" anchor="ctr"/>
+          <a:lstStyle/>
+          <a:p>
+            <a:pPr algn="ctr"/>
+            <a:endParaRPr lang="ko-KR" altLang="en-US"/>
+          </a:p>
+        </p:txBody>
+      </p:sp>
+      <p:sp>
+        <p:nvSpPr>
+          <p:cNvPr id="54" name="직사각형 53"/>
+          <p:cNvSpPr/>
+          <p:nvPr/>
+        </p:nvSpPr>
+        <p:spPr>
+          <a:xfrm>
+            <a:off x="1700320" y="2840417"/>
+            <a:ext cx="217967" cy="254903"/>
+          </a:xfrm>
+          <a:prstGeom prst="rect">
+            <a:avLst/>
+          </a:prstGeom>
+          <a:solidFill>
+            <a:srgbClr val="FF0000"/>
+          </a:solidFill>
+        </p:spPr>
+        <p:style>
+          <a:lnRef idx="2">
+            <a:schemeClr val="accent1">
+              <a:shade val="50000"/>
+            </a:schemeClr>
+          </a:lnRef>
+          <a:fillRef idx="1">
+            <a:schemeClr val="accent1"/>
+          </a:fillRef>
+          <a:effectRef idx="0">
+            <a:schemeClr val="accent1"/>
+          </a:effectRef>
+          <a:fontRef idx="minor">
+            <a:schemeClr val="lt1"/>
+          </a:fontRef>
+        </p:style>
+        <p:txBody>
+          <a:bodyPr rtlCol="0" anchor="ctr"/>
+          <a:lstStyle/>
+          <a:p>
+            <a:pPr algn="ctr"/>
+            <a:r>
+              <a:rPr lang="en-US" altLang="ko-KR" dirty="0"/>
+              <a:t>2</a:t>
+            </a:r>
+            <a:endParaRPr lang="ko-KR" altLang="en-US" dirty="0"/>
+          </a:p>
+        </p:txBody>
+      </p:sp>
+      <p:sp>
+        <p:nvSpPr>
+          <p:cNvPr id="55" name="직사각형 54"/>
+          <p:cNvSpPr/>
+          <p:nvPr/>
+        </p:nvSpPr>
+        <p:spPr>
+          <a:xfrm>
+            <a:off x="3561483" y="6145300"/>
+            <a:ext cx="217967" cy="254903"/>
+          </a:xfrm>
+          <a:prstGeom prst="rect">
+            <a:avLst/>
+          </a:prstGeom>
+          <a:solidFill>
+            <a:srgbClr val="FF0000"/>
+          </a:solidFill>
+        </p:spPr>
+        <p:style>
+          <a:lnRef idx="2">
+            <a:schemeClr val="accent1">
+              <a:shade val="50000"/>
+            </a:schemeClr>
+          </a:lnRef>
+          <a:fillRef idx="1">
+            <a:schemeClr val="accent1"/>
+          </a:fillRef>
+          <a:effectRef idx="0">
+            <a:schemeClr val="accent1"/>
+          </a:effectRef>
+          <a:fontRef idx="minor">
+            <a:schemeClr val="lt1"/>
+          </a:fontRef>
+        </p:style>
+        <p:txBody>
+          <a:bodyPr rtlCol="0" anchor="ctr"/>
+          <a:lstStyle/>
+          <a:p>
+            <a:pPr algn="ctr"/>
+            <a:r>
+              <a:rPr lang="en-US" altLang="ko-KR" dirty="0" smtClean="0"/>
+              <a:t>3</a:t>
+            </a:r>
+            <a:endParaRPr lang="ko-KR" altLang="en-US" dirty="0"/>
+          </a:p>
+        </p:txBody>
+      </p:sp>
+    </p:spTree>
+    <p:extLst>
+      <p:ext uri="{BB962C8B-B14F-4D97-AF65-F5344CB8AC3E}">
+        <p14:creationId xmlns:p14="http://schemas.microsoft.com/office/powerpoint/2010/main" val="1538687124"/>
+      </p:ext>
+    </p:extLst>
+  </p:cSld>
+  <p:clrMapOvr>
+    <a:masterClrMapping/>
+  </p:clrMapOvr>
+</p:sld>
+</file>
+
+<file path=ppt/slides/slide2.xml><?xml version="1.0" encoding="utf-8"?>
+<p:sld xmlns:a="http://schemas.openxmlformats.org/drawingml/2006/main" xmlns:r="http://schemas.openxmlformats.org/officeDocument/2006/relationships" xmlns:p="http://schemas.openxmlformats.org/presentationml/2006/main">
+  <p:cSld>
+    <p:spTree>
+      <p:nvGrpSpPr>
+        <p:cNvPr id="1" name="Shape 90"/>
+        <p:cNvGrpSpPr/>
+        <p:nvPr/>
+      </p:nvGrpSpPr>
+      <p:grpSpPr>
+        <a:xfrm>
+          <a:off x="0" y="0"/>
+          <a:ext cx="0" cy="0"/>
+          <a:chOff x="0" y="0"/>
+          <a:chExt cx="0" cy="0"/>
+        </a:xfrm>
+      </p:grpSpPr>
+      <p:graphicFrame>
+        <p:nvGraphicFramePr>
+          <p:cNvPr id="92" name="Google Shape;92;g7c553259d1_0_3"/>
+          <p:cNvGraphicFramePr/>
+          <p:nvPr>
+            <p:extLst>
+              <p:ext uri="{D42A27DB-BD31-4B8C-83A1-F6EECF244321}">
+                <p14:modId xmlns:p14="http://schemas.microsoft.com/office/powerpoint/2010/main" val="3508881341"/>
+              </p:ext>
+            </p:extLst>
+          </p:nvPr>
+        </p:nvGraphicFramePr>
+        <p:xfrm>
+          <a:off x="131604" y="115759"/>
+          <a:ext cx="3693699" cy="960150"/>
+        </p:xfrm>
+        <a:graphic>
+          <a:graphicData uri="http://schemas.openxmlformats.org/drawingml/2006/table">
+            <a:tbl>
+              <a:tblPr firstRow="1" bandRow="1">
+                <a:noFill/>
+              </a:tblPr>
+              <a:tblGrid>
+                <a:gridCol w="1549025">
+                  <a:extLst>
+                    <a:ext uri="{9D8B030D-6E8A-4147-A177-3AD203B41FA5}">
+                      <a16:colId xmlns:a16="http://schemas.microsoft.com/office/drawing/2014/main" xmlns="" val="20000"/>
+                    </a:ext>
+                  </a:extLst>
+                </a:gridCol>
+                <a:gridCol w="2144674">
+                  <a:extLst>
+                    <a:ext uri="{9D8B030D-6E8A-4147-A177-3AD203B41FA5}">
+                      <a16:colId xmlns:a16="http://schemas.microsoft.com/office/drawing/2014/main" xmlns="" val="20001"/>
+                    </a:ext>
+                  </a:extLst>
+                </a:gridCol>
+              </a:tblGrid>
+              <a:tr h="271225">
+                <a:tc>
+                  <a:txBody>
+                    <a:bodyPr/>
+                    <a:lstStyle/>
+                    <a:p>
+                      <a:pPr marL="0" marR="0" lvl="0" indent="0" algn="ctr" rtl="0">
+                        <a:lnSpc>
+                          <a:spcPct val="100000"/>
+                        </a:lnSpc>
+                        <a:spcBef>
+                          <a:spcPts val="0"/>
+                        </a:spcBef>
+                        <a:spcAft>
+                          <a:spcPts val="0"/>
+                        </a:spcAft>
+                        <a:buClr>
+                          <a:srgbClr val="000000"/>
+                        </a:buClr>
+                        <a:buSzPts val="1500"/>
+                        <a:buFont typeface="Arial"/>
+                        <a:buNone/>
+                      </a:pPr>
+                      <a:r>
+                        <a:rPr lang="ko-KR" sz="1500" b="0" u="none" strike="noStrike" cap="none" dirty="0">
+                          <a:solidFill>
+                            <a:schemeClr val="dk1"/>
+                          </a:solidFill>
+                        </a:rPr>
+                        <a:t>화면코드</a:t>
+                      </a:r>
+                      <a:endParaRPr sz="1500" b="0" u="none" strike="noStrike" cap="none" dirty="0">
+                        <a:solidFill>
+                          <a:schemeClr val="dk1"/>
+                        </a:solidFill>
+                      </a:endParaRPr>
+                    </a:p>
+                  </a:txBody>
+                  <a:tcPr marL="91451" marR="91451" marT="45725" marB="45725" anchor="ctr">
+                    <a:lnL w="12700" cap="flat" cmpd="sng">
+                      <a:solidFill>
+                        <a:schemeClr val="dk1"/>
+                      </a:solidFill>
+                      <a:prstDash val="solid"/>
+                      <a:round/>
+                      <a:headEnd type="none" w="sm" len="sm"/>
+                      <a:tailEnd type="none" w="sm" len="sm"/>
+                    </a:lnL>
+                    <a:lnR w="12700" cap="flat" cmpd="sng">
+                      <a:solidFill>
+                        <a:schemeClr val="dk1"/>
+                      </a:solidFill>
+                      <a:prstDash val="solid"/>
+                      <a:round/>
+                      <a:headEnd type="none" w="sm" len="sm"/>
+                      <a:tailEnd type="none" w="sm" len="sm"/>
+                    </a:lnR>
+                    <a:lnT w="12700" cap="flat" cmpd="sng">
+                      <a:solidFill>
+                        <a:schemeClr val="dk1"/>
+                      </a:solidFill>
+                      <a:prstDash val="solid"/>
+                      <a:round/>
+                      <a:headEnd type="none" w="sm" len="sm"/>
+                      <a:tailEnd type="none" w="sm" len="sm"/>
+                    </a:lnT>
+                    <a:lnB w="12700" cap="flat" cmpd="sng">
+                      <a:solidFill>
+                        <a:schemeClr val="dk1"/>
+                      </a:solidFill>
+                      <a:prstDash val="solid"/>
+                      <a:round/>
+                      <a:headEnd type="none" w="sm" len="sm"/>
+                      <a:tailEnd type="none" w="sm" len="sm"/>
+                    </a:lnB>
+                    <a:solidFill>
+                      <a:srgbClr val="D8D8D8"/>
+                    </a:solidFill>
+                  </a:tcPr>
+                </a:tc>
+                <a:tc>
+                  <a:txBody>
+                    <a:bodyPr/>
+                    <a:lstStyle/>
+                    <a:p>
+                      <a:pPr marL="0" marR="0" lvl="0" indent="0" algn="ctr" rtl="0">
+                        <a:lnSpc>
+                          <a:spcPct val="100000"/>
+                        </a:lnSpc>
+                        <a:spcBef>
+                          <a:spcPts val="0"/>
+                        </a:spcBef>
+                        <a:spcAft>
+                          <a:spcPts val="0"/>
+                        </a:spcAft>
+                        <a:buClr>
+                          <a:srgbClr val="000000"/>
+                        </a:buClr>
+                        <a:buSzPts val="1500"/>
+                        <a:buFont typeface="Arial"/>
+                        <a:buNone/>
+                      </a:pPr>
+                      <a:endParaRPr sz="1100" b="0" u="none" strike="noStrike" cap="none" dirty="0">
+                        <a:solidFill>
+                          <a:schemeClr val="dk1"/>
+                        </a:solidFill>
+                      </a:endParaRPr>
+                    </a:p>
+                  </a:txBody>
+                  <a:tcPr marL="91451" marR="91451" marT="45725" marB="45725" anchor="ctr">
+                    <a:lnL w="12700" cap="flat" cmpd="sng">
+                      <a:solidFill>
+                        <a:schemeClr val="dk1"/>
+                      </a:solidFill>
+                      <a:prstDash val="solid"/>
+                      <a:round/>
+                      <a:headEnd type="none" w="sm" len="sm"/>
+                      <a:tailEnd type="none" w="sm" len="sm"/>
+                    </a:lnL>
+                    <a:lnR w="12700" cap="flat" cmpd="sng">
+                      <a:solidFill>
+                        <a:schemeClr val="dk1"/>
+                      </a:solidFill>
+                      <a:prstDash val="solid"/>
+                      <a:round/>
+                      <a:headEnd type="none" w="sm" len="sm"/>
+                      <a:tailEnd type="none" w="sm" len="sm"/>
+                    </a:lnR>
+                    <a:lnT w="12700" cap="flat" cmpd="sng">
+                      <a:solidFill>
+                        <a:schemeClr val="dk1"/>
+                      </a:solidFill>
+                      <a:prstDash val="solid"/>
+                      <a:round/>
+                      <a:headEnd type="none" w="sm" len="sm"/>
+                      <a:tailEnd type="none" w="sm" len="sm"/>
+                    </a:lnT>
+                    <a:lnB w="12700" cap="flat" cmpd="sng">
+                      <a:solidFill>
+                        <a:schemeClr val="dk1"/>
+                      </a:solidFill>
+                      <a:prstDash val="solid"/>
+                      <a:round/>
+                      <a:headEnd type="none" w="sm" len="sm"/>
+                      <a:tailEnd type="none" w="sm" len="sm"/>
+                    </a:lnB>
+                    <a:solidFill>
+                      <a:schemeClr val="lt1"/>
+                    </a:solidFill>
+                  </a:tcPr>
+                </a:tc>
+                <a:extLst>
+                  <a:ext uri="{0D108BD9-81ED-4DB2-BD59-A6C34878D82A}">
+                    <a16:rowId xmlns:a16="http://schemas.microsoft.com/office/drawing/2014/main" xmlns="" val="10000"/>
+                  </a:ext>
+                </a:extLst>
+              </a:tr>
+              <a:tr h="271225">
+                <a:tc rowSpan="2">
+                  <a:txBody>
+                    <a:bodyPr/>
+                    <a:lstStyle/>
+                    <a:p>
+                      <a:pPr marL="0" marR="0" lvl="0" indent="0" algn="ctr" rtl="0">
+                        <a:lnSpc>
+                          <a:spcPct val="100000"/>
+                        </a:lnSpc>
+                        <a:spcBef>
+                          <a:spcPts val="0"/>
+                        </a:spcBef>
+                        <a:spcAft>
+                          <a:spcPts val="0"/>
+                        </a:spcAft>
+                        <a:buClr>
+                          <a:srgbClr val="000000"/>
+                        </a:buClr>
+                        <a:buSzPts val="1500"/>
+                        <a:buFont typeface="Arial"/>
+                        <a:buNone/>
+                      </a:pPr>
+                      <a:r>
+                        <a:rPr lang="ko-KR" sz="1500" b="0" u="none" strike="noStrike" cap="none">
+                          <a:solidFill>
+                            <a:schemeClr val="dk1"/>
+                          </a:solidFill>
+                        </a:rPr>
+                        <a:t>화면명</a:t>
+                      </a:r>
+                      <a:endParaRPr sz="1500" b="0" u="none" strike="noStrike" cap="none">
+                        <a:solidFill>
+                          <a:schemeClr val="dk1"/>
+                        </a:solidFill>
+                      </a:endParaRPr>
+                    </a:p>
+                  </a:txBody>
+                  <a:tcPr marL="91451" marR="91451" marT="45725" marB="45725" anchor="ctr">
+                    <a:lnL w="12700" cap="flat" cmpd="sng">
+                      <a:solidFill>
+                        <a:schemeClr val="dk1"/>
+                      </a:solidFill>
+                      <a:prstDash val="solid"/>
+                      <a:round/>
+                      <a:headEnd type="none" w="sm" len="sm"/>
+                      <a:tailEnd type="none" w="sm" len="sm"/>
+                    </a:lnL>
+                    <a:lnR w="12700" cap="flat" cmpd="sng">
+                      <a:solidFill>
+                        <a:schemeClr val="dk1"/>
+                      </a:solidFill>
+                      <a:prstDash val="solid"/>
+                      <a:round/>
+                      <a:headEnd type="none" w="sm" len="sm"/>
+                      <a:tailEnd type="none" w="sm" len="sm"/>
+                    </a:lnR>
+                    <a:lnT w="12700" cap="flat" cmpd="sng">
+                      <a:solidFill>
+                        <a:schemeClr val="dk1"/>
+                      </a:solidFill>
+                      <a:prstDash val="solid"/>
+                      <a:round/>
+                      <a:headEnd type="none" w="sm" len="sm"/>
+                      <a:tailEnd type="none" w="sm" len="sm"/>
+                    </a:lnT>
+                    <a:lnB w="12700" cap="flat" cmpd="sng">
+                      <a:solidFill>
+                        <a:schemeClr val="dk1"/>
+                      </a:solidFill>
+                      <a:prstDash val="solid"/>
+                      <a:round/>
+                      <a:headEnd type="none" w="sm" len="sm"/>
+                      <a:tailEnd type="none" w="sm" len="sm"/>
+                    </a:lnB>
+                    <a:solidFill>
+                      <a:srgbClr val="D8D8D8"/>
+                    </a:solidFill>
+                  </a:tcPr>
+                </a:tc>
+                <a:tc>
+                  <a:txBody>
+                    <a:bodyPr/>
+                    <a:lstStyle/>
+                    <a:p>
+                      <a:pPr marL="0" marR="0" lvl="0" indent="0" algn="ctr" rtl="0">
+                        <a:lnSpc>
+                          <a:spcPct val="100000"/>
+                        </a:lnSpc>
+                        <a:spcBef>
+                          <a:spcPts val="0"/>
+                        </a:spcBef>
+                        <a:spcAft>
+                          <a:spcPts val="0"/>
+                        </a:spcAft>
+                        <a:buClr>
+                          <a:srgbClr val="000000"/>
+                        </a:buClr>
+                        <a:buSzPts val="1500"/>
+                        <a:buFont typeface="Arial"/>
+                        <a:buNone/>
+                      </a:pPr>
+                      <a:r>
+                        <a:rPr lang="ko-KR" altLang="en-US" sz="1500" b="0" u="none" strike="noStrike" cap="none" dirty="0" smtClean="0">
+                          <a:solidFill>
+                            <a:schemeClr val="dk1"/>
+                          </a:solidFill>
+                        </a:rPr>
+                        <a:t>세미나 등록</a:t>
+                      </a:r>
+                      <a:endParaRPr sz="1500" b="0" u="none" strike="noStrike" cap="none" dirty="0">
+                        <a:solidFill>
+                          <a:schemeClr val="dk1"/>
+                        </a:solidFill>
+                      </a:endParaRPr>
+                    </a:p>
+                  </a:txBody>
+                  <a:tcPr marL="91451" marR="91451" marT="45725" marB="45725" anchor="ctr">
+                    <a:lnL w="12700" cap="flat" cmpd="sng">
+                      <a:solidFill>
+                        <a:schemeClr val="dk1"/>
+                      </a:solidFill>
+                      <a:prstDash val="solid"/>
+                      <a:round/>
+                      <a:headEnd type="none" w="sm" len="sm"/>
+                      <a:tailEnd type="none" w="sm" len="sm"/>
+                    </a:lnL>
+                    <a:lnR w="12700" cap="flat" cmpd="sng">
+                      <a:solidFill>
+                        <a:schemeClr val="dk1"/>
+                      </a:solidFill>
+                      <a:prstDash val="solid"/>
+                      <a:round/>
+                      <a:headEnd type="none" w="sm" len="sm"/>
+                      <a:tailEnd type="none" w="sm" len="sm"/>
+                    </a:lnR>
+                    <a:lnT w="12700" cap="flat" cmpd="sng">
+                      <a:solidFill>
+                        <a:schemeClr val="dk1"/>
+                      </a:solidFill>
+                      <a:prstDash val="solid"/>
+                      <a:round/>
+                      <a:headEnd type="none" w="sm" len="sm"/>
+                      <a:tailEnd type="none" w="sm" len="sm"/>
+                    </a:lnT>
+                    <a:lnB w="12700" cap="flat" cmpd="sng">
+                      <a:solidFill>
+                        <a:schemeClr val="dk1"/>
+                      </a:solidFill>
+                      <a:prstDash val="solid"/>
+                      <a:round/>
+                      <a:headEnd type="none" w="sm" len="sm"/>
+                      <a:tailEnd type="none" w="sm" len="sm"/>
+                    </a:lnB>
+                    <a:solidFill>
+                      <a:schemeClr val="lt1"/>
+                    </a:solidFill>
+                  </a:tcPr>
+                </a:tc>
+                <a:extLst>
+                  <a:ext uri="{0D108BD9-81ED-4DB2-BD59-A6C34878D82A}">
+                    <a16:rowId xmlns:a16="http://schemas.microsoft.com/office/drawing/2014/main" xmlns="" val="10001"/>
+                  </a:ext>
+                </a:extLst>
+              </a:tr>
+              <a:tr h="271225">
+                <a:tc vMerge="1">
+                  <a:txBody>
+                    <a:bodyPr/>
+                    <a:lstStyle/>
+                    <a:p>
+                      <a:endParaRPr lang="ko-KR"/>
+                    </a:p>
+                  </a:txBody>
+                  <a:tcPr/>
+                </a:tc>
+                <a:tc>
+                  <a:txBody>
+                    <a:bodyPr/>
+                    <a:lstStyle/>
+                    <a:p>
+                      <a:pPr marL="0" marR="0" lvl="0" indent="0" algn="ctr" rtl="0">
+                        <a:lnSpc>
+                          <a:spcPct val="100000"/>
+                        </a:lnSpc>
+                        <a:spcBef>
+                          <a:spcPts val="0"/>
+                        </a:spcBef>
+                        <a:spcAft>
+                          <a:spcPts val="0"/>
+                        </a:spcAft>
+                        <a:buClr>
+                          <a:srgbClr val="000000"/>
+                        </a:buClr>
+                        <a:buSzPts val="1500"/>
+                        <a:buFont typeface="Arial"/>
+                        <a:buNone/>
+                      </a:pPr>
+                      <a:endParaRPr sz="1500" b="0" u="none" strike="noStrike" cap="none" dirty="0">
+                        <a:solidFill>
+                          <a:schemeClr val="dk1"/>
+                        </a:solidFill>
+                      </a:endParaRPr>
+                    </a:p>
+                  </a:txBody>
+                  <a:tcPr marL="91451" marR="91451" marT="45725" marB="45725" anchor="ctr">
+                    <a:lnL w="12700" cap="flat" cmpd="sng">
+                      <a:solidFill>
+                        <a:schemeClr val="dk1"/>
+                      </a:solidFill>
+                      <a:prstDash val="solid"/>
+                      <a:round/>
+                      <a:headEnd type="none" w="sm" len="sm"/>
+                      <a:tailEnd type="none" w="sm" len="sm"/>
+                    </a:lnL>
+                    <a:lnR w="12700" cap="flat" cmpd="sng">
+                      <a:solidFill>
+                        <a:schemeClr val="dk1"/>
+                      </a:solidFill>
+                      <a:prstDash val="solid"/>
+                      <a:round/>
+                      <a:headEnd type="none" w="sm" len="sm"/>
+                      <a:tailEnd type="none" w="sm" len="sm"/>
+                    </a:lnR>
+                    <a:lnT w="12700" cap="flat" cmpd="sng">
+                      <a:solidFill>
+                        <a:schemeClr val="dk1"/>
+                      </a:solidFill>
+                      <a:prstDash val="solid"/>
+                      <a:round/>
+                      <a:headEnd type="none" w="sm" len="sm"/>
+                      <a:tailEnd type="none" w="sm" len="sm"/>
+                    </a:lnT>
+                    <a:lnB w="12700" cap="flat" cmpd="sng">
+                      <a:solidFill>
+                        <a:schemeClr val="dk1"/>
+                      </a:solidFill>
+                      <a:prstDash val="solid"/>
+                      <a:round/>
+                      <a:headEnd type="none" w="sm" len="sm"/>
+                      <a:tailEnd type="none" w="sm" len="sm"/>
+                    </a:lnB>
+                    <a:solidFill>
+                      <a:schemeClr val="lt1"/>
+                    </a:solidFill>
+                  </a:tcPr>
+                </a:tc>
+                <a:extLst>
+                  <a:ext uri="{0D108BD9-81ED-4DB2-BD59-A6C34878D82A}">
+                    <a16:rowId xmlns:a16="http://schemas.microsoft.com/office/drawing/2014/main" xmlns="" val="10002"/>
+                  </a:ext>
+                </a:extLst>
+              </a:tr>
+            </a:tbl>
+          </a:graphicData>
+        </a:graphic>
+      </p:graphicFrame>
+      <p:graphicFrame>
+        <p:nvGraphicFramePr>
+          <p:cNvPr id="93" name="Google Shape;93;g7c553259d1_0_3"/>
+          <p:cNvGraphicFramePr/>
+          <p:nvPr/>
+        </p:nvGraphicFramePr>
+        <p:xfrm>
+          <a:off x="9309046" y="197403"/>
+          <a:ext cx="2815500" cy="320050"/>
+        </p:xfrm>
+        <a:graphic>
+          <a:graphicData uri="http://schemas.openxmlformats.org/drawingml/2006/table">
+            <a:tbl>
+              <a:tblPr firstRow="1" bandRow="1">
+                <a:noFill/>
+              </a:tblPr>
+              <a:tblGrid>
+                <a:gridCol w="1407750">
+                  <a:extLst>
+                    <a:ext uri="{9D8B030D-6E8A-4147-A177-3AD203B41FA5}">
+                      <a16:colId xmlns:a16="http://schemas.microsoft.com/office/drawing/2014/main" xmlns="" val="20000"/>
+                    </a:ext>
+                  </a:extLst>
+                </a:gridCol>
+                <a:gridCol w="1407750">
+                  <a:extLst>
+                    <a:ext uri="{9D8B030D-6E8A-4147-A177-3AD203B41FA5}">
+                      <a16:colId xmlns:a16="http://schemas.microsoft.com/office/drawing/2014/main" xmlns="" val="20001"/>
+                    </a:ext>
+                  </a:extLst>
+                </a:gridCol>
+              </a:tblGrid>
+              <a:tr h="265075">
+                <a:tc>
+                  <a:txBody>
+                    <a:bodyPr/>
+                    <a:lstStyle/>
+                    <a:p>
+                      <a:pPr marL="0" marR="0" lvl="0" indent="0" algn="ctr" rtl="0">
+                        <a:lnSpc>
+                          <a:spcPct val="100000"/>
+                        </a:lnSpc>
+                        <a:spcBef>
+                          <a:spcPts val="0"/>
+                        </a:spcBef>
+                        <a:spcAft>
+                          <a:spcPts val="0"/>
+                        </a:spcAft>
+                        <a:buClr>
+                          <a:srgbClr val="000000"/>
+                        </a:buClr>
+                        <a:buSzPts val="1500"/>
+                        <a:buFont typeface="Arial"/>
+                        <a:buNone/>
+                      </a:pPr>
+                      <a:r>
+                        <a:rPr lang="ko-KR" sz="1500" b="0" u="none" strike="noStrike" cap="none" dirty="0">
+                          <a:solidFill>
+                            <a:schemeClr val="dk1"/>
+                          </a:solidFill>
+                        </a:rPr>
+                        <a:t>화면 번호</a:t>
+                      </a:r>
+                      <a:endParaRPr sz="1500" b="0" u="none" strike="noStrike" cap="none" dirty="0">
+                        <a:solidFill>
+                          <a:schemeClr val="dk1"/>
+                        </a:solidFill>
+                      </a:endParaRPr>
+                    </a:p>
+                  </a:txBody>
+                  <a:tcPr marL="91451" marR="91451" marT="45725" marB="45725" anchor="ctr">
+                    <a:lnL w="12700" cap="flat" cmpd="sng">
+                      <a:solidFill>
+                        <a:schemeClr val="dk1"/>
+                      </a:solidFill>
+                      <a:prstDash val="solid"/>
+                      <a:round/>
+                      <a:headEnd type="none" w="sm" len="sm"/>
+                      <a:tailEnd type="none" w="sm" len="sm"/>
+                    </a:lnL>
+                    <a:lnR w="12700" cap="flat" cmpd="sng">
+                      <a:solidFill>
+                        <a:schemeClr val="dk1"/>
+                      </a:solidFill>
+                      <a:prstDash val="solid"/>
+                      <a:round/>
+                      <a:headEnd type="none" w="sm" len="sm"/>
+                      <a:tailEnd type="none" w="sm" len="sm"/>
+                    </a:lnR>
+                    <a:lnT w="12700" cap="flat" cmpd="sng">
+                      <a:solidFill>
+                        <a:schemeClr val="dk1"/>
+                      </a:solidFill>
+                      <a:prstDash val="solid"/>
+                      <a:round/>
+                      <a:headEnd type="none" w="sm" len="sm"/>
+                      <a:tailEnd type="none" w="sm" len="sm"/>
+                    </a:lnT>
+                    <a:lnB w="12700" cap="flat" cmpd="sng">
+                      <a:solidFill>
+                        <a:schemeClr val="dk1"/>
+                      </a:solidFill>
+                      <a:prstDash val="solid"/>
+                      <a:round/>
+                      <a:headEnd type="none" w="sm" len="sm"/>
+                      <a:tailEnd type="none" w="sm" len="sm"/>
+                    </a:lnB>
+                    <a:solidFill>
+                      <a:srgbClr val="D8D8D8"/>
+                    </a:solidFill>
+                  </a:tcPr>
+                </a:tc>
+                <a:tc>
+                  <a:txBody>
+                    <a:bodyPr/>
+                    <a:lstStyle/>
+                    <a:p>
+                      <a:pPr marL="0" marR="0" lvl="0" indent="0" algn="ctr" rtl="0">
+                        <a:lnSpc>
+                          <a:spcPct val="100000"/>
+                        </a:lnSpc>
+                        <a:spcBef>
+                          <a:spcPts val="0"/>
+                        </a:spcBef>
+                        <a:spcAft>
+                          <a:spcPts val="0"/>
+                        </a:spcAft>
+                        <a:buClr>
+                          <a:srgbClr val="000000"/>
+                        </a:buClr>
+                        <a:buSzPts val="1500"/>
+                        <a:buFont typeface="Arial"/>
+                        <a:buNone/>
+                      </a:pPr>
+                      <a:r>
+                        <a:rPr lang="en-US" sz="1500" b="0" u="none" strike="noStrike" cap="none" dirty="0">
+                          <a:solidFill>
+                            <a:schemeClr val="dk1"/>
+                          </a:solidFill>
+                        </a:rPr>
+                        <a:t>1</a:t>
+                      </a:r>
+                      <a:endParaRPr sz="1500" b="0" u="none" strike="noStrike" cap="none" dirty="0">
+                        <a:solidFill>
+                          <a:schemeClr val="dk1"/>
+                        </a:solidFill>
+                      </a:endParaRPr>
+                    </a:p>
+                  </a:txBody>
+                  <a:tcPr marL="91451" marR="91451" marT="45725" marB="45725" anchor="ctr">
+                    <a:lnL w="12700" cap="flat" cmpd="sng">
+                      <a:solidFill>
+                        <a:schemeClr val="dk1"/>
+                      </a:solidFill>
+                      <a:prstDash val="solid"/>
+                      <a:round/>
+                      <a:headEnd type="none" w="sm" len="sm"/>
+                      <a:tailEnd type="none" w="sm" len="sm"/>
+                    </a:lnL>
+                    <a:lnR w="12700" cap="flat" cmpd="sng">
+                      <a:solidFill>
+                        <a:schemeClr val="dk1"/>
+                      </a:solidFill>
+                      <a:prstDash val="solid"/>
+                      <a:round/>
+                      <a:headEnd type="none" w="sm" len="sm"/>
+                      <a:tailEnd type="none" w="sm" len="sm"/>
+                    </a:lnR>
+                    <a:lnT w="12700" cap="flat" cmpd="sng">
+                      <a:solidFill>
+                        <a:schemeClr val="dk1"/>
+                      </a:solidFill>
+                      <a:prstDash val="solid"/>
+                      <a:round/>
+                      <a:headEnd type="none" w="sm" len="sm"/>
+                      <a:tailEnd type="none" w="sm" len="sm"/>
+                    </a:lnT>
+                    <a:lnB w="12700" cap="flat" cmpd="sng">
+                      <a:solidFill>
+                        <a:schemeClr val="dk1"/>
+                      </a:solidFill>
+                      <a:prstDash val="solid"/>
+                      <a:round/>
+                      <a:headEnd type="none" w="sm" len="sm"/>
+                      <a:tailEnd type="none" w="sm" len="sm"/>
+                    </a:lnB>
+                    <a:solidFill>
+                      <a:schemeClr val="lt1"/>
+                    </a:solidFill>
+                  </a:tcPr>
+                </a:tc>
+                <a:extLst>
+                  <a:ext uri="{0D108BD9-81ED-4DB2-BD59-A6C34878D82A}">
+                    <a16:rowId xmlns:a16="http://schemas.microsoft.com/office/drawing/2014/main" xmlns="" val="10000"/>
+                  </a:ext>
+                </a:extLst>
+              </a:tr>
+            </a:tbl>
+          </a:graphicData>
+        </a:graphic>
+      </p:graphicFrame>
+      <p:graphicFrame>
+        <p:nvGraphicFramePr>
+          <p:cNvPr id="94" name="Google Shape;94;g7c553259d1_0_3"/>
+          <p:cNvGraphicFramePr/>
+          <p:nvPr/>
+        </p:nvGraphicFramePr>
+        <p:xfrm>
+          <a:off x="6200086" y="197403"/>
+          <a:ext cx="2815500" cy="320050"/>
+        </p:xfrm>
+        <a:graphic>
+          <a:graphicData uri="http://schemas.openxmlformats.org/drawingml/2006/table">
+            <a:tbl>
+              <a:tblPr firstRow="1" bandRow="1">
+                <a:noFill/>
+              </a:tblPr>
+              <a:tblGrid>
+                <a:gridCol w="1407750">
+                  <a:extLst>
+                    <a:ext uri="{9D8B030D-6E8A-4147-A177-3AD203B41FA5}">
+                      <a16:colId xmlns:a16="http://schemas.microsoft.com/office/drawing/2014/main" xmlns="" val="20000"/>
+                    </a:ext>
+                  </a:extLst>
+                </a:gridCol>
+                <a:gridCol w="1407750">
+                  <a:extLst>
+                    <a:ext uri="{9D8B030D-6E8A-4147-A177-3AD203B41FA5}">
+                      <a16:colId xmlns:a16="http://schemas.microsoft.com/office/drawing/2014/main" xmlns="" val="20001"/>
+                    </a:ext>
+                  </a:extLst>
+                </a:gridCol>
+              </a:tblGrid>
+              <a:tr h="265075">
+                <a:tc>
+                  <a:txBody>
+                    <a:bodyPr/>
+                    <a:lstStyle/>
+                    <a:p>
+                      <a:pPr marL="0" marR="0" lvl="0" indent="0" algn="ctr" rtl="0">
+                        <a:lnSpc>
+                          <a:spcPct val="100000"/>
+                        </a:lnSpc>
+                        <a:spcBef>
+                          <a:spcPts val="0"/>
+                        </a:spcBef>
+                        <a:spcAft>
+                          <a:spcPts val="0"/>
+                        </a:spcAft>
+                        <a:buClr>
+                          <a:srgbClr val="000000"/>
+                        </a:buClr>
+                        <a:buSzPts val="1500"/>
+                        <a:buFont typeface="Arial"/>
+                        <a:buNone/>
+                      </a:pPr>
+                      <a:r>
+                        <a:rPr lang="ko-KR" sz="1500" b="0" u="none" strike="noStrike" cap="none">
+                          <a:solidFill>
+                            <a:schemeClr val="dk1"/>
+                          </a:solidFill>
+                        </a:rPr>
+                        <a:t>프로젝트</a:t>
+                      </a:r>
+                      <a:endParaRPr sz="1500" b="0" u="none" strike="noStrike" cap="none">
+                        <a:solidFill>
+                          <a:schemeClr val="dk1"/>
+                        </a:solidFill>
+                      </a:endParaRPr>
+                    </a:p>
+                  </a:txBody>
+                  <a:tcPr marL="91451" marR="91451" marT="45725" marB="45725" anchor="ctr">
+                    <a:lnL w="12700" cap="flat" cmpd="sng">
+                      <a:solidFill>
+                        <a:schemeClr val="dk1"/>
+                      </a:solidFill>
+                      <a:prstDash val="solid"/>
+                      <a:round/>
+                      <a:headEnd type="none" w="sm" len="sm"/>
+                      <a:tailEnd type="none" w="sm" len="sm"/>
+                    </a:lnL>
+                    <a:lnR w="12700" cap="flat" cmpd="sng">
+                      <a:solidFill>
+                        <a:schemeClr val="dk1"/>
+                      </a:solidFill>
+                      <a:prstDash val="solid"/>
+                      <a:round/>
+                      <a:headEnd type="none" w="sm" len="sm"/>
+                      <a:tailEnd type="none" w="sm" len="sm"/>
+                    </a:lnR>
+                    <a:lnT w="12700" cap="flat" cmpd="sng">
+                      <a:solidFill>
+                        <a:schemeClr val="dk1"/>
+                      </a:solidFill>
+                      <a:prstDash val="solid"/>
+                      <a:round/>
+                      <a:headEnd type="none" w="sm" len="sm"/>
+                      <a:tailEnd type="none" w="sm" len="sm"/>
+                    </a:lnT>
+                    <a:lnB w="12700" cap="flat" cmpd="sng">
+                      <a:solidFill>
+                        <a:schemeClr val="dk1"/>
+                      </a:solidFill>
+                      <a:prstDash val="solid"/>
+                      <a:round/>
+                      <a:headEnd type="none" w="sm" len="sm"/>
+                      <a:tailEnd type="none" w="sm" len="sm"/>
+                    </a:lnB>
+                    <a:solidFill>
+                      <a:srgbClr val="D8D8D8"/>
+                    </a:solidFill>
+                  </a:tcPr>
+                </a:tc>
+                <a:tc>
+                  <a:txBody>
+                    <a:bodyPr/>
+                    <a:lstStyle/>
+                    <a:p>
+                      <a:pPr marL="0" marR="0" lvl="0" indent="0" algn="ctr" rtl="0">
+                        <a:lnSpc>
+                          <a:spcPct val="100000"/>
+                        </a:lnSpc>
+                        <a:spcBef>
+                          <a:spcPts val="0"/>
+                        </a:spcBef>
+                        <a:spcAft>
+                          <a:spcPts val="0"/>
+                        </a:spcAft>
+                        <a:buClr>
+                          <a:srgbClr val="000000"/>
+                        </a:buClr>
+                        <a:buSzPts val="1500"/>
+                        <a:buFont typeface="Arial"/>
+                        <a:buNone/>
+                      </a:pPr>
+                      <a:endParaRPr sz="1500" b="0" u="none" strike="noStrike" cap="none">
+                        <a:solidFill>
+                          <a:schemeClr val="dk1"/>
+                        </a:solidFill>
+                      </a:endParaRPr>
+                    </a:p>
+                  </a:txBody>
+                  <a:tcPr marL="91451" marR="91451" marT="45725" marB="45725" anchor="ctr">
+                    <a:lnL w="12700" cap="flat" cmpd="sng">
+                      <a:solidFill>
+                        <a:schemeClr val="dk1"/>
+                      </a:solidFill>
+                      <a:prstDash val="solid"/>
+                      <a:round/>
+                      <a:headEnd type="none" w="sm" len="sm"/>
+                      <a:tailEnd type="none" w="sm" len="sm"/>
+                    </a:lnL>
+                    <a:lnR w="12700" cap="flat" cmpd="sng">
+                      <a:solidFill>
+                        <a:schemeClr val="dk1"/>
+                      </a:solidFill>
+                      <a:prstDash val="solid"/>
+                      <a:round/>
+                      <a:headEnd type="none" w="sm" len="sm"/>
+                      <a:tailEnd type="none" w="sm" len="sm"/>
+                    </a:lnR>
+                    <a:lnT w="12700" cap="flat" cmpd="sng">
+                      <a:solidFill>
+                        <a:schemeClr val="dk1"/>
+                      </a:solidFill>
+                      <a:prstDash val="solid"/>
+                      <a:round/>
+                      <a:headEnd type="none" w="sm" len="sm"/>
+                      <a:tailEnd type="none" w="sm" len="sm"/>
+                    </a:lnT>
+                    <a:lnB w="12700" cap="flat" cmpd="sng">
+                      <a:solidFill>
+                        <a:schemeClr val="dk1"/>
+                      </a:solidFill>
+                      <a:prstDash val="solid"/>
+                      <a:round/>
+                      <a:headEnd type="none" w="sm" len="sm"/>
+                      <a:tailEnd type="none" w="sm" len="sm"/>
+                    </a:lnB>
+                    <a:solidFill>
+                      <a:schemeClr val="lt1"/>
+                    </a:solidFill>
+                  </a:tcPr>
+                </a:tc>
+                <a:extLst>
+                  <a:ext uri="{0D108BD9-81ED-4DB2-BD59-A6C34878D82A}">
+                    <a16:rowId xmlns:a16="http://schemas.microsoft.com/office/drawing/2014/main" xmlns="" val="10000"/>
+                  </a:ext>
+                </a:extLst>
+              </a:tr>
+            </a:tbl>
+          </a:graphicData>
+        </a:graphic>
+      </p:graphicFrame>
+      <p:graphicFrame>
+        <p:nvGraphicFramePr>
+          <p:cNvPr id="96" name="Google Shape;96;g7c553259d1_0_3"/>
+          <p:cNvGraphicFramePr/>
+          <p:nvPr>
+            <p:extLst>
+              <p:ext uri="{D42A27DB-BD31-4B8C-83A1-F6EECF244321}">
+                <p14:modId xmlns:p14="http://schemas.microsoft.com/office/powerpoint/2010/main" val="2247783085"/>
+              </p:ext>
+            </p:extLst>
+          </p:nvPr>
+        </p:nvGraphicFramePr>
+        <p:xfrm>
+          <a:off x="8843382" y="836712"/>
+          <a:ext cx="2952330" cy="807740"/>
+        </p:xfrm>
+        <a:graphic>
+          <a:graphicData uri="http://schemas.openxmlformats.org/drawingml/2006/table">
+            <a:tbl>
+              <a:tblPr firstRow="1" bandRow="1">
+                <a:noFill/>
+              </a:tblPr>
+              <a:tblGrid>
+                <a:gridCol w="289755">
+                  <a:extLst>
+                    <a:ext uri="{9D8B030D-6E8A-4147-A177-3AD203B41FA5}">
+                      <a16:colId xmlns:a16="http://schemas.microsoft.com/office/drawing/2014/main" xmlns="" val="20000"/>
+                    </a:ext>
+                  </a:extLst>
+                </a:gridCol>
+                <a:gridCol w="2662575">
+                  <a:extLst>
+                    <a:ext uri="{9D8B030D-6E8A-4147-A177-3AD203B41FA5}">
+                      <a16:colId xmlns:a16="http://schemas.microsoft.com/office/drawing/2014/main" xmlns="" val="20001"/>
+                    </a:ext>
+                  </a:extLst>
+                </a:gridCol>
+              </a:tblGrid>
+              <a:tr h="286673">
+                <a:tc>
+                  <a:txBody>
+                    <a:bodyPr/>
+                    <a:lstStyle/>
+                    <a:p>
+                      <a:pPr marL="0" marR="0" lvl="0" indent="0" algn="ctr" rtl="0">
+                        <a:lnSpc>
+                          <a:spcPct val="100000"/>
+                        </a:lnSpc>
+                        <a:spcBef>
+                          <a:spcPts val="0"/>
+                        </a:spcBef>
+                        <a:spcAft>
+                          <a:spcPts val="0"/>
+                        </a:spcAft>
+                        <a:buClr>
+                          <a:srgbClr val="000000"/>
+                        </a:buClr>
+                        <a:buSzPts val="1500"/>
+                        <a:buFont typeface="Arial"/>
+                        <a:buNone/>
+                      </a:pPr>
+                      <a:r>
+                        <a:rPr lang="ko-KR" sz="1500" u="none" strike="noStrike" cap="none" dirty="0">
+                          <a:solidFill>
+                            <a:schemeClr val="dk1"/>
+                          </a:solidFill>
+                        </a:rPr>
+                        <a:t>#</a:t>
+                      </a:r>
+                      <a:endParaRPr sz="1500" u="none" strike="noStrike" cap="none" dirty="0">
+                        <a:solidFill>
+                          <a:schemeClr val="dk1"/>
+                        </a:solidFill>
+                      </a:endParaRPr>
+                    </a:p>
+                  </a:txBody>
+                  <a:tcPr marL="91451" marR="91451" marT="45725" marB="45725" anchor="ctr">
+                    <a:lnL w="12700" cap="flat" cmpd="sng">
+                      <a:solidFill>
+                        <a:schemeClr val="dk1"/>
+                      </a:solidFill>
+                      <a:prstDash val="solid"/>
+                      <a:round/>
+                      <a:headEnd type="none" w="sm" len="sm"/>
+                      <a:tailEnd type="none" w="sm" len="sm"/>
+                    </a:lnL>
+                    <a:lnR w="12700" cap="flat" cmpd="sng">
+                      <a:solidFill>
+                        <a:schemeClr val="dk1"/>
+                      </a:solidFill>
+                      <a:prstDash val="solid"/>
+                      <a:round/>
+                      <a:headEnd type="none" w="sm" len="sm"/>
+                      <a:tailEnd type="none" w="sm" len="sm"/>
+                    </a:lnR>
+                    <a:lnT w="12700" cap="flat" cmpd="sng">
+                      <a:solidFill>
+                        <a:schemeClr val="dk1"/>
+                      </a:solidFill>
+                      <a:prstDash val="solid"/>
+                      <a:round/>
+                      <a:headEnd type="none" w="sm" len="sm"/>
+                      <a:tailEnd type="none" w="sm" len="sm"/>
+                    </a:lnT>
+                    <a:lnB w="12700" cap="flat" cmpd="sng">
+                      <a:solidFill>
+                        <a:schemeClr val="dk1"/>
+                      </a:solidFill>
+                      <a:prstDash val="solid"/>
+                      <a:round/>
+                      <a:headEnd type="none" w="sm" len="sm"/>
+                      <a:tailEnd type="none" w="sm" len="sm"/>
+                    </a:lnB>
+                    <a:solidFill>
+                      <a:srgbClr val="D8D8D8"/>
+                    </a:solidFill>
+                  </a:tcPr>
+                </a:tc>
+                <a:tc>
+                  <a:txBody>
+                    <a:bodyPr/>
+                    <a:lstStyle/>
+                    <a:p>
+                      <a:pPr marL="0" marR="0" lvl="0" indent="0" algn="ctr" rtl="0">
+                        <a:lnSpc>
+                          <a:spcPct val="100000"/>
+                        </a:lnSpc>
+                        <a:spcBef>
+                          <a:spcPts val="0"/>
+                        </a:spcBef>
+                        <a:spcAft>
+                          <a:spcPts val="0"/>
+                        </a:spcAft>
+                        <a:buClr>
+                          <a:srgbClr val="000000"/>
+                        </a:buClr>
+                        <a:buSzPts val="1500"/>
+                        <a:buFont typeface="Arial"/>
+                        <a:buNone/>
+                      </a:pPr>
+                      <a:r>
+                        <a:rPr lang="ko-KR" sz="1500" u="none" strike="noStrike" cap="none" dirty="0" err="1">
+                          <a:solidFill>
+                            <a:schemeClr val="dk1"/>
+                          </a:solidFill>
+                        </a:rPr>
+                        <a:t>기능명</a:t>
+                      </a:r>
+                      <a:endParaRPr sz="1500" u="none" strike="noStrike" cap="none" dirty="0">
+                        <a:solidFill>
+                          <a:schemeClr val="dk1"/>
+                        </a:solidFill>
+                      </a:endParaRPr>
+                    </a:p>
+                  </a:txBody>
+                  <a:tcPr marL="91451" marR="91451" marT="45725" marB="45725" anchor="ctr">
+                    <a:lnL w="12700" cap="flat" cmpd="sng">
+                      <a:solidFill>
+                        <a:schemeClr val="dk1"/>
+                      </a:solidFill>
+                      <a:prstDash val="solid"/>
+                      <a:round/>
+                      <a:headEnd type="none" w="sm" len="sm"/>
+                      <a:tailEnd type="none" w="sm" len="sm"/>
+                    </a:lnL>
+                    <a:lnR w="12700" cap="flat" cmpd="sng">
+                      <a:solidFill>
+                        <a:schemeClr val="dk1"/>
+                      </a:solidFill>
+                      <a:prstDash val="solid"/>
+                      <a:round/>
+                      <a:headEnd type="none" w="sm" len="sm"/>
+                      <a:tailEnd type="none" w="sm" len="sm"/>
+                    </a:lnR>
+                    <a:lnT w="12700" cap="flat" cmpd="sng">
+                      <a:solidFill>
+                        <a:schemeClr val="dk1"/>
+                      </a:solidFill>
+                      <a:prstDash val="solid"/>
+                      <a:round/>
+                      <a:headEnd type="none" w="sm" len="sm"/>
+                      <a:tailEnd type="none" w="sm" len="sm"/>
+                    </a:lnT>
+                    <a:lnB w="12700" cap="flat" cmpd="sng">
+                      <a:solidFill>
+                        <a:schemeClr val="dk1"/>
+                      </a:solidFill>
+                      <a:prstDash val="solid"/>
+                      <a:round/>
+                      <a:headEnd type="none" w="sm" len="sm"/>
+                      <a:tailEnd type="none" w="sm" len="sm"/>
+                    </a:lnB>
+                    <a:solidFill>
+                      <a:srgbClr val="D8D8D8"/>
+                    </a:solidFill>
+                  </a:tcPr>
+                </a:tc>
+                <a:extLst>
+                  <a:ext uri="{0D108BD9-81ED-4DB2-BD59-A6C34878D82A}">
+                    <a16:rowId xmlns:a16="http://schemas.microsoft.com/office/drawing/2014/main" xmlns="" val="10000"/>
+                  </a:ext>
+                </a:extLst>
+              </a:tr>
+              <a:tr h="328022">
+                <a:tc>
+                  <a:txBody>
+                    <a:bodyPr/>
+                    <a:lstStyle/>
+                    <a:p>
+                      <a:pPr marL="0" marR="0" lvl="0" indent="0" algn="ctr" rtl="0">
+                        <a:lnSpc>
+                          <a:spcPct val="100000"/>
+                        </a:lnSpc>
+                        <a:spcBef>
+                          <a:spcPts val="0"/>
+                        </a:spcBef>
+                        <a:spcAft>
+                          <a:spcPts val="0"/>
+                        </a:spcAft>
+                        <a:buClr>
+                          <a:srgbClr val="000000"/>
+                        </a:buClr>
+                        <a:buSzPts val="1500"/>
+                        <a:buFont typeface="Arial"/>
+                        <a:buNone/>
+                      </a:pPr>
+                      <a:r>
+                        <a:rPr lang="ko-KR" sz="1500" u="none" strike="noStrike" cap="none" dirty="0">
+                          <a:solidFill>
+                            <a:schemeClr val="dk1"/>
+                          </a:solidFill>
+                        </a:rPr>
+                        <a:t>1</a:t>
+                      </a:r>
+                      <a:endParaRPr sz="1500" u="none" strike="noStrike" cap="none" dirty="0">
+                        <a:solidFill>
+                          <a:schemeClr val="dk1"/>
+                        </a:solidFill>
+                      </a:endParaRPr>
+                    </a:p>
+                  </a:txBody>
+                  <a:tcPr marL="91451" marR="91451" marT="45725" marB="45725" anchor="ctr">
+                    <a:lnL w="12700" cap="flat" cmpd="sng">
+                      <a:solidFill>
+                        <a:schemeClr val="dk1"/>
+                      </a:solidFill>
+                      <a:prstDash val="solid"/>
+                      <a:round/>
+                      <a:headEnd type="none" w="sm" len="sm"/>
+                      <a:tailEnd type="none" w="sm" len="sm"/>
+                    </a:lnL>
+                    <a:lnR w="12700" cap="flat" cmpd="sng">
+                      <a:solidFill>
+                        <a:schemeClr val="dk1"/>
+                      </a:solidFill>
+                      <a:prstDash val="solid"/>
+                      <a:round/>
+                      <a:headEnd type="none" w="sm" len="sm"/>
+                      <a:tailEnd type="none" w="sm" len="sm"/>
+                    </a:lnR>
+                    <a:lnT w="12700" cap="flat" cmpd="sng">
+                      <a:solidFill>
+                        <a:schemeClr val="dk1"/>
+                      </a:solidFill>
+                      <a:prstDash val="solid"/>
+                      <a:round/>
+                      <a:headEnd type="none" w="sm" len="sm"/>
+                      <a:tailEnd type="none" w="sm" len="sm"/>
+                    </a:lnT>
+                    <a:lnB w="12700" cap="flat" cmpd="sng">
+                      <a:solidFill>
+                        <a:schemeClr val="dk1"/>
+                      </a:solidFill>
+                      <a:prstDash val="solid"/>
+                      <a:round/>
+                      <a:headEnd type="none" w="sm" len="sm"/>
+                      <a:tailEnd type="none" w="sm" len="sm"/>
+                    </a:lnB>
+                    <a:solidFill>
+                      <a:schemeClr val="lt1"/>
+                    </a:solidFill>
+                  </a:tcPr>
+                </a:tc>
+                <a:tc>
+                  <a:txBody>
+                    <a:bodyPr/>
+                    <a:lstStyle/>
+                    <a:p>
+                      <a:pPr marL="133350" marR="0" lvl="0" indent="0" algn="l" rtl="0">
+                        <a:lnSpc>
+                          <a:spcPct val="100000"/>
+                        </a:lnSpc>
+                        <a:spcBef>
+                          <a:spcPts val="0"/>
+                        </a:spcBef>
+                        <a:spcAft>
+                          <a:spcPts val="0"/>
+                        </a:spcAft>
+                        <a:buClr>
+                          <a:srgbClr val="000000"/>
+                        </a:buClr>
+                        <a:buSzPts val="1500"/>
+                        <a:buFont typeface="Arial"/>
+                        <a:buNone/>
+                        <a:tabLst/>
+                      </a:pPr>
+                      <a:r>
+                        <a:rPr lang="ko-KR" altLang="en-US" sz="1300" b="0" u="none" strike="noStrike" cap="none" dirty="0" smtClean="0"/>
+                        <a:t>등록완료</a:t>
+                      </a:r>
+                      <a:r>
+                        <a:rPr lang="en-US" altLang="ko-KR" sz="1300" b="0" u="none" strike="noStrike" cap="none" dirty="0" smtClean="0"/>
+                        <a:t>, </a:t>
+                      </a:r>
+                      <a:r>
+                        <a:rPr lang="ko-KR" altLang="en-US" sz="1300" b="0" u="none" strike="noStrike" cap="none" dirty="0" smtClean="0"/>
+                        <a:t>예약을 위한 계좌번호 발급 페이지</a:t>
+                      </a:r>
+                      <a:endParaRPr lang="en-US" altLang="ko-KR" sz="1300" b="0" u="none" strike="noStrike" cap="none" dirty="0" smtClean="0"/>
+                    </a:p>
+                  </a:txBody>
+                  <a:tcPr marL="91451" marR="91451" marT="45725" marB="45725">
+                    <a:lnL w="12700" cap="flat" cmpd="sng">
+                      <a:solidFill>
+                        <a:schemeClr val="dk1"/>
+                      </a:solidFill>
+                      <a:prstDash val="solid"/>
+                      <a:round/>
+                      <a:headEnd type="none" w="sm" len="sm"/>
+                      <a:tailEnd type="none" w="sm" len="sm"/>
+                    </a:lnL>
+                    <a:lnR w="12700" cap="flat" cmpd="sng">
+                      <a:solidFill>
+                        <a:schemeClr val="dk1"/>
+                      </a:solidFill>
+                      <a:prstDash val="solid"/>
+                      <a:round/>
+                      <a:headEnd type="none" w="sm" len="sm"/>
+                      <a:tailEnd type="none" w="sm" len="sm"/>
+                    </a:lnR>
+                    <a:lnT w="12700" cap="flat" cmpd="sng">
+                      <a:solidFill>
+                        <a:schemeClr val="dk1"/>
+                      </a:solidFill>
+                      <a:prstDash val="solid"/>
+                      <a:round/>
+                      <a:headEnd type="none" w="sm" len="sm"/>
+                      <a:tailEnd type="none" w="sm" len="sm"/>
+                    </a:lnT>
+                    <a:lnB w="12700" cap="flat" cmpd="sng">
+                      <a:solidFill>
+                        <a:schemeClr val="dk1"/>
+                      </a:solidFill>
+                      <a:prstDash val="solid"/>
+                      <a:round/>
+                      <a:headEnd type="none" w="sm" len="sm"/>
+                      <a:tailEnd type="none" w="sm" len="sm"/>
+                    </a:lnB>
+                    <a:solidFill>
+                      <a:schemeClr val="lt1"/>
+                    </a:solidFill>
+                  </a:tcPr>
+                </a:tc>
+                <a:extLst>
+                  <a:ext uri="{0D108BD9-81ED-4DB2-BD59-A6C34878D82A}">
+                    <a16:rowId xmlns:a16="http://schemas.microsoft.com/office/drawing/2014/main" xmlns="" val="10001"/>
+                  </a:ext>
+                </a:extLst>
               </a:tr>
             </a:tbl>
           </a:graphicData>
@@ -5359,10 +9329,5766 @@
           </a:p>
         </p:txBody>
       </p:sp>
+      <p:sp>
+        <p:nvSpPr>
+          <p:cNvPr id="81" name="TextBox 80"/>
+          <p:cNvSpPr txBox="1"/>
+          <p:nvPr/>
+        </p:nvSpPr>
+        <p:spPr>
+          <a:xfrm>
+            <a:off x="1497880" y="2375789"/>
+            <a:ext cx="5999381" cy="1015663"/>
+          </a:xfrm>
+          <a:prstGeom prst="rect">
+            <a:avLst/>
+          </a:prstGeom>
+          <a:noFill/>
+        </p:spPr>
+        <p:txBody>
+          <a:bodyPr wrap="square" rtlCol="0">
+            <a:spAutoFit/>
+          </a:bodyPr>
+          <a:lstStyle/>
+          <a:p>
+            <a:pPr algn="ctr"/>
+            <a:r>
+              <a:rPr lang="ko-KR" altLang="en-US" sz="2000" dirty="0" smtClean="0"/>
+              <a:t>세미나 등록이 완료되었습니다</a:t>
+            </a:r>
+            <a:r>
+              <a:rPr lang="en-US" altLang="ko-KR" sz="2000" dirty="0" smtClean="0"/>
+              <a:t>!</a:t>
+            </a:r>
+          </a:p>
+          <a:p>
+            <a:pPr algn="ctr"/>
+            <a:r>
+              <a:rPr lang="ko-KR" altLang="en-US" sz="2000" dirty="0" smtClean="0"/>
+              <a:t>등록된 내용으로 예약을 진행하기 위해서 아래의 계좌번호로 입금이 필요합니다</a:t>
+            </a:r>
+            <a:r>
+              <a:rPr lang="en-US" altLang="ko-KR" sz="2000" dirty="0" smtClean="0"/>
+              <a:t>.</a:t>
+            </a:r>
+          </a:p>
+        </p:txBody>
+      </p:sp>
+      <p:sp>
+        <p:nvSpPr>
+          <p:cNvPr id="4" name="직사각형 3"/>
+          <p:cNvSpPr/>
+          <p:nvPr/>
+        </p:nvSpPr>
+        <p:spPr>
+          <a:xfrm>
+            <a:off x="4601000" y="5142156"/>
+            <a:ext cx="2022437" cy="623944"/>
+          </a:xfrm>
+          <a:prstGeom prst="rect">
+            <a:avLst/>
+          </a:prstGeom>
+        </p:spPr>
+        <p:style>
+          <a:lnRef idx="2">
+            <a:schemeClr val="accent1">
+              <a:shade val="50000"/>
+            </a:schemeClr>
+          </a:lnRef>
+          <a:fillRef idx="1">
+            <a:schemeClr val="accent1"/>
+          </a:fillRef>
+          <a:effectRef idx="0">
+            <a:schemeClr val="accent1"/>
+          </a:effectRef>
+          <a:fontRef idx="minor">
+            <a:schemeClr val="lt1"/>
+          </a:fontRef>
+        </p:style>
+        <p:txBody>
+          <a:bodyPr rtlCol="0" anchor="ctr"/>
+          <a:lstStyle/>
+          <a:p>
+            <a:pPr algn="ctr"/>
+            <a:r>
+              <a:rPr lang="ko-KR" altLang="en-US" smtClean="0"/>
+              <a:t>마이페이지</a:t>
+            </a:r>
+            <a:endParaRPr lang="ko-KR" altLang="en-US" dirty="0"/>
+          </a:p>
+        </p:txBody>
+      </p:sp>
+      <p:sp>
+        <p:nvSpPr>
+          <p:cNvPr id="46" name="직사각형 45"/>
+          <p:cNvSpPr/>
+          <p:nvPr/>
+        </p:nvSpPr>
+        <p:spPr>
+          <a:xfrm>
+            <a:off x="2199582" y="5142156"/>
+            <a:ext cx="2022437" cy="623944"/>
+          </a:xfrm>
+          <a:prstGeom prst="rect">
+            <a:avLst/>
+          </a:prstGeom>
+        </p:spPr>
+        <p:style>
+          <a:lnRef idx="2">
+            <a:schemeClr val="accent1">
+              <a:shade val="50000"/>
+            </a:schemeClr>
+          </a:lnRef>
+          <a:fillRef idx="1">
+            <a:schemeClr val="accent1"/>
+          </a:fillRef>
+          <a:effectRef idx="0">
+            <a:schemeClr val="accent1"/>
+          </a:effectRef>
+          <a:fontRef idx="minor">
+            <a:schemeClr val="lt1"/>
+          </a:fontRef>
+        </p:style>
+        <p:txBody>
+          <a:bodyPr rtlCol="0" anchor="ctr"/>
+          <a:lstStyle/>
+          <a:p>
+            <a:pPr algn="ctr"/>
+            <a:r>
+              <a:rPr lang="ko-KR" altLang="en-US" smtClean="0"/>
+              <a:t>메인화</a:t>
+            </a:r>
+            <a:r>
+              <a:rPr lang="ko-KR" altLang="en-US"/>
+              <a:t>면</a:t>
+            </a:r>
+            <a:endParaRPr lang="ko-KR" altLang="en-US" dirty="0"/>
+          </a:p>
+        </p:txBody>
+      </p:sp>
+      <p:sp>
+        <p:nvSpPr>
+          <p:cNvPr id="6" name="직사각형 5"/>
+          <p:cNvSpPr/>
+          <p:nvPr/>
+        </p:nvSpPr>
+        <p:spPr>
+          <a:xfrm>
+            <a:off x="1344706" y="3539266"/>
+            <a:ext cx="1866094" cy="849854"/>
+          </a:xfrm>
+          <a:prstGeom prst="rect">
+            <a:avLst/>
+          </a:prstGeom>
+          <a:solidFill>
+            <a:schemeClr val="bg2"/>
+          </a:solidFill>
+          <a:ln>
+            <a:solidFill>
+              <a:schemeClr val="tx1"/>
+            </a:solidFill>
+          </a:ln>
+        </p:spPr>
+        <p:style>
+          <a:lnRef idx="2">
+            <a:schemeClr val="accent1">
+              <a:shade val="50000"/>
+            </a:schemeClr>
+          </a:lnRef>
+          <a:fillRef idx="1">
+            <a:schemeClr val="accent1"/>
+          </a:fillRef>
+          <a:effectRef idx="0">
+            <a:schemeClr val="accent1"/>
+          </a:effectRef>
+          <a:fontRef idx="minor">
+            <a:schemeClr val="lt1"/>
+          </a:fontRef>
+        </p:style>
+        <p:txBody>
+          <a:bodyPr rtlCol="0" anchor="ctr"/>
+          <a:lstStyle/>
+          <a:p>
+            <a:pPr algn="ctr"/>
+            <a:r>
+              <a:rPr lang="ko-KR" altLang="en-US" dirty="0" smtClean="0">
+                <a:solidFill>
+                  <a:schemeClr val="tx1"/>
+                </a:solidFill>
+              </a:rPr>
+              <a:t>우리은행</a:t>
+            </a:r>
+            <a:endParaRPr lang="ko-KR" altLang="en-US" dirty="0">
+              <a:solidFill>
+                <a:schemeClr val="tx1"/>
+              </a:solidFill>
+            </a:endParaRPr>
+          </a:p>
+        </p:txBody>
+      </p:sp>
+      <p:sp>
+        <p:nvSpPr>
+          <p:cNvPr id="54" name="직사각형 53"/>
+          <p:cNvSpPr/>
+          <p:nvPr/>
+        </p:nvSpPr>
+        <p:spPr>
+          <a:xfrm>
+            <a:off x="3207527" y="3539266"/>
+            <a:ext cx="4451918" cy="849854"/>
+          </a:xfrm>
+          <a:prstGeom prst="rect">
+            <a:avLst/>
+          </a:prstGeom>
+          <a:noFill/>
+          <a:ln>
+            <a:solidFill>
+              <a:schemeClr val="tx1"/>
+            </a:solidFill>
+          </a:ln>
+        </p:spPr>
+        <p:style>
+          <a:lnRef idx="2">
+            <a:schemeClr val="accent1">
+              <a:shade val="50000"/>
+            </a:schemeClr>
+          </a:lnRef>
+          <a:fillRef idx="1">
+            <a:schemeClr val="accent1"/>
+          </a:fillRef>
+          <a:effectRef idx="0">
+            <a:schemeClr val="accent1"/>
+          </a:effectRef>
+          <a:fontRef idx="minor">
+            <a:schemeClr val="lt1"/>
+          </a:fontRef>
+        </p:style>
+        <p:txBody>
+          <a:bodyPr rtlCol="0" anchor="ctr"/>
+          <a:lstStyle/>
+          <a:p>
+            <a:pPr algn="ctr"/>
+            <a:r>
+              <a:rPr lang="en-US" altLang="ko-KR" dirty="0" smtClean="0">
+                <a:solidFill>
+                  <a:schemeClr val="tx1"/>
+                </a:solidFill>
+              </a:rPr>
+              <a:t>123456789-1235</a:t>
+            </a:r>
+            <a:endParaRPr lang="ko-KR" altLang="en-US" dirty="0">
+              <a:solidFill>
+                <a:schemeClr val="tx1"/>
+              </a:solidFill>
+            </a:endParaRPr>
+          </a:p>
+        </p:txBody>
+      </p:sp>
     </p:spTree>
     <p:extLst>
       <p:ext uri="{BB962C8B-B14F-4D97-AF65-F5344CB8AC3E}">
-        <p14:creationId xmlns:p14="http://schemas.microsoft.com/office/powerpoint/2010/main" val="1538687124"/>
+        <p14:creationId xmlns:p14="http://schemas.microsoft.com/office/powerpoint/2010/main" val="1226325005"/>
+      </p:ext>
+    </p:extLst>
+  </p:cSld>
+  <p:clrMapOvr>
+    <a:masterClrMapping/>
+  </p:clrMapOvr>
+</p:sld>
+</file>
+
+<file path=ppt/slides/slide3.xml><?xml version="1.0" encoding="utf-8"?>
+<p:sld xmlns:a="http://schemas.openxmlformats.org/drawingml/2006/main" xmlns:r="http://schemas.openxmlformats.org/officeDocument/2006/relationships" xmlns:p="http://schemas.openxmlformats.org/presentationml/2006/main">
+  <p:cSld>
+    <p:spTree>
+      <p:nvGrpSpPr>
+        <p:cNvPr id="1" name="Shape 90"/>
+        <p:cNvGrpSpPr/>
+        <p:nvPr/>
+      </p:nvGrpSpPr>
+      <p:grpSpPr>
+        <a:xfrm>
+          <a:off x="0" y="0"/>
+          <a:ext cx="0" cy="0"/>
+          <a:chOff x="0" y="0"/>
+          <a:chExt cx="0" cy="0"/>
+        </a:xfrm>
+      </p:grpSpPr>
+      <p:graphicFrame>
+        <p:nvGraphicFramePr>
+          <p:cNvPr id="92" name="Google Shape;92;g7c553259d1_0_3"/>
+          <p:cNvGraphicFramePr/>
+          <p:nvPr>
+            <p:extLst>
+              <p:ext uri="{D42A27DB-BD31-4B8C-83A1-F6EECF244321}">
+                <p14:modId xmlns:p14="http://schemas.microsoft.com/office/powerpoint/2010/main" val="1657012311"/>
+              </p:ext>
+            </p:extLst>
+          </p:nvPr>
+        </p:nvGraphicFramePr>
+        <p:xfrm>
+          <a:off x="131604" y="115759"/>
+          <a:ext cx="3693699" cy="960150"/>
+        </p:xfrm>
+        <a:graphic>
+          <a:graphicData uri="http://schemas.openxmlformats.org/drawingml/2006/table">
+            <a:tbl>
+              <a:tblPr firstRow="1" bandRow="1">
+                <a:noFill/>
+              </a:tblPr>
+              <a:tblGrid>
+                <a:gridCol w="1549025">
+                  <a:extLst>
+                    <a:ext uri="{9D8B030D-6E8A-4147-A177-3AD203B41FA5}">
+                      <a16:colId xmlns:a16="http://schemas.microsoft.com/office/drawing/2014/main" xmlns="" val="20000"/>
+                    </a:ext>
+                  </a:extLst>
+                </a:gridCol>
+                <a:gridCol w="2144674">
+                  <a:extLst>
+                    <a:ext uri="{9D8B030D-6E8A-4147-A177-3AD203B41FA5}">
+                      <a16:colId xmlns:a16="http://schemas.microsoft.com/office/drawing/2014/main" xmlns="" val="20001"/>
+                    </a:ext>
+                  </a:extLst>
+                </a:gridCol>
+              </a:tblGrid>
+              <a:tr h="271225">
+                <a:tc>
+                  <a:txBody>
+                    <a:bodyPr/>
+                    <a:lstStyle/>
+                    <a:p>
+                      <a:pPr marL="0" marR="0" lvl="0" indent="0" algn="ctr" rtl="0">
+                        <a:lnSpc>
+                          <a:spcPct val="100000"/>
+                        </a:lnSpc>
+                        <a:spcBef>
+                          <a:spcPts val="0"/>
+                        </a:spcBef>
+                        <a:spcAft>
+                          <a:spcPts val="0"/>
+                        </a:spcAft>
+                        <a:buClr>
+                          <a:srgbClr val="000000"/>
+                        </a:buClr>
+                        <a:buSzPts val="1500"/>
+                        <a:buFont typeface="Arial"/>
+                        <a:buNone/>
+                      </a:pPr>
+                      <a:r>
+                        <a:rPr lang="ko-KR" sz="1500" b="0" u="none" strike="noStrike" cap="none" dirty="0">
+                          <a:solidFill>
+                            <a:schemeClr val="dk1"/>
+                          </a:solidFill>
+                        </a:rPr>
+                        <a:t>화면코드</a:t>
+                      </a:r>
+                      <a:endParaRPr sz="1500" b="0" u="none" strike="noStrike" cap="none" dirty="0">
+                        <a:solidFill>
+                          <a:schemeClr val="dk1"/>
+                        </a:solidFill>
+                      </a:endParaRPr>
+                    </a:p>
+                  </a:txBody>
+                  <a:tcPr marL="91451" marR="91451" marT="45725" marB="45725" anchor="ctr">
+                    <a:lnL w="12700" cap="flat" cmpd="sng">
+                      <a:solidFill>
+                        <a:schemeClr val="dk1"/>
+                      </a:solidFill>
+                      <a:prstDash val="solid"/>
+                      <a:round/>
+                      <a:headEnd type="none" w="sm" len="sm"/>
+                      <a:tailEnd type="none" w="sm" len="sm"/>
+                    </a:lnL>
+                    <a:lnR w="12700" cap="flat" cmpd="sng">
+                      <a:solidFill>
+                        <a:schemeClr val="dk1"/>
+                      </a:solidFill>
+                      <a:prstDash val="solid"/>
+                      <a:round/>
+                      <a:headEnd type="none" w="sm" len="sm"/>
+                      <a:tailEnd type="none" w="sm" len="sm"/>
+                    </a:lnR>
+                    <a:lnT w="12700" cap="flat" cmpd="sng">
+                      <a:solidFill>
+                        <a:schemeClr val="dk1"/>
+                      </a:solidFill>
+                      <a:prstDash val="solid"/>
+                      <a:round/>
+                      <a:headEnd type="none" w="sm" len="sm"/>
+                      <a:tailEnd type="none" w="sm" len="sm"/>
+                    </a:lnT>
+                    <a:lnB w="12700" cap="flat" cmpd="sng">
+                      <a:solidFill>
+                        <a:schemeClr val="dk1"/>
+                      </a:solidFill>
+                      <a:prstDash val="solid"/>
+                      <a:round/>
+                      <a:headEnd type="none" w="sm" len="sm"/>
+                      <a:tailEnd type="none" w="sm" len="sm"/>
+                    </a:lnB>
+                    <a:solidFill>
+                      <a:srgbClr val="D8D8D8"/>
+                    </a:solidFill>
+                  </a:tcPr>
+                </a:tc>
+                <a:tc>
+                  <a:txBody>
+                    <a:bodyPr/>
+                    <a:lstStyle/>
+                    <a:p>
+                      <a:pPr marL="0" marR="0" lvl="0" indent="0" algn="ctr" rtl="0">
+                        <a:lnSpc>
+                          <a:spcPct val="100000"/>
+                        </a:lnSpc>
+                        <a:spcBef>
+                          <a:spcPts val="0"/>
+                        </a:spcBef>
+                        <a:spcAft>
+                          <a:spcPts val="0"/>
+                        </a:spcAft>
+                        <a:buClr>
+                          <a:srgbClr val="000000"/>
+                        </a:buClr>
+                        <a:buSzPts val="1500"/>
+                        <a:buFont typeface="Arial"/>
+                        <a:buNone/>
+                      </a:pPr>
+                      <a:endParaRPr sz="1100" b="0" u="none" strike="noStrike" cap="none" dirty="0">
+                        <a:solidFill>
+                          <a:schemeClr val="dk1"/>
+                        </a:solidFill>
+                      </a:endParaRPr>
+                    </a:p>
+                  </a:txBody>
+                  <a:tcPr marL="91451" marR="91451" marT="45725" marB="45725" anchor="ctr">
+                    <a:lnL w="12700" cap="flat" cmpd="sng">
+                      <a:solidFill>
+                        <a:schemeClr val="dk1"/>
+                      </a:solidFill>
+                      <a:prstDash val="solid"/>
+                      <a:round/>
+                      <a:headEnd type="none" w="sm" len="sm"/>
+                      <a:tailEnd type="none" w="sm" len="sm"/>
+                    </a:lnL>
+                    <a:lnR w="12700" cap="flat" cmpd="sng">
+                      <a:solidFill>
+                        <a:schemeClr val="dk1"/>
+                      </a:solidFill>
+                      <a:prstDash val="solid"/>
+                      <a:round/>
+                      <a:headEnd type="none" w="sm" len="sm"/>
+                      <a:tailEnd type="none" w="sm" len="sm"/>
+                    </a:lnR>
+                    <a:lnT w="12700" cap="flat" cmpd="sng">
+                      <a:solidFill>
+                        <a:schemeClr val="dk1"/>
+                      </a:solidFill>
+                      <a:prstDash val="solid"/>
+                      <a:round/>
+                      <a:headEnd type="none" w="sm" len="sm"/>
+                      <a:tailEnd type="none" w="sm" len="sm"/>
+                    </a:lnT>
+                    <a:lnB w="12700" cap="flat" cmpd="sng">
+                      <a:solidFill>
+                        <a:schemeClr val="dk1"/>
+                      </a:solidFill>
+                      <a:prstDash val="solid"/>
+                      <a:round/>
+                      <a:headEnd type="none" w="sm" len="sm"/>
+                      <a:tailEnd type="none" w="sm" len="sm"/>
+                    </a:lnB>
+                    <a:solidFill>
+                      <a:schemeClr val="lt1"/>
+                    </a:solidFill>
+                  </a:tcPr>
+                </a:tc>
+                <a:extLst>
+                  <a:ext uri="{0D108BD9-81ED-4DB2-BD59-A6C34878D82A}">
+                    <a16:rowId xmlns:a16="http://schemas.microsoft.com/office/drawing/2014/main" xmlns="" val="10000"/>
+                  </a:ext>
+                </a:extLst>
+              </a:tr>
+              <a:tr h="271225">
+                <a:tc rowSpan="2">
+                  <a:txBody>
+                    <a:bodyPr/>
+                    <a:lstStyle/>
+                    <a:p>
+                      <a:pPr marL="0" marR="0" lvl="0" indent="0" algn="ctr" rtl="0">
+                        <a:lnSpc>
+                          <a:spcPct val="100000"/>
+                        </a:lnSpc>
+                        <a:spcBef>
+                          <a:spcPts val="0"/>
+                        </a:spcBef>
+                        <a:spcAft>
+                          <a:spcPts val="0"/>
+                        </a:spcAft>
+                        <a:buClr>
+                          <a:srgbClr val="000000"/>
+                        </a:buClr>
+                        <a:buSzPts val="1500"/>
+                        <a:buFont typeface="Arial"/>
+                        <a:buNone/>
+                      </a:pPr>
+                      <a:r>
+                        <a:rPr lang="ko-KR" sz="1500" b="0" u="none" strike="noStrike" cap="none">
+                          <a:solidFill>
+                            <a:schemeClr val="dk1"/>
+                          </a:solidFill>
+                        </a:rPr>
+                        <a:t>화면명</a:t>
+                      </a:r>
+                      <a:endParaRPr sz="1500" b="0" u="none" strike="noStrike" cap="none">
+                        <a:solidFill>
+                          <a:schemeClr val="dk1"/>
+                        </a:solidFill>
+                      </a:endParaRPr>
+                    </a:p>
+                  </a:txBody>
+                  <a:tcPr marL="91451" marR="91451" marT="45725" marB="45725" anchor="ctr">
+                    <a:lnL w="12700" cap="flat" cmpd="sng">
+                      <a:solidFill>
+                        <a:schemeClr val="dk1"/>
+                      </a:solidFill>
+                      <a:prstDash val="solid"/>
+                      <a:round/>
+                      <a:headEnd type="none" w="sm" len="sm"/>
+                      <a:tailEnd type="none" w="sm" len="sm"/>
+                    </a:lnL>
+                    <a:lnR w="12700" cap="flat" cmpd="sng">
+                      <a:solidFill>
+                        <a:schemeClr val="dk1"/>
+                      </a:solidFill>
+                      <a:prstDash val="solid"/>
+                      <a:round/>
+                      <a:headEnd type="none" w="sm" len="sm"/>
+                      <a:tailEnd type="none" w="sm" len="sm"/>
+                    </a:lnR>
+                    <a:lnT w="12700" cap="flat" cmpd="sng">
+                      <a:solidFill>
+                        <a:schemeClr val="dk1"/>
+                      </a:solidFill>
+                      <a:prstDash val="solid"/>
+                      <a:round/>
+                      <a:headEnd type="none" w="sm" len="sm"/>
+                      <a:tailEnd type="none" w="sm" len="sm"/>
+                    </a:lnT>
+                    <a:lnB w="12700" cap="flat" cmpd="sng">
+                      <a:solidFill>
+                        <a:schemeClr val="dk1"/>
+                      </a:solidFill>
+                      <a:prstDash val="solid"/>
+                      <a:round/>
+                      <a:headEnd type="none" w="sm" len="sm"/>
+                      <a:tailEnd type="none" w="sm" len="sm"/>
+                    </a:lnB>
+                    <a:solidFill>
+                      <a:srgbClr val="D8D8D8"/>
+                    </a:solidFill>
+                  </a:tcPr>
+                </a:tc>
+                <a:tc>
+                  <a:txBody>
+                    <a:bodyPr/>
+                    <a:lstStyle/>
+                    <a:p>
+                      <a:pPr marL="0" marR="0" lvl="0" indent="0" algn="ctr" rtl="0">
+                        <a:lnSpc>
+                          <a:spcPct val="100000"/>
+                        </a:lnSpc>
+                        <a:spcBef>
+                          <a:spcPts val="0"/>
+                        </a:spcBef>
+                        <a:spcAft>
+                          <a:spcPts val="0"/>
+                        </a:spcAft>
+                        <a:buClr>
+                          <a:srgbClr val="000000"/>
+                        </a:buClr>
+                        <a:buSzPts val="1500"/>
+                        <a:buFont typeface="Arial"/>
+                        <a:buNone/>
+                      </a:pPr>
+                      <a:r>
+                        <a:rPr lang="ko-KR" altLang="en-US" sz="1500" b="0" u="none" strike="noStrike" cap="none" dirty="0" smtClean="0">
+                          <a:solidFill>
+                            <a:schemeClr val="dk1"/>
+                          </a:solidFill>
+                        </a:rPr>
+                        <a:t>세미나 </a:t>
+                      </a:r>
+                      <a:r>
+                        <a:rPr lang="ko-KR" altLang="en-US" sz="1500" b="0" u="none" strike="noStrike" cap="none" dirty="0" smtClean="0">
+                          <a:solidFill>
+                            <a:schemeClr val="dk1"/>
+                          </a:solidFill>
+                        </a:rPr>
+                        <a:t>등록</a:t>
+                      </a:r>
+                      <a:r>
+                        <a:rPr lang="en-US" altLang="ko-KR" sz="1500" b="0" u="none" strike="noStrike" cap="none" dirty="0" smtClean="0">
+                          <a:solidFill>
+                            <a:schemeClr val="dk1"/>
+                          </a:solidFill>
+                        </a:rPr>
+                        <a:t>(</a:t>
+                      </a:r>
+                      <a:r>
+                        <a:rPr lang="ko-KR" altLang="en-US" sz="1500" b="0" u="none" strike="noStrike" cap="none" dirty="0" err="1" smtClean="0">
+                          <a:solidFill>
+                            <a:schemeClr val="dk1"/>
+                          </a:solidFill>
+                        </a:rPr>
+                        <a:t>앱</a:t>
+                      </a:r>
+                      <a:r>
+                        <a:rPr lang="en-US" altLang="ko-KR" sz="1500" b="0" u="none" strike="noStrike" cap="none" dirty="0" smtClean="0">
+                          <a:solidFill>
+                            <a:schemeClr val="dk1"/>
+                          </a:solidFill>
+                        </a:rPr>
+                        <a:t>)</a:t>
+                      </a:r>
+                      <a:endParaRPr sz="1500" b="0" u="none" strike="noStrike" cap="none" dirty="0">
+                        <a:solidFill>
+                          <a:schemeClr val="dk1"/>
+                        </a:solidFill>
+                      </a:endParaRPr>
+                    </a:p>
+                  </a:txBody>
+                  <a:tcPr marL="91451" marR="91451" marT="45725" marB="45725" anchor="ctr">
+                    <a:lnL w="12700" cap="flat" cmpd="sng">
+                      <a:solidFill>
+                        <a:schemeClr val="dk1"/>
+                      </a:solidFill>
+                      <a:prstDash val="solid"/>
+                      <a:round/>
+                      <a:headEnd type="none" w="sm" len="sm"/>
+                      <a:tailEnd type="none" w="sm" len="sm"/>
+                    </a:lnL>
+                    <a:lnR w="12700" cap="flat" cmpd="sng">
+                      <a:solidFill>
+                        <a:schemeClr val="dk1"/>
+                      </a:solidFill>
+                      <a:prstDash val="solid"/>
+                      <a:round/>
+                      <a:headEnd type="none" w="sm" len="sm"/>
+                      <a:tailEnd type="none" w="sm" len="sm"/>
+                    </a:lnR>
+                    <a:lnT w="12700" cap="flat" cmpd="sng">
+                      <a:solidFill>
+                        <a:schemeClr val="dk1"/>
+                      </a:solidFill>
+                      <a:prstDash val="solid"/>
+                      <a:round/>
+                      <a:headEnd type="none" w="sm" len="sm"/>
+                      <a:tailEnd type="none" w="sm" len="sm"/>
+                    </a:lnT>
+                    <a:lnB w="12700" cap="flat" cmpd="sng">
+                      <a:solidFill>
+                        <a:schemeClr val="dk1"/>
+                      </a:solidFill>
+                      <a:prstDash val="solid"/>
+                      <a:round/>
+                      <a:headEnd type="none" w="sm" len="sm"/>
+                      <a:tailEnd type="none" w="sm" len="sm"/>
+                    </a:lnB>
+                    <a:solidFill>
+                      <a:schemeClr val="lt1"/>
+                    </a:solidFill>
+                  </a:tcPr>
+                </a:tc>
+                <a:extLst>
+                  <a:ext uri="{0D108BD9-81ED-4DB2-BD59-A6C34878D82A}">
+                    <a16:rowId xmlns:a16="http://schemas.microsoft.com/office/drawing/2014/main" xmlns="" val="10001"/>
+                  </a:ext>
+                </a:extLst>
+              </a:tr>
+              <a:tr h="271225">
+                <a:tc vMerge="1">
+                  <a:txBody>
+                    <a:bodyPr/>
+                    <a:lstStyle/>
+                    <a:p>
+                      <a:endParaRPr lang="ko-KR"/>
+                    </a:p>
+                  </a:txBody>
+                  <a:tcPr/>
+                </a:tc>
+                <a:tc>
+                  <a:txBody>
+                    <a:bodyPr/>
+                    <a:lstStyle/>
+                    <a:p>
+                      <a:pPr marL="0" marR="0" lvl="0" indent="0" algn="ctr" rtl="0">
+                        <a:lnSpc>
+                          <a:spcPct val="100000"/>
+                        </a:lnSpc>
+                        <a:spcBef>
+                          <a:spcPts val="0"/>
+                        </a:spcBef>
+                        <a:spcAft>
+                          <a:spcPts val="0"/>
+                        </a:spcAft>
+                        <a:buClr>
+                          <a:srgbClr val="000000"/>
+                        </a:buClr>
+                        <a:buSzPts val="1500"/>
+                        <a:buFont typeface="Arial"/>
+                        <a:buNone/>
+                      </a:pPr>
+                      <a:endParaRPr sz="1500" b="0" u="none" strike="noStrike" cap="none" dirty="0">
+                        <a:solidFill>
+                          <a:schemeClr val="dk1"/>
+                        </a:solidFill>
+                      </a:endParaRPr>
+                    </a:p>
+                  </a:txBody>
+                  <a:tcPr marL="91451" marR="91451" marT="45725" marB="45725" anchor="ctr">
+                    <a:lnL w="12700" cap="flat" cmpd="sng">
+                      <a:solidFill>
+                        <a:schemeClr val="dk1"/>
+                      </a:solidFill>
+                      <a:prstDash val="solid"/>
+                      <a:round/>
+                      <a:headEnd type="none" w="sm" len="sm"/>
+                      <a:tailEnd type="none" w="sm" len="sm"/>
+                    </a:lnL>
+                    <a:lnR w="12700" cap="flat" cmpd="sng">
+                      <a:solidFill>
+                        <a:schemeClr val="dk1"/>
+                      </a:solidFill>
+                      <a:prstDash val="solid"/>
+                      <a:round/>
+                      <a:headEnd type="none" w="sm" len="sm"/>
+                      <a:tailEnd type="none" w="sm" len="sm"/>
+                    </a:lnR>
+                    <a:lnT w="12700" cap="flat" cmpd="sng">
+                      <a:solidFill>
+                        <a:schemeClr val="dk1"/>
+                      </a:solidFill>
+                      <a:prstDash val="solid"/>
+                      <a:round/>
+                      <a:headEnd type="none" w="sm" len="sm"/>
+                      <a:tailEnd type="none" w="sm" len="sm"/>
+                    </a:lnT>
+                    <a:lnB w="12700" cap="flat" cmpd="sng">
+                      <a:solidFill>
+                        <a:schemeClr val="dk1"/>
+                      </a:solidFill>
+                      <a:prstDash val="solid"/>
+                      <a:round/>
+                      <a:headEnd type="none" w="sm" len="sm"/>
+                      <a:tailEnd type="none" w="sm" len="sm"/>
+                    </a:lnB>
+                    <a:solidFill>
+                      <a:schemeClr val="lt1"/>
+                    </a:solidFill>
+                  </a:tcPr>
+                </a:tc>
+                <a:extLst>
+                  <a:ext uri="{0D108BD9-81ED-4DB2-BD59-A6C34878D82A}">
+                    <a16:rowId xmlns:a16="http://schemas.microsoft.com/office/drawing/2014/main" xmlns="" val="10002"/>
+                  </a:ext>
+                </a:extLst>
+              </a:tr>
+            </a:tbl>
+          </a:graphicData>
+        </a:graphic>
+      </p:graphicFrame>
+      <p:graphicFrame>
+        <p:nvGraphicFramePr>
+          <p:cNvPr id="93" name="Google Shape;93;g7c553259d1_0_3"/>
+          <p:cNvGraphicFramePr/>
+          <p:nvPr/>
+        </p:nvGraphicFramePr>
+        <p:xfrm>
+          <a:off x="9309046" y="197403"/>
+          <a:ext cx="2815500" cy="320050"/>
+        </p:xfrm>
+        <a:graphic>
+          <a:graphicData uri="http://schemas.openxmlformats.org/drawingml/2006/table">
+            <a:tbl>
+              <a:tblPr firstRow="1" bandRow="1">
+                <a:noFill/>
+              </a:tblPr>
+              <a:tblGrid>
+                <a:gridCol w="1407750">
+                  <a:extLst>
+                    <a:ext uri="{9D8B030D-6E8A-4147-A177-3AD203B41FA5}">
+                      <a16:colId xmlns:a16="http://schemas.microsoft.com/office/drawing/2014/main" xmlns="" val="20000"/>
+                    </a:ext>
+                  </a:extLst>
+                </a:gridCol>
+                <a:gridCol w="1407750">
+                  <a:extLst>
+                    <a:ext uri="{9D8B030D-6E8A-4147-A177-3AD203B41FA5}">
+                      <a16:colId xmlns:a16="http://schemas.microsoft.com/office/drawing/2014/main" xmlns="" val="20001"/>
+                    </a:ext>
+                  </a:extLst>
+                </a:gridCol>
+              </a:tblGrid>
+              <a:tr h="265075">
+                <a:tc>
+                  <a:txBody>
+                    <a:bodyPr/>
+                    <a:lstStyle/>
+                    <a:p>
+                      <a:pPr marL="0" marR="0" lvl="0" indent="0" algn="ctr" rtl="0">
+                        <a:lnSpc>
+                          <a:spcPct val="100000"/>
+                        </a:lnSpc>
+                        <a:spcBef>
+                          <a:spcPts val="0"/>
+                        </a:spcBef>
+                        <a:spcAft>
+                          <a:spcPts val="0"/>
+                        </a:spcAft>
+                        <a:buClr>
+                          <a:srgbClr val="000000"/>
+                        </a:buClr>
+                        <a:buSzPts val="1500"/>
+                        <a:buFont typeface="Arial"/>
+                        <a:buNone/>
+                      </a:pPr>
+                      <a:r>
+                        <a:rPr lang="ko-KR" sz="1500" b="0" u="none" strike="noStrike" cap="none" dirty="0">
+                          <a:solidFill>
+                            <a:schemeClr val="dk1"/>
+                          </a:solidFill>
+                        </a:rPr>
+                        <a:t>화면 번호</a:t>
+                      </a:r>
+                      <a:endParaRPr sz="1500" b="0" u="none" strike="noStrike" cap="none" dirty="0">
+                        <a:solidFill>
+                          <a:schemeClr val="dk1"/>
+                        </a:solidFill>
+                      </a:endParaRPr>
+                    </a:p>
+                  </a:txBody>
+                  <a:tcPr marL="91451" marR="91451" marT="45725" marB="45725" anchor="ctr">
+                    <a:lnL w="12700" cap="flat" cmpd="sng">
+                      <a:solidFill>
+                        <a:schemeClr val="dk1"/>
+                      </a:solidFill>
+                      <a:prstDash val="solid"/>
+                      <a:round/>
+                      <a:headEnd type="none" w="sm" len="sm"/>
+                      <a:tailEnd type="none" w="sm" len="sm"/>
+                    </a:lnL>
+                    <a:lnR w="12700" cap="flat" cmpd="sng">
+                      <a:solidFill>
+                        <a:schemeClr val="dk1"/>
+                      </a:solidFill>
+                      <a:prstDash val="solid"/>
+                      <a:round/>
+                      <a:headEnd type="none" w="sm" len="sm"/>
+                      <a:tailEnd type="none" w="sm" len="sm"/>
+                    </a:lnR>
+                    <a:lnT w="12700" cap="flat" cmpd="sng">
+                      <a:solidFill>
+                        <a:schemeClr val="dk1"/>
+                      </a:solidFill>
+                      <a:prstDash val="solid"/>
+                      <a:round/>
+                      <a:headEnd type="none" w="sm" len="sm"/>
+                      <a:tailEnd type="none" w="sm" len="sm"/>
+                    </a:lnT>
+                    <a:lnB w="12700" cap="flat" cmpd="sng">
+                      <a:solidFill>
+                        <a:schemeClr val="dk1"/>
+                      </a:solidFill>
+                      <a:prstDash val="solid"/>
+                      <a:round/>
+                      <a:headEnd type="none" w="sm" len="sm"/>
+                      <a:tailEnd type="none" w="sm" len="sm"/>
+                    </a:lnB>
+                    <a:solidFill>
+                      <a:srgbClr val="D8D8D8"/>
+                    </a:solidFill>
+                  </a:tcPr>
+                </a:tc>
+                <a:tc>
+                  <a:txBody>
+                    <a:bodyPr/>
+                    <a:lstStyle/>
+                    <a:p>
+                      <a:pPr marL="0" marR="0" lvl="0" indent="0" algn="ctr" rtl="0">
+                        <a:lnSpc>
+                          <a:spcPct val="100000"/>
+                        </a:lnSpc>
+                        <a:spcBef>
+                          <a:spcPts val="0"/>
+                        </a:spcBef>
+                        <a:spcAft>
+                          <a:spcPts val="0"/>
+                        </a:spcAft>
+                        <a:buClr>
+                          <a:srgbClr val="000000"/>
+                        </a:buClr>
+                        <a:buSzPts val="1500"/>
+                        <a:buFont typeface="Arial"/>
+                        <a:buNone/>
+                      </a:pPr>
+                      <a:r>
+                        <a:rPr lang="en-US" sz="1500" b="0" u="none" strike="noStrike" cap="none" dirty="0">
+                          <a:solidFill>
+                            <a:schemeClr val="dk1"/>
+                          </a:solidFill>
+                        </a:rPr>
+                        <a:t>1</a:t>
+                      </a:r>
+                      <a:endParaRPr sz="1500" b="0" u="none" strike="noStrike" cap="none" dirty="0">
+                        <a:solidFill>
+                          <a:schemeClr val="dk1"/>
+                        </a:solidFill>
+                      </a:endParaRPr>
+                    </a:p>
+                  </a:txBody>
+                  <a:tcPr marL="91451" marR="91451" marT="45725" marB="45725" anchor="ctr">
+                    <a:lnL w="12700" cap="flat" cmpd="sng">
+                      <a:solidFill>
+                        <a:schemeClr val="dk1"/>
+                      </a:solidFill>
+                      <a:prstDash val="solid"/>
+                      <a:round/>
+                      <a:headEnd type="none" w="sm" len="sm"/>
+                      <a:tailEnd type="none" w="sm" len="sm"/>
+                    </a:lnL>
+                    <a:lnR w="12700" cap="flat" cmpd="sng">
+                      <a:solidFill>
+                        <a:schemeClr val="dk1"/>
+                      </a:solidFill>
+                      <a:prstDash val="solid"/>
+                      <a:round/>
+                      <a:headEnd type="none" w="sm" len="sm"/>
+                      <a:tailEnd type="none" w="sm" len="sm"/>
+                    </a:lnR>
+                    <a:lnT w="12700" cap="flat" cmpd="sng">
+                      <a:solidFill>
+                        <a:schemeClr val="dk1"/>
+                      </a:solidFill>
+                      <a:prstDash val="solid"/>
+                      <a:round/>
+                      <a:headEnd type="none" w="sm" len="sm"/>
+                      <a:tailEnd type="none" w="sm" len="sm"/>
+                    </a:lnT>
+                    <a:lnB w="12700" cap="flat" cmpd="sng">
+                      <a:solidFill>
+                        <a:schemeClr val="dk1"/>
+                      </a:solidFill>
+                      <a:prstDash val="solid"/>
+                      <a:round/>
+                      <a:headEnd type="none" w="sm" len="sm"/>
+                      <a:tailEnd type="none" w="sm" len="sm"/>
+                    </a:lnB>
+                    <a:solidFill>
+                      <a:schemeClr val="lt1"/>
+                    </a:solidFill>
+                  </a:tcPr>
+                </a:tc>
+                <a:extLst>
+                  <a:ext uri="{0D108BD9-81ED-4DB2-BD59-A6C34878D82A}">
+                    <a16:rowId xmlns:a16="http://schemas.microsoft.com/office/drawing/2014/main" xmlns="" val="10000"/>
+                  </a:ext>
+                </a:extLst>
+              </a:tr>
+            </a:tbl>
+          </a:graphicData>
+        </a:graphic>
+      </p:graphicFrame>
+      <p:graphicFrame>
+        <p:nvGraphicFramePr>
+          <p:cNvPr id="94" name="Google Shape;94;g7c553259d1_0_3"/>
+          <p:cNvGraphicFramePr/>
+          <p:nvPr/>
+        </p:nvGraphicFramePr>
+        <p:xfrm>
+          <a:off x="6200086" y="197403"/>
+          <a:ext cx="2815500" cy="320050"/>
+        </p:xfrm>
+        <a:graphic>
+          <a:graphicData uri="http://schemas.openxmlformats.org/drawingml/2006/table">
+            <a:tbl>
+              <a:tblPr firstRow="1" bandRow="1">
+                <a:noFill/>
+              </a:tblPr>
+              <a:tblGrid>
+                <a:gridCol w="1407750">
+                  <a:extLst>
+                    <a:ext uri="{9D8B030D-6E8A-4147-A177-3AD203B41FA5}">
+                      <a16:colId xmlns:a16="http://schemas.microsoft.com/office/drawing/2014/main" xmlns="" val="20000"/>
+                    </a:ext>
+                  </a:extLst>
+                </a:gridCol>
+                <a:gridCol w="1407750">
+                  <a:extLst>
+                    <a:ext uri="{9D8B030D-6E8A-4147-A177-3AD203B41FA5}">
+                      <a16:colId xmlns:a16="http://schemas.microsoft.com/office/drawing/2014/main" xmlns="" val="20001"/>
+                    </a:ext>
+                  </a:extLst>
+                </a:gridCol>
+              </a:tblGrid>
+              <a:tr h="265075">
+                <a:tc>
+                  <a:txBody>
+                    <a:bodyPr/>
+                    <a:lstStyle/>
+                    <a:p>
+                      <a:pPr marL="0" marR="0" lvl="0" indent="0" algn="ctr" rtl="0">
+                        <a:lnSpc>
+                          <a:spcPct val="100000"/>
+                        </a:lnSpc>
+                        <a:spcBef>
+                          <a:spcPts val="0"/>
+                        </a:spcBef>
+                        <a:spcAft>
+                          <a:spcPts val="0"/>
+                        </a:spcAft>
+                        <a:buClr>
+                          <a:srgbClr val="000000"/>
+                        </a:buClr>
+                        <a:buSzPts val="1500"/>
+                        <a:buFont typeface="Arial"/>
+                        <a:buNone/>
+                      </a:pPr>
+                      <a:r>
+                        <a:rPr lang="ko-KR" sz="1500" b="0" u="none" strike="noStrike" cap="none">
+                          <a:solidFill>
+                            <a:schemeClr val="dk1"/>
+                          </a:solidFill>
+                        </a:rPr>
+                        <a:t>프로젝트</a:t>
+                      </a:r>
+                      <a:endParaRPr sz="1500" b="0" u="none" strike="noStrike" cap="none">
+                        <a:solidFill>
+                          <a:schemeClr val="dk1"/>
+                        </a:solidFill>
+                      </a:endParaRPr>
+                    </a:p>
+                  </a:txBody>
+                  <a:tcPr marL="91451" marR="91451" marT="45725" marB="45725" anchor="ctr">
+                    <a:lnL w="12700" cap="flat" cmpd="sng">
+                      <a:solidFill>
+                        <a:schemeClr val="dk1"/>
+                      </a:solidFill>
+                      <a:prstDash val="solid"/>
+                      <a:round/>
+                      <a:headEnd type="none" w="sm" len="sm"/>
+                      <a:tailEnd type="none" w="sm" len="sm"/>
+                    </a:lnL>
+                    <a:lnR w="12700" cap="flat" cmpd="sng">
+                      <a:solidFill>
+                        <a:schemeClr val="dk1"/>
+                      </a:solidFill>
+                      <a:prstDash val="solid"/>
+                      <a:round/>
+                      <a:headEnd type="none" w="sm" len="sm"/>
+                      <a:tailEnd type="none" w="sm" len="sm"/>
+                    </a:lnR>
+                    <a:lnT w="12700" cap="flat" cmpd="sng">
+                      <a:solidFill>
+                        <a:schemeClr val="dk1"/>
+                      </a:solidFill>
+                      <a:prstDash val="solid"/>
+                      <a:round/>
+                      <a:headEnd type="none" w="sm" len="sm"/>
+                      <a:tailEnd type="none" w="sm" len="sm"/>
+                    </a:lnT>
+                    <a:lnB w="12700" cap="flat" cmpd="sng">
+                      <a:solidFill>
+                        <a:schemeClr val="dk1"/>
+                      </a:solidFill>
+                      <a:prstDash val="solid"/>
+                      <a:round/>
+                      <a:headEnd type="none" w="sm" len="sm"/>
+                      <a:tailEnd type="none" w="sm" len="sm"/>
+                    </a:lnB>
+                    <a:solidFill>
+                      <a:srgbClr val="D8D8D8"/>
+                    </a:solidFill>
+                  </a:tcPr>
+                </a:tc>
+                <a:tc>
+                  <a:txBody>
+                    <a:bodyPr/>
+                    <a:lstStyle/>
+                    <a:p>
+                      <a:pPr marL="0" marR="0" lvl="0" indent="0" algn="ctr" rtl="0">
+                        <a:lnSpc>
+                          <a:spcPct val="100000"/>
+                        </a:lnSpc>
+                        <a:spcBef>
+                          <a:spcPts val="0"/>
+                        </a:spcBef>
+                        <a:spcAft>
+                          <a:spcPts val="0"/>
+                        </a:spcAft>
+                        <a:buClr>
+                          <a:srgbClr val="000000"/>
+                        </a:buClr>
+                        <a:buSzPts val="1500"/>
+                        <a:buFont typeface="Arial"/>
+                        <a:buNone/>
+                      </a:pPr>
+                      <a:endParaRPr sz="1500" b="0" u="none" strike="noStrike" cap="none">
+                        <a:solidFill>
+                          <a:schemeClr val="dk1"/>
+                        </a:solidFill>
+                      </a:endParaRPr>
+                    </a:p>
+                  </a:txBody>
+                  <a:tcPr marL="91451" marR="91451" marT="45725" marB="45725" anchor="ctr">
+                    <a:lnL w="12700" cap="flat" cmpd="sng">
+                      <a:solidFill>
+                        <a:schemeClr val="dk1"/>
+                      </a:solidFill>
+                      <a:prstDash val="solid"/>
+                      <a:round/>
+                      <a:headEnd type="none" w="sm" len="sm"/>
+                      <a:tailEnd type="none" w="sm" len="sm"/>
+                    </a:lnL>
+                    <a:lnR w="12700" cap="flat" cmpd="sng">
+                      <a:solidFill>
+                        <a:schemeClr val="dk1"/>
+                      </a:solidFill>
+                      <a:prstDash val="solid"/>
+                      <a:round/>
+                      <a:headEnd type="none" w="sm" len="sm"/>
+                      <a:tailEnd type="none" w="sm" len="sm"/>
+                    </a:lnR>
+                    <a:lnT w="12700" cap="flat" cmpd="sng">
+                      <a:solidFill>
+                        <a:schemeClr val="dk1"/>
+                      </a:solidFill>
+                      <a:prstDash val="solid"/>
+                      <a:round/>
+                      <a:headEnd type="none" w="sm" len="sm"/>
+                      <a:tailEnd type="none" w="sm" len="sm"/>
+                    </a:lnT>
+                    <a:lnB w="12700" cap="flat" cmpd="sng">
+                      <a:solidFill>
+                        <a:schemeClr val="dk1"/>
+                      </a:solidFill>
+                      <a:prstDash val="solid"/>
+                      <a:round/>
+                      <a:headEnd type="none" w="sm" len="sm"/>
+                      <a:tailEnd type="none" w="sm" len="sm"/>
+                    </a:lnB>
+                    <a:solidFill>
+                      <a:schemeClr val="lt1"/>
+                    </a:solidFill>
+                  </a:tcPr>
+                </a:tc>
+                <a:extLst>
+                  <a:ext uri="{0D108BD9-81ED-4DB2-BD59-A6C34878D82A}">
+                    <a16:rowId xmlns:a16="http://schemas.microsoft.com/office/drawing/2014/main" xmlns="" val="10000"/>
+                  </a:ext>
+                </a:extLst>
+              </a:tr>
+            </a:tbl>
+          </a:graphicData>
+        </a:graphic>
+      </p:graphicFrame>
+      <p:sp>
+        <p:nvSpPr>
+          <p:cNvPr id="5" name="직사각형 4"/>
+          <p:cNvSpPr/>
+          <p:nvPr/>
+        </p:nvSpPr>
+        <p:spPr>
+          <a:xfrm>
+            <a:off x="1780664" y="1138518"/>
+            <a:ext cx="5633148" cy="5617284"/>
+          </a:xfrm>
+          <a:prstGeom prst="rect">
+            <a:avLst/>
+          </a:prstGeom>
+          <a:noFill/>
+          <a:ln>
+            <a:solidFill>
+              <a:schemeClr val="tx1"/>
+            </a:solidFill>
+          </a:ln>
+        </p:spPr>
+        <p:style>
+          <a:lnRef idx="2">
+            <a:schemeClr val="accent1">
+              <a:shade val="50000"/>
+            </a:schemeClr>
+          </a:lnRef>
+          <a:fillRef idx="1">
+            <a:schemeClr val="accent1"/>
+          </a:fillRef>
+          <a:effectRef idx="0">
+            <a:schemeClr val="accent1"/>
+          </a:effectRef>
+          <a:fontRef idx="minor">
+            <a:schemeClr val="lt1"/>
+          </a:fontRef>
+        </p:style>
+        <p:txBody>
+          <a:bodyPr rtlCol="0" anchor="ctr"/>
+          <a:lstStyle/>
+          <a:p>
+            <a:pPr algn="ctr"/>
+            <a:endParaRPr lang="ko-KR" altLang="en-US"/>
+          </a:p>
+        </p:txBody>
+      </p:sp>
+      <p:sp>
+        <p:nvSpPr>
+          <p:cNvPr id="2" name="TextBox 1"/>
+          <p:cNvSpPr txBox="1"/>
+          <p:nvPr/>
+        </p:nvSpPr>
+        <p:spPr>
+          <a:xfrm>
+            <a:off x="1780664" y="1681010"/>
+            <a:ext cx="1020726" cy="307777"/>
+          </a:xfrm>
+          <a:prstGeom prst="rect">
+            <a:avLst/>
+          </a:prstGeom>
+          <a:noFill/>
+        </p:spPr>
+        <p:txBody>
+          <a:bodyPr wrap="square" rtlCol="0">
+            <a:spAutoFit/>
+          </a:bodyPr>
+          <a:lstStyle/>
+          <a:p>
+            <a:r>
+              <a:rPr lang="ko-KR" altLang="en-US" sz="1400" dirty="0" err="1" smtClean="0"/>
+              <a:t>세미나명</a:t>
+            </a:r>
+            <a:endParaRPr lang="ko-KR" altLang="en-US" sz="1400" dirty="0"/>
+          </a:p>
+        </p:txBody>
+      </p:sp>
+      <p:sp>
+        <p:nvSpPr>
+          <p:cNvPr id="3" name="직사각형 2"/>
+          <p:cNvSpPr/>
+          <p:nvPr/>
+        </p:nvSpPr>
+        <p:spPr>
+          <a:xfrm>
+            <a:off x="2695064" y="1681009"/>
+            <a:ext cx="3976577" cy="307777"/>
+          </a:xfrm>
+          <a:prstGeom prst="rect">
+            <a:avLst/>
+          </a:prstGeom>
+          <a:noFill/>
+          <a:ln>
+            <a:solidFill>
+              <a:schemeClr val="tx1"/>
+            </a:solidFill>
+          </a:ln>
+        </p:spPr>
+        <p:style>
+          <a:lnRef idx="2">
+            <a:schemeClr val="accent1">
+              <a:shade val="50000"/>
+            </a:schemeClr>
+          </a:lnRef>
+          <a:fillRef idx="1">
+            <a:schemeClr val="accent1"/>
+          </a:fillRef>
+          <a:effectRef idx="0">
+            <a:schemeClr val="accent1"/>
+          </a:effectRef>
+          <a:fontRef idx="minor">
+            <a:schemeClr val="lt1"/>
+          </a:fontRef>
+        </p:style>
+        <p:txBody>
+          <a:bodyPr rtlCol="0" anchor="ctr"/>
+          <a:lstStyle/>
+          <a:p>
+            <a:pPr algn="ctr"/>
+            <a:endParaRPr lang="ko-KR" altLang="en-US"/>
+          </a:p>
+        </p:txBody>
+      </p:sp>
+      <p:sp>
+        <p:nvSpPr>
+          <p:cNvPr id="9" name="TextBox 8"/>
+          <p:cNvSpPr txBox="1"/>
+          <p:nvPr/>
+        </p:nvSpPr>
+        <p:spPr>
+          <a:xfrm>
+            <a:off x="1982682" y="2095680"/>
+            <a:ext cx="616689" cy="307777"/>
+          </a:xfrm>
+          <a:prstGeom prst="rect">
+            <a:avLst/>
+          </a:prstGeom>
+          <a:noFill/>
+        </p:spPr>
+        <p:txBody>
+          <a:bodyPr wrap="square" rtlCol="0">
+            <a:spAutoFit/>
+          </a:bodyPr>
+          <a:lstStyle/>
+          <a:p>
+            <a:r>
+              <a:rPr lang="ko-KR" altLang="en-US" sz="1400" smtClean="0"/>
+              <a:t>부제</a:t>
+            </a:r>
+            <a:endParaRPr lang="ko-KR" altLang="en-US" sz="1400" dirty="0"/>
+          </a:p>
+        </p:txBody>
+      </p:sp>
+      <p:sp>
+        <p:nvSpPr>
+          <p:cNvPr id="10" name="직사각형 9"/>
+          <p:cNvSpPr/>
+          <p:nvPr/>
+        </p:nvSpPr>
+        <p:spPr>
+          <a:xfrm>
+            <a:off x="2695064" y="2105743"/>
+            <a:ext cx="3976577" cy="307777"/>
+          </a:xfrm>
+          <a:prstGeom prst="rect">
+            <a:avLst/>
+          </a:prstGeom>
+          <a:noFill/>
+          <a:ln>
+            <a:solidFill>
+              <a:schemeClr val="tx1"/>
+            </a:solidFill>
+          </a:ln>
+        </p:spPr>
+        <p:style>
+          <a:lnRef idx="2">
+            <a:schemeClr val="accent1">
+              <a:shade val="50000"/>
+            </a:schemeClr>
+          </a:lnRef>
+          <a:fillRef idx="1">
+            <a:schemeClr val="accent1"/>
+          </a:fillRef>
+          <a:effectRef idx="0">
+            <a:schemeClr val="accent1"/>
+          </a:effectRef>
+          <a:fontRef idx="minor">
+            <a:schemeClr val="lt1"/>
+          </a:fontRef>
+        </p:style>
+        <p:txBody>
+          <a:bodyPr rtlCol="0" anchor="ctr"/>
+          <a:lstStyle/>
+          <a:p>
+            <a:pPr algn="ctr"/>
+            <a:endParaRPr lang="ko-KR" altLang="en-US"/>
+          </a:p>
+        </p:txBody>
+      </p:sp>
+      <p:sp>
+        <p:nvSpPr>
+          <p:cNvPr id="17" name="TextBox 16"/>
+          <p:cNvSpPr txBox="1"/>
+          <p:nvPr/>
+        </p:nvSpPr>
+        <p:spPr>
+          <a:xfrm>
+            <a:off x="1829624" y="2494203"/>
+            <a:ext cx="935666" cy="307777"/>
+          </a:xfrm>
+          <a:prstGeom prst="rect">
+            <a:avLst/>
+          </a:prstGeom>
+          <a:noFill/>
+        </p:spPr>
+        <p:txBody>
+          <a:bodyPr wrap="square" rtlCol="0">
+            <a:spAutoFit/>
+          </a:bodyPr>
+          <a:lstStyle/>
+          <a:p>
+            <a:r>
+              <a:rPr lang="ko-KR" altLang="en-US" sz="1400" dirty="0" smtClean="0"/>
+              <a:t>시</a:t>
+            </a:r>
+            <a:r>
+              <a:rPr lang="ko-KR" altLang="en-US" sz="1400" dirty="0"/>
+              <a:t>간</a:t>
+            </a:r>
+            <a:r>
+              <a:rPr lang="ko-KR" altLang="en-US" sz="1400" dirty="0" smtClean="0"/>
+              <a:t>선택</a:t>
+            </a:r>
+            <a:endParaRPr lang="ko-KR" altLang="en-US" sz="1400" dirty="0"/>
+          </a:p>
+        </p:txBody>
+      </p:sp>
+      <p:sp>
+        <p:nvSpPr>
+          <p:cNvPr id="19" name="TextBox 18"/>
+          <p:cNvSpPr txBox="1"/>
+          <p:nvPr/>
+        </p:nvSpPr>
+        <p:spPr>
+          <a:xfrm>
+            <a:off x="1785726" y="1238936"/>
+            <a:ext cx="935666" cy="307777"/>
+          </a:xfrm>
+          <a:prstGeom prst="rect">
+            <a:avLst/>
+          </a:prstGeom>
+          <a:noFill/>
+        </p:spPr>
+        <p:txBody>
+          <a:bodyPr wrap="square" rtlCol="0">
+            <a:spAutoFit/>
+          </a:bodyPr>
+          <a:lstStyle/>
+          <a:p>
+            <a:r>
+              <a:rPr lang="ko-KR" altLang="en-US" sz="1400" smtClean="0"/>
+              <a:t>공간선</a:t>
+            </a:r>
+            <a:r>
+              <a:rPr lang="ko-KR" altLang="en-US" sz="1400"/>
+              <a:t>택</a:t>
+            </a:r>
+            <a:endParaRPr lang="ko-KR" altLang="en-US" sz="1400" dirty="0"/>
+          </a:p>
+        </p:txBody>
+      </p:sp>
+      <p:sp>
+        <p:nvSpPr>
+          <p:cNvPr id="20" name="직사각형 19"/>
+          <p:cNvSpPr/>
+          <p:nvPr/>
+        </p:nvSpPr>
+        <p:spPr>
+          <a:xfrm>
+            <a:off x="2772074" y="1201438"/>
+            <a:ext cx="871870" cy="382775"/>
+          </a:xfrm>
+          <a:prstGeom prst="rect">
+            <a:avLst/>
+          </a:prstGeom>
+          <a:noFill/>
+          <a:ln>
+            <a:solidFill>
+              <a:schemeClr val="tx1"/>
+            </a:solidFill>
+          </a:ln>
+        </p:spPr>
+        <p:style>
+          <a:lnRef idx="2">
+            <a:schemeClr val="accent1">
+              <a:shade val="50000"/>
+            </a:schemeClr>
+          </a:lnRef>
+          <a:fillRef idx="1">
+            <a:schemeClr val="accent1"/>
+          </a:fillRef>
+          <a:effectRef idx="0">
+            <a:schemeClr val="accent1"/>
+          </a:effectRef>
+          <a:fontRef idx="minor">
+            <a:schemeClr val="lt1"/>
+          </a:fontRef>
+        </p:style>
+        <p:txBody>
+          <a:bodyPr rtlCol="0" anchor="ctr"/>
+          <a:lstStyle/>
+          <a:p>
+            <a:pPr algn="ctr"/>
+            <a:r>
+              <a:rPr lang="en-US" altLang="ko-KR" dirty="0" smtClean="0">
+                <a:solidFill>
+                  <a:schemeClr val="tx1"/>
+                </a:solidFill>
+              </a:rPr>
+              <a:t>zone1</a:t>
+            </a:r>
+            <a:endParaRPr lang="ko-KR" altLang="en-US" dirty="0">
+              <a:solidFill>
+                <a:schemeClr val="tx1"/>
+              </a:solidFill>
+            </a:endParaRPr>
+          </a:p>
+        </p:txBody>
+      </p:sp>
+      <p:sp>
+        <p:nvSpPr>
+          <p:cNvPr id="21" name="직사각형 20"/>
+          <p:cNvSpPr/>
+          <p:nvPr/>
+        </p:nvSpPr>
+        <p:spPr>
+          <a:xfrm>
+            <a:off x="3643944" y="1201438"/>
+            <a:ext cx="871870" cy="382775"/>
+          </a:xfrm>
+          <a:prstGeom prst="rect">
+            <a:avLst/>
+          </a:prstGeom>
+          <a:noFill/>
+          <a:ln>
+            <a:solidFill>
+              <a:schemeClr val="tx1"/>
+            </a:solidFill>
+          </a:ln>
+        </p:spPr>
+        <p:style>
+          <a:lnRef idx="2">
+            <a:schemeClr val="accent1">
+              <a:shade val="50000"/>
+            </a:schemeClr>
+          </a:lnRef>
+          <a:fillRef idx="1">
+            <a:schemeClr val="accent1"/>
+          </a:fillRef>
+          <a:effectRef idx="0">
+            <a:schemeClr val="accent1"/>
+          </a:effectRef>
+          <a:fontRef idx="minor">
+            <a:schemeClr val="lt1"/>
+          </a:fontRef>
+        </p:style>
+        <p:txBody>
+          <a:bodyPr rtlCol="0" anchor="ctr"/>
+          <a:lstStyle/>
+          <a:p>
+            <a:pPr algn="ctr"/>
+            <a:r>
+              <a:rPr lang="en-US" altLang="ko-KR" dirty="0" smtClean="0">
+                <a:solidFill>
+                  <a:schemeClr val="tx1"/>
+                </a:solidFill>
+              </a:rPr>
+              <a:t>zone2</a:t>
+            </a:r>
+            <a:endParaRPr lang="ko-KR" altLang="en-US" dirty="0">
+              <a:solidFill>
+                <a:schemeClr val="tx1"/>
+              </a:solidFill>
+            </a:endParaRPr>
+          </a:p>
+        </p:txBody>
+      </p:sp>
+      <p:sp>
+        <p:nvSpPr>
+          <p:cNvPr id="22" name="직사각형 21"/>
+          <p:cNvSpPr/>
+          <p:nvPr/>
+        </p:nvSpPr>
+        <p:spPr>
+          <a:xfrm>
+            <a:off x="4515814" y="1201438"/>
+            <a:ext cx="871870" cy="382775"/>
+          </a:xfrm>
+          <a:prstGeom prst="rect">
+            <a:avLst/>
+          </a:prstGeom>
+          <a:noFill/>
+          <a:ln>
+            <a:solidFill>
+              <a:schemeClr val="tx1"/>
+            </a:solidFill>
+          </a:ln>
+        </p:spPr>
+        <p:style>
+          <a:lnRef idx="2">
+            <a:schemeClr val="accent1">
+              <a:shade val="50000"/>
+            </a:schemeClr>
+          </a:lnRef>
+          <a:fillRef idx="1">
+            <a:schemeClr val="accent1"/>
+          </a:fillRef>
+          <a:effectRef idx="0">
+            <a:schemeClr val="accent1"/>
+          </a:effectRef>
+          <a:fontRef idx="minor">
+            <a:schemeClr val="lt1"/>
+          </a:fontRef>
+        </p:style>
+        <p:txBody>
+          <a:bodyPr rtlCol="0" anchor="ctr"/>
+          <a:lstStyle/>
+          <a:p>
+            <a:pPr algn="ctr"/>
+            <a:r>
+              <a:rPr lang="en-US" altLang="ko-KR" dirty="0" smtClean="0">
+                <a:solidFill>
+                  <a:schemeClr val="tx1"/>
+                </a:solidFill>
+              </a:rPr>
+              <a:t>zone3</a:t>
+            </a:r>
+            <a:endParaRPr lang="ko-KR" altLang="en-US" dirty="0">
+              <a:solidFill>
+                <a:schemeClr val="tx1"/>
+              </a:solidFill>
+            </a:endParaRPr>
+          </a:p>
+        </p:txBody>
+      </p:sp>
+      <p:sp>
+        <p:nvSpPr>
+          <p:cNvPr id="23" name="직사각형 22"/>
+          <p:cNvSpPr/>
+          <p:nvPr/>
+        </p:nvSpPr>
+        <p:spPr>
+          <a:xfrm>
+            <a:off x="5387684" y="1201438"/>
+            <a:ext cx="871870" cy="382775"/>
+          </a:xfrm>
+          <a:prstGeom prst="rect">
+            <a:avLst/>
+          </a:prstGeom>
+          <a:noFill/>
+          <a:ln>
+            <a:solidFill>
+              <a:schemeClr val="tx1"/>
+            </a:solidFill>
+          </a:ln>
+        </p:spPr>
+        <p:style>
+          <a:lnRef idx="2">
+            <a:schemeClr val="accent1">
+              <a:shade val="50000"/>
+            </a:schemeClr>
+          </a:lnRef>
+          <a:fillRef idx="1">
+            <a:schemeClr val="accent1"/>
+          </a:fillRef>
+          <a:effectRef idx="0">
+            <a:schemeClr val="accent1"/>
+          </a:effectRef>
+          <a:fontRef idx="minor">
+            <a:schemeClr val="lt1"/>
+          </a:fontRef>
+        </p:style>
+        <p:txBody>
+          <a:bodyPr rtlCol="0" anchor="ctr"/>
+          <a:lstStyle/>
+          <a:p>
+            <a:pPr algn="ctr"/>
+            <a:r>
+              <a:rPr lang="en-US" altLang="ko-KR" dirty="0" smtClean="0">
+                <a:solidFill>
+                  <a:schemeClr val="tx1"/>
+                </a:solidFill>
+              </a:rPr>
+              <a:t>zone4</a:t>
+            </a:r>
+            <a:endParaRPr lang="ko-KR" altLang="en-US" dirty="0">
+              <a:solidFill>
+                <a:schemeClr val="tx1"/>
+              </a:solidFill>
+            </a:endParaRPr>
+          </a:p>
+        </p:txBody>
+      </p:sp>
+      <p:sp>
+        <p:nvSpPr>
+          <p:cNvPr id="24" name="직사각형 23"/>
+          <p:cNvSpPr/>
+          <p:nvPr/>
+        </p:nvSpPr>
+        <p:spPr>
+          <a:xfrm>
+            <a:off x="1854866" y="2898631"/>
+            <a:ext cx="414670" cy="307777"/>
+          </a:xfrm>
+          <a:prstGeom prst="rect">
+            <a:avLst/>
+          </a:prstGeom>
+          <a:solidFill>
+            <a:srgbClr val="92D050"/>
+          </a:solidFill>
+          <a:ln>
+            <a:solidFill>
+              <a:schemeClr val="tx1"/>
+            </a:solidFill>
+          </a:ln>
+        </p:spPr>
+        <p:style>
+          <a:lnRef idx="2">
+            <a:schemeClr val="accent1">
+              <a:shade val="50000"/>
+            </a:schemeClr>
+          </a:lnRef>
+          <a:fillRef idx="1">
+            <a:schemeClr val="accent1"/>
+          </a:fillRef>
+          <a:effectRef idx="0">
+            <a:schemeClr val="accent1"/>
+          </a:effectRef>
+          <a:fontRef idx="minor">
+            <a:schemeClr val="lt1"/>
+          </a:fontRef>
+        </p:style>
+        <p:txBody>
+          <a:bodyPr rtlCol="0" anchor="ctr"/>
+          <a:lstStyle/>
+          <a:p>
+            <a:pPr algn="ctr"/>
+            <a:r>
+              <a:rPr lang="en-US" altLang="ko-KR" sz="1400" dirty="0" smtClean="0">
+                <a:solidFill>
+                  <a:schemeClr val="tx1"/>
+                </a:solidFill>
+              </a:rPr>
+              <a:t>9</a:t>
+            </a:r>
+            <a:endParaRPr lang="ko-KR" altLang="en-US" sz="1400" dirty="0">
+              <a:solidFill>
+                <a:schemeClr val="tx1"/>
+              </a:solidFill>
+            </a:endParaRPr>
+          </a:p>
+        </p:txBody>
+      </p:sp>
+      <p:sp>
+        <p:nvSpPr>
+          <p:cNvPr id="27" name="직사각형 26"/>
+          <p:cNvSpPr/>
+          <p:nvPr/>
+        </p:nvSpPr>
+        <p:spPr>
+          <a:xfrm>
+            <a:off x="2271664" y="2898631"/>
+            <a:ext cx="423174" cy="307777"/>
+          </a:xfrm>
+          <a:prstGeom prst="rect">
+            <a:avLst/>
+          </a:prstGeom>
+          <a:solidFill>
+            <a:srgbClr val="92D050"/>
+          </a:solidFill>
+          <a:ln>
+            <a:solidFill>
+              <a:schemeClr val="tx1"/>
+            </a:solidFill>
+          </a:ln>
+        </p:spPr>
+        <p:style>
+          <a:lnRef idx="2">
+            <a:schemeClr val="accent1">
+              <a:shade val="50000"/>
+            </a:schemeClr>
+          </a:lnRef>
+          <a:fillRef idx="1">
+            <a:schemeClr val="accent1"/>
+          </a:fillRef>
+          <a:effectRef idx="0">
+            <a:schemeClr val="accent1"/>
+          </a:effectRef>
+          <a:fontRef idx="minor">
+            <a:schemeClr val="lt1"/>
+          </a:fontRef>
+        </p:style>
+        <p:txBody>
+          <a:bodyPr rtlCol="0" anchor="ctr"/>
+          <a:lstStyle/>
+          <a:p>
+            <a:pPr algn="ctr"/>
+            <a:r>
+              <a:rPr lang="en-US" altLang="ko-KR" sz="1400" dirty="0" smtClean="0">
+                <a:solidFill>
+                  <a:schemeClr val="tx1"/>
+                </a:solidFill>
+              </a:rPr>
+              <a:t>10</a:t>
+            </a:r>
+            <a:endParaRPr lang="ko-KR" altLang="en-US" sz="1400" dirty="0">
+              <a:solidFill>
+                <a:schemeClr val="tx1"/>
+              </a:solidFill>
+            </a:endParaRPr>
+          </a:p>
+        </p:txBody>
+      </p:sp>
+      <p:sp>
+        <p:nvSpPr>
+          <p:cNvPr id="37" name="직사각형 36"/>
+          <p:cNvSpPr/>
+          <p:nvPr/>
+        </p:nvSpPr>
+        <p:spPr>
+          <a:xfrm>
+            <a:off x="2694838" y="2898631"/>
+            <a:ext cx="423174" cy="307777"/>
+          </a:xfrm>
+          <a:prstGeom prst="rect">
+            <a:avLst/>
+          </a:prstGeom>
+          <a:noFill/>
+          <a:ln>
+            <a:solidFill>
+              <a:schemeClr val="tx1"/>
+            </a:solidFill>
+          </a:ln>
+        </p:spPr>
+        <p:style>
+          <a:lnRef idx="2">
+            <a:schemeClr val="accent1">
+              <a:shade val="50000"/>
+            </a:schemeClr>
+          </a:lnRef>
+          <a:fillRef idx="1">
+            <a:schemeClr val="accent1"/>
+          </a:fillRef>
+          <a:effectRef idx="0">
+            <a:schemeClr val="accent1"/>
+          </a:effectRef>
+          <a:fontRef idx="minor">
+            <a:schemeClr val="lt1"/>
+          </a:fontRef>
+        </p:style>
+        <p:txBody>
+          <a:bodyPr rtlCol="0" anchor="ctr"/>
+          <a:lstStyle/>
+          <a:p>
+            <a:pPr algn="ctr"/>
+            <a:r>
+              <a:rPr lang="en-US" altLang="ko-KR" sz="1400" dirty="0" smtClean="0">
+                <a:solidFill>
+                  <a:schemeClr val="tx1"/>
+                </a:solidFill>
+              </a:rPr>
+              <a:t>11</a:t>
+            </a:r>
+            <a:endParaRPr lang="ko-KR" altLang="en-US" sz="1400" dirty="0">
+              <a:solidFill>
+                <a:schemeClr val="tx1"/>
+              </a:solidFill>
+            </a:endParaRPr>
+          </a:p>
+        </p:txBody>
+      </p:sp>
+      <p:sp>
+        <p:nvSpPr>
+          <p:cNvPr id="38" name="직사각형 37"/>
+          <p:cNvSpPr/>
+          <p:nvPr/>
+        </p:nvSpPr>
+        <p:spPr>
+          <a:xfrm>
+            <a:off x="3120140" y="2898631"/>
+            <a:ext cx="414670" cy="307777"/>
+          </a:xfrm>
+          <a:prstGeom prst="rect">
+            <a:avLst/>
+          </a:prstGeom>
+          <a:noFill/>
+          <a:ln>
+            <a:solidFill>
+              <a:schemeClr val="tx1"/>
+            </a:solidFill>
+          </a:ln>
+        </p:spPr>
+        <p:style>
+          <a:lnRef idx="2">
+            <a:schemeClr val="accent1">
+              <a:shade val="50000"/>
+            </a:schemeClr>
+          </a:lnRef>
+          <a:fillRef idx="1">
+            <a:schemeClr val="accent1"/>
+          </a:fillRef>
+          <a:effectRef idx="0">
+            <a:schemeClr val="accent1"/>
+          </a:effectRef>
+          <a:fontRef idx="minor">
+            <a:schemeClr val="lt1"/>
+          </a:fontRef>
+        </p:style>
+        <p:txBody>
+          <a:bodyPr rtlCol="0" anchor="ctr"/>
+          <a:lstStyle/>
+          <a:p>
+            <a:pPr algn="ctr"/>
+            <a:r>
+              <a:rPr lang="en-US" altLang="ko-KR" sz="1400" dirty="0" smtClean="0">
+                <a:solidFill>
+                  <a:schemeClr val="tx1"/>
+                </a:solidFill>
+              </a:rPr>
+              <a:t>12</a:t>
+            </a:r>
+            <a:endParaRPr lang="ko-KR" altLang="en-US" sz="1400" dirty="0">
+              <a:solidFill>
+                <a:schemeClr val="tx1"/>
+              </a:solidFill>
+            </a:endParaRPr>
+          </a:p>
+        </p:txBody>
+      </p:sp>
+      <p:sp>
+        <p:nvSpPr>
+          <p:cNvPr id="39" name="직사각형 38"/>
+          <p:cNvSpPr/>
+          <p:nvPr/>
+        </p:nvSpPr>
+        <p:spPr>
+          <a:xfrm>
+            <a:off x="3536938" y="2898631"/>
+            <a:ext cx="423174" cy="307777"/>
+          </a:xfrm>
+          <a:prstGeom prst="rect">
+            <a:avLst/>
+          </a:prstGeom>
+          <a:noFill/>
+          <a:ln>
+            <a:solidFill>
+              <a:schemeClr val="tx1"/>
+            </a:solidFill>
+          </a:ln>
+        </p:spPr>
+        <p:style>
+          <a:lnRef idx="2">
+            <a:schemeClr val="accent1">
+              <a:shade val="50000"/>
+            </a:schemeClr>
+          </a:lnRef>
+          <a:fillRef idx="1">
+            <a:schemeClr val="accent1"/>
+          </a:fillRef>
+          <a:effectRef idx="0">
+            <a:schemeClr val="accent1"/>
+          </a:effectRef>
+          <a:fontRef idx="minor">
+            <a:schemeClr val="lt1"/>
+          </a:fontRef>
+        </p:style>
+        <p:txBody>
+          <a:bodyPr rtlCol="0" anchor="ctr"/>
+          <a:lstStyle/>
+          <a:p>
+            <a:pPr algn="ctr"/>
+            <a:r>
+              <a:rPr lang="en-US" altLang="ko-KR" sz="1400" dirty="0" smtClean="0">
+                <a:solidFill>
+                  <a:schemeClr val="tx1"/>
+                </a:solidFill>
+              </a:rPr>
+              <a:t>13</a:t>
+            </a:r>
+            <a:endParaRPr lang="ko-KR" altLang="en-US" sz="1400" dirty="0">
+              <a:solidFill>
+                <a:schemeClr val="tx1"/>
+              </a:solidFill>
+            </a:endParaRPr>
+          </a:p>
+        </p:txBody>
+      </p:sp>
+      <p:sp>
+        <p:nvSpPr>
+          <p:cNvPr id="40" name="직사각형 39"/>
+          <p:cNvSpPr/>
+          <p:nvPr/>
+        </p:nvSpPr>
+        <p:spPr>
+          <a:xfrm>
+            <a:off x="3960112" y="2898631"/>
+            <a:ext cx="423174" cy="307777"/>
+          </a:xfrm>
+          <a:prstGeom prst="rect">
+            <a:avLst/>
+          </a:prstGeom>
+          <a:noFill/>
+          <a:ln>
+            <a:solidFill>
+              <a:schemeClr val="tx1"/>
+            </a:solidFill>
+          </a:ln>
+        </p:spPr>
+        <p:style>
+          <a:lnRef idx="2">
+            <a:schemeClr val="accent1">
+              <a:shade val="50000"/>
+            </a:schemeClr>
+          </a:lnRef>
+          <a:fillRef idx="1">
+            <a:schemeClr val="accent1"/>
+          </a:fillRef>
+          <a:effectRef idx="0">
+            <a:schemeClr val="accent1"/>
+          </a:effectRef>
+          <a:fontRef idx="minor">
+            <a:schemeClr val="lt1"/>
+          </a:fontRef>
+        </p:style>
+        <p:txBody>
+          <a:bodyPr rtlCol="0" anchor="ctr"/>
+          <a:lstStyle/>
+          <a:p>
+            <a:pPr algn="ctr"/>
+            <a:r>
+              <a:rPr lang="en-US" altLang="ko-KR" sz="1400" dirty="0" smtClean="0">
+                <a:solidFill>
+                  <a:schemeClr val="tx1"/>
+                </a:solidFill>
+              </a:rPr>
+              <a:t>14</a:t>
+            </a:r>
+            <a:endParaRPr lang="ko-KR" altLang="en-US" sz="1400" dirty="0">
+              <a:solidFill>
+                <a:schemeClr val="tx1"/>
+              </a:solidFill>
+            </a:endParaRPr>
+          </a:p>
+        </p:txBody>
+      </p:sp>
+      <p:sp>
+        <p:nvSpPr>
+          <p:cNvPr id="47" name="직사각형 46"/>
+          <p:cNvSpPr/>
+          <p:nvPr/>
+        </p:nvSpPr>
+        <p:spPr>
+          <a:xfrm>
+            <a:off x="4383286" y="2898631"/>
+            <a:ext cx="414670" cy="307777"/>
+          </a:xfrm>
+          <a:prstGeom prst="rect">
+            <a:avLst/>
+          </a:prstGeom>
+          <a:noFill/>
+          <a:ln>
+            <a:solidFill>
+              <a:schemeClr val="tx1"/>
+            </a:solidFill>
+          </a:ln>
+        </p:spPr>
+        <p:style>
+          <a:lnRef idx="2">
+            <a:schemeClr val="accent1">
+              <a:shade val="50000"/>
+            </a:schemeClr>
+          </a:lnRef>
+          <a:fillRef idx="1">
+            <a:schemeClr val="accent1"/>
+          </a:fillRef>
+          <a:effectRef idx="0">
+            <a:schemeClr val="accent1"/>
+          </a:effectRef>
+          <a:fontRef idx="minor">
+            <a:schemeClr val="lt1"/>
+          </a:fontRef>
+        </p:style>
+        <p:txBody>
+          <a:bodyPr rtlCol="0" anchor="ctr"/>
+          <a:lstStyle/>
+          <a:p>
+            <a:pPr algn="ctr"/>
+            <a:r>
+              <a:rPr lang="en-US" altLang="ko-KR" sz="1400" dirty="0" smtClean="0">
+                <a:solidFill>
+                  <a:schemeClr val="tx1"/>
+                </a:solidFill>
+              </a:rPr>
+              <a:t>15</a:t>
+            </a:r>
+            <a:endParaRPr lang="ko-KR" altLang="en-US" sz="1400" dirty="0">
+              <a:solidFill>
+                <a:schemeClr val="tx1"/>
+              </a:solidFill>
+            </a:endParaRPr>
+          </a:p>
+        </p:txBody>
+      </p:sp>
+      <p:sp>
+        <p:nvSpPr>
+          <p:cNvPr id="48" name="직사각형 47"/>
+          <p:cNvSpPr/>
+          <p:nvPr/>
+        </p:nvSpPr>
+        <p:spPr>
+          <a:xfrm>
+            <a:off x="4800084" y="2898631"/>
+            <a:ext cx="423174" cy="307777"/>
+          </a:xfrm>
+          <a:prstGeom prst="rect">
+            <a:avLst/>
+          </a:prstGeom>
+          <a:noFill/>
+          <a:ln>
+            <a:solidFill>
+              <a:schemeClr val="tx1"/>
+            </a:solidFill>
+          </a:ln>
+        </p:spPr>
+        <p:style>
+          <a:lnRef idx="2">
+            <a:schemeClr val="accent1">
+              <a:shade val="50000"/>
+            </a:schemeClr>
+          </a:lnRef>
+          <a:fillRef idx="1">
+            <a:schemeClr val="accent1"/>
+          </a:fillRef>
+          <a:effectRef idx="0">
+            <a:schemeClr val="accent1"/>
+          </a:effectRef>
+          <a:fontRef idx="minor">
+            <a:schemeClr val="lt1"/>
+          </a:fontRef>
+        </p:style>
+        <p:txBody>
+          <a:bodyPr rtlCol="0" anchor="ctr"/>
+          <a:lstStyle/>
+          <a:p>
+            <a:pPr algn="ctr"/>
+            <a:r>
+              <a:rPr lang="en-US" altLang="ko-KR" sz="1400" dirty="0" smtClean="0">
+                <a:solidFill>
+                  <a:schemeClr val="tx1"/>
+                </a:solidFill>
+              </a:rPr>
+              <a:t>16</a:t>
+            </a:r>
+            <a:endParaRPr lang="ko-KR" altLang="en-US" sz="1400" dirty="0">
+              <a:solidFill>
+                <a:schemeClr val="tx1"/>
+              </a:solidFill>
+            </a:endParaRPr>
+          </a:p>
+        </p:txBody>
+      </p:sp>
+      <p:sp>
+        <p:nvSpPr>
+          <p:cNvPr id="49" name="직사각형 48"/>
+          <p:cNvSpPr/>
+          <p:nvPr/>
+        </p:nvSpPr>
+        <p:spPr>
+          <a:xfrm>
+            <a:off x="5223258" y="2898631"/>
+            <a:ext cx="423174" cy="307777"/>
+          </a:xfrm>
+          <a:prstGeom prst="rect">
+            <a:avLst/>
+          </a:prstGeom>
+          <a:noFill/>
+          <a:ln>
+            <a:solidFill>
+              <a:schemeClr val="tx1"/>
+            </a:solidFill>
+          </a:ln>
+        </p:spPr>
+        <p:style>
+          <a:lnRef idx="2">
+            <a:schemeClr val="accent1">
+              <a:shade val="50000"/>
+            </a:schemeClr>
+          </a:lnRef>
+          <a:fillRef idx="1">
+            <a:schemeClr val="accent1"/>
+          </a:fillRef>
+          <a:effectRef idx="0">
+            <a:schemeClr val="accent1"/>
+          </a:effectRef>
+          <a:fontRef idx="minor">
+            <a:schemeClr val="lt1"/>
+          </a:fontRef>
+        </p:style>
+        <p:txBody>
+          <a:bodyPr rtlCol="0" anchor="ctr"/>
+          <a:lstStyle/>
+          <a:p>
+            <a:pPr algn="ctr"/>
+            <a:r>
+              <a:rPr lang="en-US" altLang="ko-KR" sz="1400" dirty="0" smtClean="0">
+                <a:solidFill>
+                  <a:schemeClr val="tx1"/>
+                </a:solidFill>
+              </a:rPr>
+              <a:t>17</a:t>
+            </a:r>
+            <a:endParaRPr lang="ko-KR" altLang="en-US" sz="1400" dirty="0">
+              <a:solidFill>
+                <a:schemeClr val="tx1"/>
+              </a:solidFill>
+            </a:endParaRPr>
+          </a:p>
+        </p:txBody>
+      </p:sp>
+      <p:sp>
+        <p:nvSpPr>
+          <p:cNvPr id="50" name="직사각형 49"/>
+          <p:cNvSpPr/>
+          <p:nvPr/>
+        </p:nvSpPr>
+        <p:spPr>
+          <a:xfrm>
+            <a:off x="5648560" y="2898631"/>
+            <a:ext cx="414670" cy="307777"/>
+          </a:xfrm>
+          <a:prstGeom prst="rect">
+            <a:avLst/>
+          </a:prstGeom>
+          <a:noFill/>
+          <a:ln>
+            <a:solidFill>
+              <a:schemeClr val="tx1"/>
+            </a:solidFill>
+          </a:ln>
+        </p:spPr>
+        <p:style>
+          <a:lnRef idx="2">
+            <a:schemeClr val="accent1">
+              <a:shade val="50000"/>
+            </a:schemeClr>
+          </a:lnRef>
+          <a:fillRef idx="1">
+            <a:schemeClr val="accent1"/>
+          </a:fillRef>
+          <a:effectRef idx="0">
+            <a:schemeClr val="accent1"/>
+          </a:effectRef>
+          <a:fontRef idx="minor">
+            <a:schemeClr val="lt1"/>
+          </a:fontRef>
+        </p:style>
+        <p:txBody>
+          <a:bodyPr rtlCol="0" anchor="ctr"/>
+          <a:lstStyle/>
+          <a:p>
+            <a:pPr algn="ctr"/>
+            <a:r>
+              <a:rPr lang="en-US" altLang="ko-KR" sz="1400" dirty="0" smtClean="0">
+                <a:solidFill>
+                  <a:schemeClr val="tx1"/>
+                </a:solidFill>
+              </a:rPr>
+              <a:t>18</a:t>
+            </a:r>
+            <a:endParaRPr lang="ko-KR" altLang="en-US" sz="1400" dirty="0">
+              <a:solidFill>
+                <a:schemeClr val="tx1"/>
+              </a:solidFill>
+            </a:endParaRPr>
+          </a:p>
+        </p:txBody>
+      </p:sp>
+      <p:sp>
+        <p:nvSpPr>
+          <p:cNvPr id="51" name="직사각형 50"/>
+          <p:cNvSpPr/>
+          <p:nvPr/>
+        </p:nvSpPr>
+        <p:spPr>
+          <a:xfrm>
+            <a:off x="6065358" y="2898631"/>
+            <a:ext cx="423174" cy="307777"/>
+          </a:xfrm>
+          <a:prstGeom prst="rect">
+            <a:avLst/>
+          </a:prstGeom>
+          <a:noFill/>
+          <a:ln>
+            <a:solidFill>
+              <a:schemeClr val="tx1"/>
+            </a:solidFill>
+          </a:ln>
+        </p:spPr>
+        <p:style>
+          <a:lnRef idx="2">
+            <a:schemeClr val="accent1">
+              <a:shade val="50000"/>
+            </a:schemeClr>
+          </a:lnRef>
+          <a:fillRef idx="1">
+            <a:schemeClr val="accent1"/>
+          </a:fillRef>
+          <a:effectRef idx="0">
+            <a:schemeClr val="accent1"/>
+          </a:effectRef>
+          <a:fontRef idx="minor">
+            <a:schemeClr val="lt1"/>
+          </a:fontRef>
+        </p:style>
+        <p:txBody>
+          <a:bodyPr rtlCol="0" anchor="ctr"/>
+          <a:lstStyle/>
+          <a:p>
+            <a:pPr algn="ctr"/>
+            <a:r>
+              <a:rPr lang="en-US" altLang="ko-KR" sz="1400" dirty="0" smtClean="0">
+                <a:solidFill>
+                  <a:schemeClr val="tx1"/>
+                </a:solidFill>
+              </a:rPr>
+              <a:t>19</a:t>
+            </a:r>
+            <a:endParaRPr lang="ko-KR" altLang="en-US" sz="1400" dirty="0">
+              <a:solidFill>
+                <a:schemeClr val="tx1"/>
+              </a:solidFill>
+            </a:endParaRPr>
+          </a:p>
+        </p:txBody>
+      </p:sp>
+      <p:sp>
+        <p:nvSpPr>
+          <p:cNvPr id="52" name="직사각형 51"/>
+          <p:cNvSpPr/>
+          <p:nvPr/>
+        </p:nvSpPr>
+        <p:spPr>
+          <a:xfrm>
+            <a:off x="6488532" y="2898631"/>
+            <a:ext cx="423174" cy="307777"/>
+          </a:xfrm>
+          <a:prstGeom prst="rect">
+            <a:avLst/>
+          </a:prstGeom>
+          <a:noFill/>
+          <a:ln>
+            <a:solidFill>
+              <a:schemeClr val="tx1"/>
+            </a:solidFill>
+          </a:ln>
+        </p:spPr>
+        <p:style>
+          <a:lnRef idx="2">
+            <a:schemeClr val="accent1">
+              <a:shade val="50000"/>
+            </a:schemeClr>
+          </a:lnRef>
+          <a:fillRef idx="1">
+            <a:schemeClr val="accent1"/>
+          </a:fillRef>
+          <a:effectRef idx="0">
+            <a:schemeClr val="accent1"/>
+          </a:effectRef>
+          <a:fontRef idx="minor">
+            <a:schemeClr val="lt1"/>
+          </a:fontRef>
+        </p:style>
+        <p:txBody>
+          <a:bodyPr rtlCol="0" anchor="ctr"/>
+          <a:lstStyle/>
+          <a:p>
+            <a:pPr algn="ctr"/>
+            <a:r>
+              <a:rPr lang="en-US" altLang="ko-KR" sz="1400" dirty="0" smtClean="0">
+                <a:solidFill>
+                  <a:schemeClr val="tx1"/>
+                </a:solidFill>
+              </a:rPr>
+              <a:t>20</a:t>
+            </a:r>
+            <a:endParaRPr lang="ko-KR" altLang="en-US" sz="1400" dirty="0">
+              <a:solidFill>
+                <a:schemeClr val="tx1"/>
+              </a:solidFill>
+            </a:endParaRPr>
+          </a:p>
+        </p:txBody>
+      </p:sp>
+      <p:sp>
+        <p:nvSpPr>
+          <p:cNvPr id="53" name="직사각형 52"/>
+          <p:cNvSpPr/>
+          <p:nvPr/>
+        </p:nvSpPr>
+        <p:spPr>
+          <a:xfrm>
+            <a:off x="6911706" y="2898631"/>
+            <a:ext cx="423174" cy="307777"/>
+          </a:xfrm>
+          <a:prstGeom prst="rect">
+            <a:avLst/>
+          </a:prstGeom>
+          <a:noFill/>
+          <a:ln>
+            <a:solidFill>
+              <a:schemeClr val="tx1"/>
+            </a:solidFill>
+          </a:ln>
+        </p:spPr>
+        <p:style>
+          <a:lnRef idx="2">
+            <a:schemeClr val="accent1">
+              <a:shade val="50000"/>
+            </a:schemeClr>
+          </a:lnRef>
+          <a:fillRef idx="1">
+            <a:schemeClr val="accent1"/>
+          </a:fillRef>
+          <a:effectRef idx="0">
+            <a:schemeClr val="accent1"/>
+          </a:effectRef>
+          <a:fontRef idx="minor">
+            <a:schemeClr val="lt1"/>
+          </a:fontRef>
+        </p:style>
+        <p:txBody>
+          <a:bodyPr rtlCol="0" anchor="ctr"/>
+          <a:lstStyle/>
+          <a:p>
+            <a:pPr algn="ctr"/>
+            <a:r>
+              <a:rPr lang="en-US" altLang="ko-KR" sz="1400" dirty="0" smtClean="0">
+                <a:solidFill>
+                  <a:schemeClr val="tx1"/>
+                </a:solidFill>
+              </a:rPr>
+              <a:t>21</a:t>
+            </a:r>
+            <a:endParaRPr lang="ko-KR" altLang="en-US" sz="1400" dirty="0">
+              <a:solidFill>
+                <a:schemeClr val="tx1"/>
+              </a:solidFill>
+            </a:endParaRPr>
+          </a:p>
+        </p:txBody>
+      </p:sp>
+      <p:sp>
+        <p:nvSpPr>
+          <p:cNvPr id="59" name="TextBox 58"/>
+          <p:cNvSpPr txBox="1"/>
+          <p:nvPr/>
+        </p:nvSpPr>
+        <p:spPr>
+          <a:xfrm>
+            <a:off x="1916803" y="3368143"/>
+            <a:ext cx="935666" cy="523220"/>
+          </a:xfrm>
+          <a:prstGeom prst="rect">
+            <a:avLst/>
+          </a:prstGeom>
+          <a:noFill/>
+        </p:spPr>
+        <p:txBody>
+          <a:bodyPr wrap="square" rtlCol="0">
+            <a:spAutoFit/>
+          </a:bodyPr>
+          <a:lstStyle/>
+          <a:p>
+            <a:r>
+              <a:rPr lang="ko-KR" altLang="en-US" sz="1400" smtClean="0"/>
+              <a:t>카테고리선</a:t>
+            </a:r>
+            <a:r>
+              <a:rPr lang="ko-KR" altLang="en-US" sz="1400"/>
+              <a:t>택</a:t>
+            </a:r>
+            <a:endParaRPr lang="ko-KR" altLang="en-US" sz="1400" dirty="0"/>
+          </a:p>
+        </p:txBody>
+      </p:sp>
+      <p:sp>
+        <p:nvSpPr>
+          <p:cNvPr id="60" name="직사각형 59"/>
+          <p:cNvSpPr/>
+          <p:nvPr/>
+        </p:nvSpPr>
+        <p:spPr>
+          <a:xfrm>
+            <a:off x="2988314" y="3307654"/>
+            <a:ext cx="1062191" cy="393902"/>
+          </a:xfrm>
+          <a:prstGeom prst="rect">
+            <a:avLst/>
+          </a:prstGeom>
+          <a:noFill/>
+          <a:ln>
+            <a:solidFill>
+              <a:schemeClr val="tx1"/>
+            </a:solidFill>
+          </a:ln>
+        </p:spPr>
+        <p:style>
+          <a:lnRef idx="2">
+            <a:schemeClr val="accent1">
+              <a:shade val="50000"/>
+            </a:schemeClr>
+          </a:lnRef>
+          <a:fillRef idx="1">
+            <a:schemeClr val="accent1"/>
+          </a:fillRef>
+          <a:effectRef idx="0">
+            <a:schemeClr val="accent1"/>
+          </a:effectRef>
+          <a:fontRef idx="minor">
+            <a:schemeClr val="lt1"/>
+          </a:fontRef>
+        </p:style>
+        <p:txBody>
+          <a:bodyPr rtlCol="0" anchor="ctr"/>
+          <a:lstStyle/>
+          <a:p>
+            <a:pPr algn="ctr"/>
+            <a:r>
+              <a:rPr lang="en-US" altLang="ko-KR" sz="1400" dirty="0" smtClean="0">
+                <a:solidFill>
+                  <a:schemeClr val="tx1"/>
+                </a:solidFill>
+              </a:rPr>
+              <a:t>IT</a:t>
+            </a:r>
+            <a:r>
+              <a:rPr lang="ko-KR" altLang="en-US" sz="1400" dirty="0" smtClean="0">
+                <a:solidFill>
+                  <a:schemeClr val="tx1"/>
+                </a:solidFill>
+              </a:rPr>
+              <a:t>기술</a:t>
+            </a:r>
+            <a:endParaRPr lang="ko-KR" altLang="en-US" sz="1400" dirty="0">
+              <a:solidFill>
+                <a:schemeClr val="tx1"/>
+              </a:solidFill>
+            </a:endParaRPr>
+          </a:p>
+        </p:txBody>
+      </p:sp>
+      <p:sp>
+        <p:nvSpPr>
+          <p:cNvPr id="69" name="직사각형 68"/>
+          <p:cNvSpPr/>
+          <p:nvPr/>
+        </p:nvSpPr>
+        <p:spPr>
+          <a:xfrm>
+            <a:off x="4050506" y="3307654"/>
+            <a:ext cx="1062191" cy="393902"/>
+          </a:xfrm>
+          <a:prstGeom prst="rect">
+            <a:avLst/>
+          </a:prstGeom>
+          <a:noFill/>
+          <a:ln>
+            <a:solidFill>
+              <a:schemeClr val="tx1"/>
+            </a:solidFill>
+          </a:ln>
+        </p:spPr>
+        <p:style>
+          <a:lnRef idx="2">
+            <a:schemeClr val="accent1">
+              <a:shade val="50000"/>
+            </a:schemeClr>
+          </a:lnRef>
+          <a:fillRef idx="1">
+            <a:schemeClr val="accent1"/>
+          </a:fillRef>
+          <a:effectRef idx="0">
+            <a:schemeClr val="accent1"/>
+          </a:effectRef>
+          <a:fontRef idx="minor">
+            <a:schemeClr val="lt1"/>
+          </a:fontRef>
+        </p:style>
+        <p:txBody>
+          <a:bodyPr rtlCol="0" anchor="ctr"/>
+          <a:lstStyle/>
+          <a:p>
+            <a:pPr algn="ctr"/>
+            <a:r>
+              <a:rPr lang="ko-KR" altLang="en-US" sz="1400" dirty="0" smtClean="0">
+                <a:solidFill>
+                  <a:schemeClr val="tx1"/>
+                </a:solidFill>
+              </a:rPr>
+              <a:t>스포츠</a:t>
+            </a:r>
+            <a:endParaRPr lang="ko-KR" altLang="en-US" sz="1400" dirty="0">
+              <a:solidFill>
+                <a:schemeClr val="tx1"/>
+              </a:solidFill>
+            </a:endParaRPr>
+          </a:p>
+        </p:txBody>
+      </p:sp>
+      <p:sp>
+        <p:nvSpPr>
+          <p:cNvPr id="71" name="직사각형 70"/>
+          <p:cNvSpPr/>
+          <p:nvPr/>
+        </p:nvSpPr>
+        <p:spPr>
+          <a:xfrm>
+            <a:off x="5112698" y="3307654"/>
+            <a:ext cx="1062191" cy="393902"/>
+          </a:xfrm>
+          <a:prstGeom prst="rect">
+            <a:avLst/>
+          </a:prstGeom>
+          <a:noFill/>
+          <a:ln>
+            <a:solidFill>
+              <a:schemeClr val="tx1"/>
+            </a:solidFill>
+          </a:ln>
+        </p:spPr>
+        <p:style>
+          <a:lnRef idx="2">
+            <a:schemeClr val="accent1">
+              <a:shade val="50000"/>
+            </a:schemeClr>
+          </a:lnRef>
+          <a:fillRef idx="1">
+            <a:schemeClr val="accent1"/>
+          </a:fillRef>
+          <a:effectRef idx="0">
+            <a:schemeClr val="accent1"/>
+          </a:effectRef>
+          <a:fontRef idx="minor">
+            <a:schemeClr val="lt1"/>
+          </a:fontRef>
+        </p:style>
+        <p:txBody>
+          <a:bodyPr rtlCol="0" anchor="ctr"/>
+          <a:lstStyle/>
+          <a:p>
+            <a:pPr algn="ctr"/>
+            <a:r>
+              <a:rPr lang="ko-KR" altLang="en-US" sz="1400" dirty="0" smtClean="0">
+                <a:solidFill>
+                  <a:schemeClr val="tx1"/>
+                </a:solidFill>
+              </a:rPr>
+              <a:t>건강</a:t>
+            </a:r>
+            <a:endParaRPr lang="ko-KR" altLang="en-US" sz="1400" dirty="0">
+              <a:solidFill>
+                <a:schemeClr val="tx1"/>
+              </a:solidFill>
+            </a:endParaRPr>
+          </a:p>
+        </p:txBody>
+      </p:sp>
+      <p:sp>
+        <p:nvSpPr>
+          <p:cNvPr id="72" name="직사각형 71"/>
+          <p:cNvSpPr/>
+          <p:nvPr/>
+        </p:nvSpPr>
+        <p:spPr>
+          <a:xfrm>
+            <a:off x="2988314" y="3708592"/>
+            <a:ext cx="1062191" cy="393902"/>
+          </a:xfrm>
+          <a:prstGeom prst="rect">
+            <a:avLst/>
+          </a:prstGeom>
+          <a:noFill/>
+          <a:ln>
+            <a:solidFill>
+              <a:schemeClr val="tx1"/>
+            </a:solidFill>
+          </a:ln>
+        </p:spPr>
+        <p:style>
+          <a:lnRef idx="2">
+            <a:schemeClr val="accent1">
+              <a:shade val="50000"/>
+            </a:schemeClr>
+          </a:lnRef>
+          <a:fillRef idx="1">
+            <a:schemeClr val="accent1"/>
+          </a:fillRef>
+          <a:effectRef idx="0">
+            <a:schemeClr val="accent1"/>
+          </a:effectRef>
+          <a:fontRef idx="minor">
+            <a:schemeClr val="lt1"/>
+          </a:fontRef>
+        </p:style>
+        <p:txBody>
+          <a:bodyPr rtlCol="0" anchor="ctr"/>
+          <a:lstStyle/>
+          <a:p>
+            <a:pPr algn="ctr"/>
+            <a:r>
+              <a:rPr lang="ko-KR" altLang="en-US" sz="1400" dirty="0" smtClean="0">
+                <a:solidFill>
+                  <a:schemeClr val="tx1"/>
+                </a:solidFill>
+              </a:rPr>
+              <a:t>음식</a:t>
+            </a:r>
+            <a:endParaRPr lang="ko-KR" altLang="en-US" sz="1400" dirty="0">
+              <a:solidFill>
+                <a:schemeClr val="tx1"/>
+              </a:solidFill>
+            </a:endParaRPr>
+          </a:p>
+        </p:txBody>
+      </p:sp>
+      <p:sp>
+        <p:nvSpPr>
+          <p:cNvPr id="73" name="직사각형 72"/>
+          <p:cNvSpPr/>
+          <p:nvPr/>
+        </p:nvSpPr>
+        <p:spPr>
+          <a:xfrm>
+            <a:off x="4050506" y="3708592"/>
+            <a:ext cx="1062191" cy="393902"/>
+          </a:xfrm>
+          <a:prstGeom prst="rect">
+            <a:avLst/>
+          </a:prstGeom>
+          <a:noFill/>
+          <a:ln>
+            <a:solidFill>
+              <a:schemeClr val="tx1"/>
+            </a:solidFill>
+          </a:ln>
+        </p:spPr>
+        <p:style>
+          <a:lnRef idx="2">
+            <a:schemeClr val="accent1">
+              <a:shade val="50000"/>
+            </a:schemeClr>
+          </a:lnRef>
+          <a:fillRef idx="1">
+            <a:schemeClr val="accent1"/>
+          </a:fillRef>
+          <a:effectRef idx="0">
+            <a:schemeClr val="accent1"/>
+          </a:effectRef>
+          <a:fontRef idx="minor">
+            <a:schemeClr val="lt1"/>
+          </a:fontRef>
+        </p:style>
+        <p:txBody>
+          <a:bodyPr rtlCol="0" anchor="ctr"/>
+          <a:lstStyle/>
+          <a:p>
+            <a:pPr algn="ctr"/>
+            <a:r>
+              <a:rPr lang="ko-KR" altLang="en-US" sz="1400" dirty="0" smtClean="0">
+                <a:solidFill>
+                  <a:schemeClr val="tx1"/>
+                </a:solidFill>
+              </a:rPr>
+              <a:t>음</a:t>
+            </a:r>
+            <a:r>
+              <a:rPr lang="ko-KR" altLang="en-US" sz="1400" dirty="0">
+                <a:solidFill>
+                  <a:schemeClr val="tx1"/>
+                </a:solidFill>
+              </a:rPr>
+              <a:t>악</a:t>
+            </a:r>
+          </a:p>
+        </p:txBody>
+      </p:sp>
+      <p:sp>
+        <p:nvSpPr>
+          <p:cNvPr id="74" name="직사각형 73"/>
+          <p:cNvSpPr/>
+          <p:nvPr/>
+        </p:nvSpPr>
+        <p:spPr>
+          <a:xfrm>
+            <a:off x="5112698" y="3708592"/>
+            <a:ext cx="1062191" cy="393902"/>
+          </a:xfrm>
+          <a:prstGeom prst="rect">
+            <a:avLst/>
+          </a:prstGeom>
+          <a:noFill/>
+          <a:ln>
+            <a:solidFill>
+              <a:schemeClr val="tx1"/>
+            </a:solidFill>
+          </a:ln>
+        </p:spPr>
+        <p:style>
+          <a:lnRef idx="2">
+            <a:schemeClr val="accent1">
+              <a:shade val="50000"/>
+            </a:schemeClr>
+          </a:lnRef>
+          <a:fillRef idx="1">
+            <a:schemeClr val="accent1"/>
+          </a:fillRef>
+          <a:effectRef idx="0">
+            <a:schemeClr val="accent1"/>
+          </a:effectRef>
+          <a:fontRef idx="minor">
+            <a:schemeClr val="lt1"/>
+          </a:fontRef>
+        </p:style>
+        <p:txBody>
+          <a:bodyPr rtlCol="0" anchor="ctr"/>
+          <a:lstStyle/>
+          <a:p>
+            <a:pPr algn="ctr"/>
+            <a:r>
+              <a:rPr lang="ko-KR" altLang="en-US" sz="1400" dirty="0" smtClean="0">
+                <a:solidFill>
+                  <a:schemeClr val="tx1"/>
+                </a:solidFill>
+              </a:rPr>
+              <a:t>가</a:t>
+            </a:r>
+            <a:r>
+              <a:rPr lang="ko-KR" altLang="en-US" sz="1400" dirty="0">
+                <a:solidFill>
+                  <a:schemeClr val="tx1"/>
+                </a:solidFill>
+              </a:rPr>
+              <a:t>족</a:t>
+            </a:r>
+          </a:p>
+        </p:txBody>
+      </p:sp>
+      <p:sp>
+        <p:nvSpPr>
+          <p:cNvPr id="75" name="직사각형 74"/>
+          <p:cNvSpPr/>
+          <p:nvPr/>
+        </p:nvSpPr>
+        <p:spPr>
+          <a:xfrm>
+            <a:off x="2988314" y="4102494"/>
+            <a:ext cx="1062191" cy="393902"/>
+          </a:xfrm>
+          <a:prstGeom prst="rect">
+            <a:avLst/>
+          </a:prstGeom>
+          <a:noFill/>
+          <a:ln>
+            <a:solidFill>
+              <a:schemeClr val="tx1"/>
+            </a:solidFill>
+          </a:ln>
+        </p:spPr>
+        <p:style>
+          <a:lnRef idx="2">
+            <a:schemeClr val="accent1">
+              <a:shade val="50000"/>
+            </a:schemeClr>
+          </a:lnRef>
+          <a:fillRef idx="1">
+            <a:schemeClr val="accent1"/>
+          </a:fillRef>
+          <a:effectRef idx="0">
+            <a:schemeClr val="accent1"/>
+          </a:effectRef>
+          <a:fontRef idx="minor">
+            <a:schemeClr val="lt1"/>
+          </a:fontRef>
+        </p:style>
+        <p:txBody>
+          <a:bodyPr rtlCol="0" anchor="ctr"/>
+          <a:lstStyle/>
+          <a:p>
+            <a:pPr algn="ctr"/>
+            <a:r>
+              <a:rPr lang="ko-KR" altLang="en-US" sz="1400" dirty="0" smtClean="0">
+                <a:solidFill>
+                  <a:schemeClr val="tx1"/>
+                </a:solidFill>
+              </a:rPr>
+              <a:t>언어문화</a:t>
+            </a:r>
+            <a:endParaRPr lang="ko-KR" altLang="en-US" sz="1400" dirty="0">
+              <a:solidFill>
+                <a:schemeClr val="tx1"/>
+              </a:solidFill>
+            </a:endParaRPr>
+          </a:p>
+        </p:txBody>
+      </p:sp>
+      <p:sp>
+        <p:nvSpPr>
+          <p:cNvPr id="76" name="직사각형 75"/>
+          <p:cNvSpPr/>
+          <p:nvPr/>
+        </p:nvSpPr>
+        <p:spPr>
+          <a:xfrm>
+            <a:off x="4050506" y="4102494"/>
+            <a:ext cx="1062191" cy="393902"/>
+          </a:xfrm>
+          <a:prstGeom prst="rect">
+            <a:avLst/>
+          </a:prstGeom>
+          <a:noFill/>
+          <a:ln>
+            <a:solidFill>
+              <a:schemeClr val="tx1"/>
+            </a:solidFill>
+          </a:ln>
+        </p:spPr>
+        <p:style>
+          <a:lnRef idx="2">
+            <a:schemeClr val="accent1">
+              <a:shade val="50000"/>
+            </a:schemeClr>
+          </a:lnRef>
+          <a:fillRef idx="1">
+            <a:schemeClr val="accent1"/>
+          </a:fillRef>
+          <a:effectRef idx="0">
+            <a:schemeClr val="accent1"/>
+          </a:effectRef>
+          <a:fontRef idx="minor">
+            <a:schemeClr val="lt1"/>
+          </a:fontRef>
+        </p:style>
+        <p:txBody>
+          <a:bodyPr rtlCol="0" anchor="ctr"/>
+          <a:lstStyle/>
+          <a:p>
+            <a:pPr algn="ctr"/>
+            <a:r>
+              <a:rPr lang="ko-KR" altLang="en-US" sz="1400" dirty="0" smtClean="0">
+                <a:solidFill>
+                  <a:schemeClr val="tx1"/>
+                </a:solidFill>
+              </a:rPr>
+              <a:t>영상제작</a:t>
+            </a:r>
+            <a:endParaRPr lang="ko-KR" altLang="en-US" sz="1400" dirty="0">
+              <a:solidFill>
+                <a:schemeClr val="tx1"/>
+              </a:solidFill>
+            </a:endParaRPr>
+          </a:p>
+        </p:txBody>
+      </p:sp>
+      <p:sp>
+        <p:nvSpPr>
+          <p:cNvPr id="77" name="직사각형 76"/>
+          <p:cNvSpPr/>
+          <p:nvPr/>
+        </p:nvSpPr>
+        <p:spPr>
+          <a:xfrm>
+            <a:off x="5112698" y="4102494"/>
+            <a:ext cx="1062191" cy="393902"/>
+          </a:xfrm>
+          <a:prstGeom prst="rect">
+            <a:avLst/>
+          </a:prstGeom>
+          <a:noFill/>
+          <a:ln>
+            <a:solidFill>
+              <a:schemeClr val="tx1"/>
+            </a:solidFill>
+          </a:ln>
+        </p:spPr>
+        <p:style>
+          <a:lnRef idx="2">
+            <a:schemeClr val="accent1">
+              <a:shade val="50000"/>
+            </a:schemeClr>
+          </a:lnRef>
+          <a:fillRef idx="1">
+            <a:schemeClr val="accent1"/>
+          </a:fillRef>
+          <a:effectRef idx="0">
+            <a:schemeClr val="accent1"/>
+          </a:effectRef>
+          <a:fontRef idx="minor">
+            <a:schemeClr val="lt1"/>
+          </a:fontRef>
+        </p:style>
+        <p:txBody>
+          <a:bodyPr rtlCol="0" anchor="ctr"/>
+          <a:lstStyle/>
+          <a:p>
+            <a:pPr algn="ctr"/>
+            <a:r>
+              <a:rPr lang="ko-KR" altLang="en-US" sz="1400" dirty="0" smtClean="0">
+                <a:solidFill>
+                  <a:schemeClr val="tx1"/>
+                </a:solidFill>
+              </a:rPr>
+              <a:t>기</a:t>
+            </a:r>
+            <a:r>
+              <a:rPr lang="ko-KR" altLang="en-US" sz="1400" dirty="0">
+                <a:solidFill>
+                  <a:schemeClr val="tx1"/>
+                </a:solidFill>
+              </a:rPr>
+              <a:t>타</a:t>
+            </a:r>
+          </a:p>
+        </p:txBody>
+      </p:sp>
+      <p:sp>
+        <p:nvSpPr>
+          <p:cNvPr id="78" name="TextBox 77"/>
+          <p:cNvSpPr txBox="1"/>
+          <p:nvPr/>
+        </p:nvSpPr>
+        <p:spPr>
+          <a:xfrm>
+            <a:off x="1879843" y="4596991"/>
+            <a:ext cx="786832" cy="523220"/>
+          </a:xfrm>
+          <a:prstGeom prst="rect">
+            <a:avLst/>
+          </a:prstGeom>
+          <a:noFill/>
+        </p:spPr>
+        <p:txBody>
+          <a:bodyPr wrap="square" rtlCol="0">
+            <a:spAutoFit/>
+          </a:bodyPr>
+          <a:lstStyle/>
+          <a:p>
+            <a:r>
+              <a:rPr lang="ko-KR" altLang="en-US" sz="1400" dirty="0" smtClean="0"/>
+              <a:t>세미나 소개</a:t>
+            </a:r>
+            <a:endParaRPr lang="ko-KR" altLang="en-US" sz="1400" dirty="0"/>
+          </a:p>
+        </p:txBody>
+      </p:sp>
+      <p:sp>
+        <p:nvSpPr>
+          <p:cNvPr id="79" name="직사각형 78"/>
+          <p:cNvSpPr/>
+          <p:nvPr/>
+        </p:nvSpPr>
+        <p:spPr>
+          <a:xfrm>
+            <a:off x="2852469" y="4596991"/>
+            <a:ext cx="3989557" cy="795930"/>
+          </a:xfrm>
+          <a:prstGeom prst="rect">
+            <a:avLst/>
+          </a:prstGeom>
+          <a:noFill/>
+          <a:ln>
+            <a:solidFill>
+              <a:schemeClr val="tx1"/>
+            </a:solidFill>
+          </a:ln>
+        </p:spPr>
+        <p:style>
+          <a:lnRef idx="2">
+            <a:schemeClr val="accent1">
+              <a:shade val="50000"/>
+            </a:schemeClr>
+          </a:lnRef>
+          <a:fillRef idx="1">
+            <a:schemeClr val="accent1"/>
+          </a:fillRef>
+          <a:effectRef idx="0">
+            <a:schemeClr val="accent1"/>
+          </a:effectRef>
+          <a:fontRef idx="minor">
+            <a:schemeClr val="lt1"/>
+          </a:fontRef>
+        </p:style>
+        <p:txBody>
+          <a:bodyPr rtlCol="0" anchor="ctr"/>
+          <a:lstStyle/>
+          <a:p>
+            <a:pPr algn="ctr"/>
+            <a:endParaRPr lang="ko-KR" altLang="en-US"/>
+          </a:p>
+        </p:txBody>
+      </p:sp>
+      <p:sp>
+        <p:nvSpPr>
+          <p:cNvPr id="16" name="직사각형 15"/>
+          <p:cNvSpPr/>
+          <p:nvPr/>
+        </p:nvSpPr>
+        <p:spPr>
+          <a:xfrm>
+            <a:off x="3920880" y="6261245"/>
+            <a:ext cx="1233376" cy="393404"/>
+          </a:xfrm>
+          <a:prstGeom prst="rect">
+            <a:avLst/>
+          </a:prstGeom>
+        </p:spPr>
+        <p:style>
+          <a:lnRef idx="2">
+            <a:schemeClr val="accent5">
+              <a:shade val="50000"/>
+            </a:schemeClr>
+          </a:lnRef>
+          <a:fillRef idx="1">
+            <a:schemeClr val="accent5"/>
+          </a:fillRef>
+          <a:effectRef idx="0">
+            <a:schemeClr val="accent5"/>
+          </a:effectRef>
+          <a:fontRef idx="minor">
+            <a:schemeClr val="lt1"/>
+          </a:fontRef>
+        </p:style>
+        <p:txBody>
+          <a:bodyPr rtlCol="0" anchor="ctr"/>
+          <a:lstStyle/>
+          <a:p>
+            <a:pPr algn="ctr"/>
+            <a:r>
+              <a:rPr lang="ko-KR" altLang="en-US" dirty="0" smtClean="0">
+                <a:solidFill>
+                  <a:schemeClr val="tx1"/>
+                </a:solidFill>
+              </a:rPr>
+              <a:t>등록하기</a:t>
+            </a:r>
+            <a:endParaRPr lang="ko-KR" altLang="en-US" dirty="0">
+              <a:solidFill>
+                <a:schemeClr val="tx1"/>
+              </a:solidFill>
+            </a:endParaRPr>
+          </a:p>
+        </p:txBody>
+      </p:sp>
+      <p:sp>
+        <p:nvSpPr>
+          <p:cNvPr id="81" name="TextBox 80"/>
+          <p:cNvSpPr txBox="1"/>
+          <p:nvPr/>
+        </p:nvSpPr>
+        <p:spPr>
+          <a:xfrm>
+            <a:off x="2054895" y="5566989"/>
+            <a:ext cx="1392867" cy="307777"/>
+          </a:xfrm>
+          <a:prstGeom prst="rect">
+            <a:avLst/>
+          </a:prstGeom>
+          <a:noFill/>
+        </p:spPr>
+        <p:txBody>
+          <a:bodyPr wrap="square" rtlCol="0">
+            <a:spAutoFit/>
+          </a:bodyPr>
+          <a:lstStyle/>
+          <a:p>
+            <a:r>
+              <a:rPr lang="ko-KR" altLang="en-US" sz="1400" smtClean="0"/>
+              <a:t>최대 인원수</a:t>
+            </a:r>
+            <a:endParaRPr lang="ko-KR" altLang="en-US" sz="1400" dirty="0"/>
+          </a:p>
+        </p:txBody>
+      </p:sp>
+      <p:sp>
+        <p:nvSpPr>
+          <p:cNvPr id="82" name="직사각형 81"/>
+          <p:cNvSpPr/>
+          <p:nvPr/>
+        </p:nvSpPr>
+        <p:spPr>
+          <a:xfrm>
+            <a:off x="3378673" y="5584826"/>
+            <a:ext cx="530542" cy="307777"/>
+          </a:xfrm>
+          <a:prstGeom prst="rect">
+            <a:avLst/>
+          </a:prstGeom>
+          <a:noFill/>
+          <a:ln>
+            <a:solidFill>
+              <a:schemeClr val="tx1"/>
+            </a:solidFill>
+          </a:ln>
+        </p:spPr>
+        <p:style>
+          <a:lnRef idx="2">
+            <a:schemeClr val="accent1">
+              <a:shade val="50000"/>
+            </a:schemeClr>
+          </a:lnRef>
+          <a:fillRef idx="1">
+            <a:schemeClr val="accent1"/>
+          </a:fillRef>
+          <a:effectRef idx="0">
+            <a:schemeClr val="accent1"/>
+          </a:effectRef>
+          <a:fontRef idx="minor">
+            <a:schemeClr val="lt1"/>
+          </a:fontRef>
+        </p:style>
+        <p:txBody>
+          <a:bodyPr rtlCol="0" anchor="ctr"/>
+          <a:lstStyle/>
+          <a:p>
+            <a:pPr algn="ctr"/>
+            <a:endParaRPr lang="ko-KR" altLang="en-US"/>
+          </a:p>
+        </p:txBody>
+      </p:sp>
+      <p:sp>
+        <p:nvSpPr>
+          <p:cNvPr id="18" name="직사각형 17"/>
+          <p:cNvSpPr/>
+          <p:nvPr/>
+        </p:nvSpPr>
+        <p:spPr>
+          <a:xfrm>
+            <a:off x="2612408" y="1118214"/>
+            <a:ext cx="217967" cy="288185"/>
+          </a:xfrm>
+          <a:prstGeom prst="rect">
+            <a:avLst/>
+          </a:prstGeom>
+          <a:solidFill>
+            <a:srgbClr val="FF0000"/>
+          </a:solidFill>
+        </p:spPr>
+        <p:style>
+          <a:lnRef idx="2">
+            <a:schemeClr val="accent1">
+              <a:shade val="50000"/>
+            </a:schemeClr>
+          </a:lnRef>
+          <a:fillRef idx="1">
+            <a:schemeClr val="accent1"/>
+          </a:fillRef>
+          <a:effectRef idx="0">
+            <a:schemeClr val="accent1"/>
+          </a:effectRef>
+          <a:fontRef idx="minor">
+            <a:schemeClr val="lt1"/>
+          </a:fontRef>
+        </p:style>
+        <p:txBody>
+          <a:bodyPr rtlCol="0" anchor="ctr"/>
+          <a:lstStyle/>
+          <a:p>
+            <a:pPr algn="ctr"/>
+            <a:r>
+              <a:rPr lang="en-US" altLang="ko-KR" dirty="0" smtClean="0"/>
+              <a:t>1</a:t>
+            </a:r>
+            <a:endParaRPr lang="ko-KR" altLang="en-US" dirty="0"/>
+          </a:p>
+        </p:txBody>
+      </p:sp>
+      <p:sp>
+        <p:nvSpPr>
+          <p:cNvPr id="84" name="TextBox 83"/>
+          <p:cNvSpPr txBox="1"/>
+          <p:nvPr/>
+        </p:nvSpPr>
+        <p:spPr>
+          <a:xfrm>
+            <a:off x="3937725" y="5579366"/>
+            <a:ext cx="1156177" cy="307777"/>
+          </a:xfrm>
+          <a:prstGeom prst="rect">
+            <a:avLst/>
+          </a:prstGeom>
+          <a:noFill/>
+        </p:spPr>
+        <p:txBody>
+          <a:bodyPr wrap="square" rtlCol="0">
+            <a:spAutoFit/>
+          </a:bodyPr>
+          <a:lstStyle/>
+          <a:p>
+            <a:r>
+              <a:rPr lang="ko-KR" altLang="en-US" sz="1400" dirty="0" smtClean="0"/>
+              <a:t>참가비 설정</a:t>
+            </a:r>
+            <a:endParaRPr lang="ko-KR" altLang="en-US" sz="1400" dirty="0"/>
+          </a:p>
+        </p:txBody>
+      </p:sp>
+      <p:sp>
+        <p:nvSpPr>
+          <p:cNvPr id="85" name="직사각형 84"/>
+          <p:cNvSpPr/>
+          <p:nvPr/>
+        </p:nvSpPr>
+        <p:spPr>
+          <a:xfrm>
+            <a:off x="5215837" y="5578530"/>
+            <a:ext cx="1677318" cy="307777"/>
+          </a:xfrm>
+          <a:prstGeom prst="rect">
+            <a:avLst/>
+          </a:prstGeom>
+          <a:noFill/>
+          <a:ln>
+            <a:solidFill>
+              <a:schemeClr val="tx1"/>
+            </a:solidFill>
+          </a:ln>
+        </p:spPr>
+        <p:style>
+          <a:lnRef idx="2">
+            <a:schemeClr val="accent1">
+              <a:shade val="50000"/>
+            </a:schemeClr>
+          </a:lnRef>
+          <a:fillRef idx="1">
+            <a:schemeClr val="accent1"/>
+          </a:fillRef>
+          <a:effectRef idx="0">
+            <a:schemeClr val="accent1"/>
+          </a:effectRef>
+          <a:fontRef idx="minor">
+            <a:schemeClr val="lt1"/>
+          </a:fontRef>
+        </p:style>
+        <p:txBody>
+          <a:bodyPr rtlCol="0" anchor="ctr"/>
+          <a:lstStyle/>
+          <a:p>
+            <a:pPr algn="ctr"/>
+            <a:endParaRPr lang="ko-KR" altLang="en-US"/>
+          </a:p>
+        </p:txBody>
+      </p:sp>
+      <p:graphicFrame>
+        <p:nvGraphicFramePr>
+          <p:cNvPr id="54" name="Google Shape;96;g7c553259d1_0_3"/>
+          <p:cNvGraphicFramePr/>
+          <p:nvPr>
+            <p:extLst>
+              <p:ext uri="{D42A27DB-BD31-4B8C-83A1-F6EECF244321}">
+                <p14:modId xmlns:p14="http://schemas.microsoft.com/office/powerpoint/2010/main" val="714095007"/>
+              </p:ext>
+            </p:extLst>
+          </p:nvPr>
+        </p:nvGraphicFramePr>
+        <p:xfrm>
+          <a:off x="8843382" y="836712"/>
+          <a:ext cx="2952330" cy="2906958"/>
+        </p:xfrm>
+        <a:graphic>
+          <a:graphicData uri="http://schemas.openxmlformats.org/drawingml/2006/table">
+            <a:tbl>
+              <a:tblPr firstRow="1" bandRow="1">
+                <a:noFill/>
+              </a:tblPr>
+              <a:tblGrid>
+                <a:gridCol w="289755">
+                  <a:extLst>
+                    <a:ext uri="{9D8B030D-6E8A-4147-A177-3AD203B41FA5}">
+                      <a16:colId xmlns:a16="http://schemas.microsoft.com/office/drawing/2014/main" xmlns="" val="20000"/>
+                    </a:ext>
+                  </a:extLst>
+                </a:gridCol>
+                <a:gridCol w="2662575">
+                  <a:extLst>
+                    <a:ext uri="{9D8B030D-6E8A-4147-A177-3AD203B41FA5}">
+                      <a16:colId xmlns:a16="http://schemas.microsoft.com/office/drawing/2014/main" xmlns="" val="20001"/>
+                    </a:ext>
+                  </a:extLst>
+                </a:gridCol>
+              </a:tblGrid>
+              <a:tr h="286673">
+                <a:tc>
+                  <a:txBody>
+                    <a:bodyPr/>
+                    <a:lstStyle/>
+                    <a:p>
+                      <a:pPr marL="0" marR="0" lvl="0" indent="0" algn="ctr" rtl="0">
+                        <a:lnSpc>
+                          <a:spcPct val="100000"/>
+                        </a:lnSpc>
+                        <a:spcBef>
+                          <a:spcPts val="0"/>
+                        </a:spcBef>
+                        <a:spcAft>
+                          <a:spcPts val="0"/>
+                        </a:spcAft>
+                        <a:buClr>
+                          <a:srgbClr val="000000"/>
+                        </a:buClr>
+                        <a:buSzPts val="1500"/>
+                        <a:buFont typeface="Arial"/>
+                        <a:buNone/>
+                      </a:pPr>
+                      <a:r>
+                        <a:rPr lang="ko-KR" sz="1500" u="none" strike="noStrike" cap="none" dirty="0">
+                          <a:solidFill>
+                            <a:schemeClr val="dk1"/>
+                          </a:solidFill>
+                        </a:rPr>
+                        <a:t>#</a:t>
+                      </a:r>
+                      <a:endParaRPr sz="1500" u="none" strike="noStrike" cap="none" dirty="0">
+                        <a:solidFill>
+                          <a:schemeClr val="dk1"/>
+                        </a:solidFill>
+                      </a:endParaRPr>
+                    </a:p>
+                  </a:txBody>
+                  <a:tcPr marL="91451" marR="91451" marT="45725" marB="45725" anchor="ctr">
+                    <a:lnL w="12700" cap="flat" cmpd="sng">
+                      <a:solidFill>
+                        <a:schemeClr val="dk1"/>
+                      </a:solidFill>
+                      <a:prstDash val="solid"/>
+                      <a:round/>
+                      <a:headEnd type="none" w="sm" len="sm"/>
+                      <a:tailEnd type="none" w="sm" len="sm"/>
+                    </a:lnL>
+                    <a:lnR w="12700" cap="flat" cmpd="sng">
+                      <a:solidFill>
+                        <a:schemeClr val="dk1"/>
+                      </a:solidFill>
+                      <a:prstDash val="solid"/>
+                      <a:round/>
+                      <a:headEnd type="none" w="sm" len="sm"/>
+                      <a:tailEnd type="none" w="sm" len="sm"/>
+                    </a:lnR>
+                    <a:lnT w="12700" cap="flat" cmpd="sng">
+                      <a:solidFill>
+                        <a:schemeClr val="dk1"/>
+                      </a:solidFill>
+                      <a:prstDash val="solid"/>
+                      <a:round/>
+                      <a:headEnd type="none" w="sm" len="sm"/>
+                      <a:tailEnd type="none" w="sm" len="sm"/>
+                    </a:lnT>
+                    <a:lnB w="12700" cap="flat" cmpd="sng">
+                      <a:solidFill>
+                        <a:schemeClr val="dk1"/>
+                      </a:solidFill>
+                      <a:prstDash val="solid"/>
+                      <a:round/>
+                      <a:headEnd type="none" w="sm" len="sm"/>
+                      <a:tailEnd type="none" w="sm" len="sm"/>
+                    </a:lnB>
+                    <a:solidFill>
+                      <a:srgbClr val="D8D8D8"/>
+                    </a:solidFill>
+                  </a:tcPr>
+                </a:tc>
+                <a:tc>
+                  <a:txBody>
+                    <a:bodyPr/>
+                    <a:lstStyle/>
+                    <a:p>
+                      <a:pPr marL="0" marR="0" lvl="0" indent="0" algn="ctr" rtl="0">
+                        <a:lnSpc>
+                          <a:spcPct val="100000"/>
+                        </a:lnSpc>
+                        <a:spcBef>
+                          <a:spcPts val="0"/>
+                        </a:spcBef>
+                        <a:spcAft>
+                          <a:spcPts val="0"/>
+                        </a:spcAft>
+                        <a:buClr>
+                          <a:srgbClr val="000000"/>
+                        </a:buClr>
+                        <a:buSzPts val="1500"/>
+                        <a:buFont typeface="Arial"/>
+                        <a:buNone/>
+                      </a:pPr>
+                      <a:r>
+                        <a:rPr lang="ko-KR" sz="1500" u="none" strike="noStrike" cap="none" dirty="0" err="1">
+                          <a:solidFill>
+                            <a:schemeClr val="dk1"/>
+                          </a:solidFill>
+                        </a:rPr>
+                        <a:t>기능명</a:t>
+                      </a:r>
+                      <a:endParaRPr sz="1500" u="none" strike="noStrike" cap="none" dirty="0">
+                        <a:solidFill>
+                          <a:schemeClr val="dk1"/>
+                        </a:solidFill>
+                      </a:endParaRPr>
+                    </a:p>
+                  </a:txBody>
+                  <a:tcPr marL="91451" marR="91451" marT="45725" marB="45725" anchor="ctr">
+                    <a:lnL w="12700" cap="flat" cmpd="sng">
+                      <a:solidFill>
+                        <a:schemeClr val="dk1"/>
+                      </a:solidFill>
+                      <a:prstDash val="solid"/>
+                      <a:round/>
+                      <a:headEnd type="none" w="sm" len="sm"/>
+                      <a:tailEnd type="none" w="sm" len="sm"/>
+                    </a:lnL>
+                    <a:lnR w="12700" cap="flat" cmpd="sng">
+                      <a:solidFill>
+                        <a:schemeClr val="dk1"/>
+                      </a:solidFill>
+                      <a:prstDash val="solid"/>
+                      <a:round/>
+                      <a:headEnd type="none" w="sm" len="sm"/>
+                      <a:tailEnd type="none" w="sm" len="sm"/>
+                    </a:lnR>
+                    <a:lnT w="12700" cap="flat" cmpd="sng">
+                      <a:solidFill>
+                        <a:schemeClr val="dk1"/>
+                      </a:solidFill>
+                      <a:prstDash val="solid"/>
+                      <a:round/>
+                      <a:headEnd type="none" w="sm" len="sm"/>
+                      <a:tailEnd type="none" w="sm" len="sm"/>
+                    </a:lnT>
+                    <a:lnB w="12700" cap="flat" cmpd="sng">
+                      <a:solidFill>
+                        <a:schemeClr val="dk1"/>
+                      </a:solidFill>
+                      <a:prstDash val="solid"/>
+                      <a:round/>
+                      <a:headEnd type="none" w="sm" len="sm"/>
+                      <a:tailEnd type="none" w="sm" len="sm"/>
+                    </a:lnB>
+                    <a:solidFill>
+                      <a:srgbClr val="D8D8D8"/>
+                    </a:solidFill>
+                  </a:tcPr>
+                </a:tc>
+                <a:extLst>
+                  <a:ext uri="{0D108BD9-81ED-4DB2-BD59-A6C34878D82A}">
+                    <a16:rowId xmlns:a16="http://schemas.microsoft.com/office/drawing/2014/main" xmlns="" val="10000"/>
+                  </a:ext>
+                </a:extLst>
+              </a:tr>
+              <a:tr h="328022">
+                <a:tc>
+                  <a:txBody>
+                    <a:bodyPr/>
+                    <a:lstStyle/>
+                    <a:p>
+                      <a:pPr marL="0" marR="0" lvl="0" indent="0" algn="ctr" rtl="0">
+                        <a:lnSpc>
+                          <a:spcPct val="100000"/>
+                        </a:lnSpc>
+                        <a:spcBef>
+                          <a:spcPts val="0"/>
+                        </a:spcBef>
+                        <a:spcAft>
+                          <a:spcPts val="0"/>
+                        </a:spcAft>
+                        <a:buClr>
+                          <a:srgbClr val="000000"/>
+                        </a:buClr>
+                        <a:buSzPts val="1500"/>
+                        <a:buFont typeface="Arial"/>
+                        <a:buNone/>
+                      </a:pPr>
+                      <a:r>
+                        <a:rPr lang="ko-KR" sz="1500" u="none" strike="noStrike" cap="none" dirty="0">
+                          <a:solidFill>
+                            <a:schemeClr val="dk1"/>
+                          </a:solidFill>
+                        </a:rPr>
+                        <a:t>1</a:t>
+                      </a:r>
+                      <a:endParaRPr sz="1500" u="none" strike="noStrike" cap="none" dirty="0">
+                        <a:solidFill>
+                          <a:schemeClr val="dk1"/>
+                        </a:solidFill>
+                      </a:endParaRPr>
+                    </a:p>
+                  </a:txBody>
+                  <a:tcPr marL="91451" marR="91451" marT="45725" marB="45725" anchor="ctr">
+                    <a:lnL w="12700" cap="flat" cmpd="sng">
+                      <a:solidFill>
+                        <a:schemeClr val="dk1"/>
+                      </a:solidFill>
+                      <a:prstDash val="solid"/>
+                      <a:round/>
+                      <a:headEnd type="none" w="sm" len="sm"/>
+                      <a:tailEnd type="none" w="sm" len="sm"/>
+                    </a:lnL>
+                    <a:lnR w="12700" cap="flat" cmpd="sng">
+                      <a:solidFill>
+                        <a:schemeClr val="dk1"/>
+                      </a:solidFill>
+                      <a:prstDash val="solid"/>
+                      <a:round/>
+                      <a:headEnd type="none" w="sm" len="sm"/>
+                      <a:tailEnd type="none" w="sm" len="sm"/>
+                    </a:lnR>
+                    <a:lnT w="12700" cap="flat" cmpd="sng">
+                      <a:solidFill>
+                        <a:schemeClr val="dk1"/>
+                      </a:solidFill>
+                      <a:prstDash val="solid"/>
+                      <a:round/>
+                      <a:headEnd type="none" w="sm" len="sm"/>
+                      <a:tailEnd type="none" w="sm" len="sm"/>
+                    </a:lnT>
+                    <a:lnB w="12700" cap="flat" cmpd="sng">
+                      <a:solidFill>
+                        <a:schemeClr val="dk1"/>
+                      </a:solidFill>
+                      <a:prstDash val="solid"/>
+                      <a:round/>
+                      <a:headEnd type="none" w="sm" len="sm"/>
+                      <a:tailEnd type="none" w="sm" len="sm"/>
+                    </a:lnB>
+                    <a:solidFill>
+                      <a:schemeClr val="lt1"/>
+                    </a:solidFill>
+                  </a:tcPr>
+                </a:tc>
+                <a:tc>
+                  <a:txBody>
+                    <a:bodyPr/>
+                    <a:lstStyle/>
+                    <a:p>
+                      <a:pPr marL="133350" marR="0" lvl="0" indent="0" algn="l" rtl="0">
+                        <a:lnSpc>
+                          <a:spcPct val="100000"/>
+                        </a:lnSpc>
+                        <a:spcBef>
+                          <a:spcPts val="0"/>
+                        </a:spcBef>
+                        <a:spcAft>
+                          <a:spcPts val="0"/>
+                        </a:spcAft>
+                        <a:buClr>
+                          <a:srgbClr val="000000"/>
+                        </a:buClr>
+                        <a:buSzPts val="1500"/>
+                        <a:buFont typeface="Arial"/>
+                        <a:buNone/>
+                        <a:tabLst/>
+                      </a:pPr>
+                      <a:r>
+                        <a:rPr lang="ko-KR" altLang="en-US" sz="1300" b="0" u="none" strike="noStrike" cap="none" dirty="0" smtClean="0"/>
+                        <a:t>세미나를 등록하기 위한 정보를 입력하는 페이지로 먼저 공간을 선택하여 공간에 대한 시간정보를 불러온다</a:t>
+                      </a:r>
+                      <a:r>
+                        <a:rPr lang="en-US" altLang="ko-KR" sz="1300" b="0" u="none" strike="noStrike" cap="none" dirty="0" smtClean="0"/>
+                        <a:t>.</a:t>
+                      </a:r>
+                      <a:endParaRPr lang="en-US" altLang="ko-KR" sz="1300" b="0" u="none" strike="noStrike" cap="none" dirty="0" smtClean="0"/>
+                    </a:p>
+                  </a:txBody>
+                  <a:tcPr marL="91451" marR="91451" marT="45725" marB="45725">
+                    <a:lnL w="12700" cap="flat" cmpd="sng">
+                      <a:solidFill>
+                        <a:schemeClr val="dk1"/>
+                      </a:solidFill>
+                      <a:prstDash val="solid"/>
+                      <a:round/>
+                      <a:headEnd type="none" w="sm" len="sm"/>
+                      <a:tailEnd type="none" w="sm" len="sm"/>
+                    </a:lnL>
+                    <a:lnR w="12700" cap="flat" cmpd="sng">
+                      <a:solidFill>
+                        <a:schemeClr val="dk1"/>
+                      </a:solidFill>
+                      <a:prstDash val="solid"/>
+                      <a:round/>
+                      <a:headEnd type="none" w="sm" len="sm"/>
+                      <a:tailEnd type="none" w="sm" len="sm"/>
+                    </a:lnR>
+                    <a:lnT w="12700" cap="flat" cmpd="sng">
+                      <a:solidFill>
+                        <a:schemeClr val="dk1"/>
+                      </a:solidFill>
+                      <a:prstDash val="solid"/>
+                      <a:round/>
+                      <a:headEnd type="none" w="sm" len="sm"/>
+                      <a:tailEnd type="none" w="sm" len="sm"/>
+                    </a:lnT>
+                    <a:lnB w="12700" cap="flat" cmpd="sng">
+                      <a:solidFill>
+                        <a:schemeClr val="dk1"/>
+                      </a:solidFill>
+                      <a:prstDash val="solid"/>
+                      <a:round/>
+                      <a:headEnd type="none" w="sm" len="sm"/>
+                      <a:tailEnd type="none" w="sm" len="sm"/>
+                    </a:lnB>
+                    <a:solidFill>
+                      <a:schemeClr val="lt1"/>
+                    </a:solidFill>
+                  </a:tcPr>
+                </a:tc>
+                <a:extLst>
+                  <a:ext uri="{0D108BD9-81ED-4DB2-BD59-A6C34878D82A}">
+                    <a16:rowId xmlns:a16="http://schemas.microsoft.com/office/drawing/2014/main" xmlns="" val="10001"/>
+                  </a:ext>
+                </a:extLst>
+              </a:tr>
+              <a:tr h="819048">
+                <a:tc>
+                  <a:txBody>
+                    <a:bodyPr/>
+                    <a:lstStyle/>
+                    <a:p>
+                      <a:pPr marL="0" marR="0" lvl="0" indent="0" algn="ctr" rtl="0">
+                        <a:lnSpc>
+                          <a:spcPct val="100000"/>
+                        </a:lnSpc>
+                        <a:spcBef>
+                          <a:spcPts val="0"/>
+                        </a:spcBef>
+                        <a:spcAft>
+                          <a:spcPts val="0"/>
+                        </a:spcAft>
+                        <a:buClr>
+                          <a:srgbClr val="000000"/>
+                        </a:buClr>
+                        <a:buSzPts val="1500"/>
+                        <a:buFont typeface="Arial"/>
+                        <a:buNone/>
+                      </a:pPr>
+                      <a:r>
+                        <a:rPr lang="ko-KR" sz="1500" u="none" strike="noStrike" cap="none" dirty="0">
+                          <a:solidFill>
+                            <a:schemeClr val="dk1"/>
+                          </a:solidFill>
+                        </a:rPr>
+                        <a:t>2</a:t>
+                      </a:r>
+                      <a:endParaRPr sz="1500" u="none" strike="noStrike" cap="none" dirty="0">
+                        <a:solidFill>
+                          <a:schemeClr val="dk1"/>
+                        </a:solidFill>
+                      </a:endParaRPr>
+                    </a:p>
+                  </a:txBody>
+                  <a:tcPr marL="91451" marR="91451" marT="45725" marB="45725" anchor="ctr">
+                    <a:lnL w="12700" cap="flat" cmpd="sng">
+                      <a:solidFill>
+                        <a:schemeClr val="dk1"/>
+                      </a:solidFill>
+                      <a:prstDash val="solid"/>
+                      <a:round/>
+                      <a:headEnd type="none" w="sm" len="sm"/>
+                      <a:tailEnd type="none" w="sm" len="sm"/>
+                    </a:lnL>
+                    <a:lnR w="12700" cap="flat" cmpd="sng">
+                      <a:solidFill>
+                        <a:schemeClr val="dk1"/>
+                      </a:solidFill>
+                      <a:prstDash val="solid"/>
+                      <a:round/>
+                      <a:headEnd type="none" w="sm" len="sm"/>
+                      <a:tailEnd type="none" w="sm" len="sm"/>
+                    </a:lnR>
+                    <a:lnT w="12700" cap="flat" cmpd="sng">
+                      <a:solidFill>
+                        <a:schemeClr val="dk1"/>
+                      </a:solidFill>
+                      <a:prstDash val="solid"/>
+                      <a:round/>
+                      <a:headEnd type="none" w="sm" len="sm"/>
+                      <a:tailEnd type="none" w="sm" len="sm"/>
+                    </a:lnT>
+                    <a:lnB w="12700" cap="flat" cmpd="sng" algn="ctr">
+                      <a:solidFill>
+                        <a:schemeClr val="dk1"/>
+                      </a:solidFill>
+                      <a:prstDash val="solid"/>
+                      <a:round/>
+                      <a:headEnd type="none" w="sm" len="sm"/>
+                      <a:tailEnd type="none" w="sm" len="sm"/>
+                    </a:lnB>
+                    <a:solidFill>
+                      <a:schemeClr val="lt1"/>
+                    </a:solidFill>
+                  </a:tcPr>
+                </a:tc>
+                <a:tc>
+                  <a:txBody>
+                    <a:bodyPr/>
+                    <a:lstStyle/>
+                    <a:p>
+                      <a:pPr marL="133350" marR="0" lvl="0" indent="0" algn="l" rtl="0">
+                        <a:lnSpc>
+                          <a:spcPct val="100000"/>
+                        </a:lnSpc>
+                        <a:spcBef>
+                          <a:spcPts val="0"/>
+                        </a:spcBef>
+                        <a:spcAft>
+                          <a:spcPts val="0"/>
+                        </a:spcAft>
+                        <a:buClr>
+                          <a:srgbClr val="000000"/>
+                        </a:buClr>
+                        <a:buSzPts val="1500"/>
+                        <a:buFont typeface="Arial"/>
+                        <a:buNone/>
+                      </a:pPr>
+                      <a:r>
+                        <a:rPr lang="ko-KR" altLang="en-US" sz="1300" b="0" u="none" strike="noStrike" cap="none" dirty="0" smtClean="0"/>
+                        <a:t>시간은 최소 </a:t>
+                      </a:r>
+                      <a:r>
+                        <a:rPr lang="en-US" altLang="ko-KR" sz="1300" b="0" u="none" strike="noStrike" cap="none" dirty="0" smtClean="0"/>
+                        <a:t>2</a:t>
+                      </a:r>
+                      <a:r>
+                        <a:rPr lang="ko-KR" altLang="en-US" sz="1300" b="0" u="none" strike="noStrike" cap="none" dirty="0" smtClean="0"/>
+                        <a:t>시간으로 </a:t>
+                      </a:r>
+                      <a:r>
+                        <a:rPr lang="en-US" altLang="ko-KR" sz="1300" b="0" u="none" strike="noStrike" cap="none" dirty="0" smtClean="0"/>
+                        <a:t>1</a:t>
+                      </a:r>
+                      <a:r>
+                        <a:rPr lang="ko-KR" altLang="en-US" sz="1300" b="0" u="none" strike="noStrike" cap="none" dirty="0" smtClean="0"/>
+                        <a:t>시간 단위로 선택한다</a:t>
+                      </a:r>
+                      <a:r>
+                        <a:rPr lang="en-US" altLang="ko-KR" sz="1300" b="0" u="none" strike="noStrike" cap="none" dirty="0" smtClean="0"/>
+                        <a:t>.</a:t>
+                      </a:r>
+                    </a:p>
+                    <a:p>
+                      <a:pPr marL="133350" marR="0" lvl="0" indent="0" algn="l" rtl="0">
+                        <a:lnSpc>
+                          <a:spcPct val="100000"/>
+                        </a:lnSpc>
+                        <a:spcBef>
+                          <a:spcPts val="0"/>
+                        </a:spcBef>
+                        <a:spcAft>
+                          <a:spcPts val="0"/>
+                        </a:spcAft>
+                        <a:buClr>
+                          <a:srgbClr val="000000"/>
+                        </a:buClr>
+                        <a:buSzPts val="1500"/>
+                        <a:buFont typeface="Arial"/>
+                        <a:buNone/>
+                      </a:pPr>
+                      <a:r>
+                        <a:rPr lang="ko-KR" altLang="en-US" sz="1300" b="0" u="none" strike="noStrike" cap="none" dirty="0" smtClean="0"/>
+                        <a:t>가능시간범위</a:t>
+                      </a:r>
+                      <a:r>
+                        <a:rPr lang="en-US" altLang="ko-KR" sz="1300" b="0" u="none" strike="noStrike" cap="none" dirty="0" smtClean="0"/>
+                        <a:t>(09~22</a:t>
+                      </a:r>
+                      <a:r>
+                        <a:rPr lang="ko-KR" altLang="en-US" sz="1300" b="0" u="none" strike="noStrike" cap="none" dirty="0" smtClean="0"/>
+                        <a:t>시</a:t>
+                      </a:r>
+                      <a:r>
+                        <a:rPr lang="en-US" altLang="ko-KR" sz="1300" b="0" u="none" strike="noStrike" cap="none" dirty="0" smtClean="0"/>
+                        <a:t>)</a:t>
+                      </a:r>
+                      <a:endParaRPr lang="en-US" altLang="ko-KR" sz="1300" b="0" u="none" strike="noStrike" cap="none" dirty="0"/>
+                    </a:p>
+                  </a:txBody>
+                  <a:tcPr marL="91451" marR="91451" marT="45725" marB="45725">
+                    <a:lnL w="12700" cap="flat" cmpd="sng">
+                      <a:solidFill>
+                        <a:schemeClr val="dk1"/>
+                      </a:solidFill>
+                      <a:prstDash val="solid"/>
+                      <a:round/>
+                      <a:headEnd type="none" w="sm" len="sm"/>
+                      <a:tailEnd type="none" w="sm" len="sm"/>
+                    </a:lnL>
+                    <a:lnR w="12700" cap="flat" cmpd="sng">
+                      <a:solidFill>
+                        <a:schemeClr val="dk1"/>
+                      </a:solidFill>
+                      <a:prstDash val="solid"/>
+                      <a:round/>
+                      <a:headEnd type="none" w="sm" len="sm"/>
+                      <a:tailEnd type="none" w="sm" len="sm"/>
+                    </a:lnR>
+                    <a:lnT w="12700" cap="flat" cmpd="sng">
+                      <a:solidFill>
+                        <a:schemeClr val="dk1"/>
+                      </a:solidFill>
+                      <a:prstDash val="solid"/>
+                      <a:round/>
+                      <a:headEnd type="none" w="sm" len="sm"/>
+                      <a:tailEnd type="none" w="sm" len="sm"/>
+                    </a:lnT>
+                    <a:lnB w="12700" cap="flat" cmpd="sng" algn="ctr">
+                      <a:solidFill>
+                        <a:schemeClr val="dk1"/>
+                      </a:solidFill>
+                      <a:prstDash val="solid"/>
+                      <a:round/>
+                      <a:headEnd type="none" w="sm" len="sm"/>
+                      <a:tailEnd type="none" w="sm" len="sm"/>
+                    </a:lnB>
+                    <a:solidFill>
+                      <a:schemeClr val="lt1"/>
+                    </a:solidFill>
+                  </a:tcPr>
+                </a:tc>
+                <a:extLst>
+                  <a:ext uri="{0D108BD9-81ED-4DB2-BD59-A6C34878D82A}">
+                    <a16:rowId xmlns:a16="http://schemas.microsoft.com/office/drawing/2014/main" xmlns="" val="10002"/>
+                  </a:ext>
+                </a:extLst>
+              </a:tr>
+              <a:tr h="819048">
+                <a:tc>
+                  <a:txBody>
+                    <a:bodyPr/>
+                    <a:lstStyle/>
+                    <a:p>
+                      <a:pPr marL="0" marR="0" lvl="0" indent="0" algn="ctr" rtl="0">
+                        <a:lnSpc>
+                          <a:spcPct val="100000"/>
+                        </a:lnSpc>
+                        <a:spcBef>
+                          <a:spcPts val="0"/>
+                        </a:spcBef>
+                        <a:spcAft>
+                          <a:spcPts val="0"/>
+                        </a:spcAft>
+                        <a:buClr>
+                          <a:srgbClr val="000000"/>
+                        </a:buClr>
+                        <a:buSzPts val="1500"/>
+                        <a:buFont typeface="Arial"/>
+                        <a:buNone/>
+                      </a:pPr>
+                      <a:r>
+                        <a:rPr lang="en-US" sz="1500" u="none" strike="noStrike" cap="none" dirty="0" smtClean="0">
+                          <a:solidFill>
+                            <a:schemeClr val="dk1"/>
+                          </a:solidFill>
+                        </a:rPr>
+                        <a:t>3</a:t>
+                      </a:r>
+                      <a:endParaRPr sz="1500" u="none" strike="noStrike" cap="none" dirty="0">
+                        <a:solidFill>
+                          <a:schemeClr val="dk1"/>
+                        </a:solidFill>
+                      </a:endParaRPr>
+                    </a:p>
+                  </a:txBody>
+                  <a:tcPr marL="91451" marR="91451" marT="45725" marB="45725" anchor="ctr">
+                    <a:lnL w="12700" cap="flat" cmpd="sng">
+                      <a:solidFill>
+                        <a:schemeClr val="dk1"/>
+                      </a:solidFill>
+                      <a:prstDash val="solid"/>
+                      <a:round/>
+                      <a:headEnd type="none" w="sm" len="sm"/>
+                      <a:tailEnd type="none" w="sm" len="sm"/>
+                    </a:lnL>
+                    <a:lnR w="12700" cap="flat" cmpd="sng" algn="ctr">
+                      <a:solidFill>
+                        <a:schemeClr val="dk1"/>
+                      </a:solidFill>
+                      <a:prstDash val="solid"/>
+                      <a:round/>
+                      <a:headEnd type="none" w="sm" len="sm"/>
+                      <a:tailEnd type="none" w="sm" len="sm"/>
+                    </a:lnR>
+                    <a:lnT w="12700" cap="flat" cmpd="sng">
+                      <a:solidFill>
+                        <a:schemeClr val="dk1"/>
+                      </a:solidFill>
+                      <a:prstDash val="solid"/>
+                      <a:round/>
+                      <a:headEnd type="none" w="sm" len="sm"/>
+                      <a:tailEnd type="none" w="sm" len="sm"/>
+                    </a:lnT>
+                    <a:lnB w="12700" cap="flat" cmpd="sng">
+                      <a:solidFill>
+                        <a:schemeClr val="dk1"/>
+                      </a:solidFill>
+                      <a:prstDash val="solid"/>
+                      <a:round/>
+                      <a:headEnd type="none" w="sm" len="sm"/>
+                      <a:tailEnd type="none" w="sm" len="sm"/>
+                    </a:lnB>
+                    <a:solidFill>
+                      <a:schemeClr val="lt1"/>
+                    </a:solidFill>
+                  </a:tcPr>
+                </a:tc>
+                <a:tc>
+                  <a:txBody>
+                    <a:bodyPr/>
+                    <a:lstStyle/>
+                    <a:p>
+                      <a:pPr marL="133350" marR="0" lvl="0" indent="0" algn="l" rtl="0">
+                        <a:lnSpc>
+                          <a:spcPct val="100000"/>
+                        </a:lnSpc>
+                        <a:spcBef>
+                          <a:spcPts val="0"/>
+                        </a:spcBef>
+                        <a:spcAft>
+                          <a:spcPts val="0"/>
+                        </a:spcAft>
+                        <a:buClr>
+                          <a:srgbClr val="000000"/>
+                        </a:buClr>
+                        <a:buSzPts val="1500"/>
+                        <a:buFont typeface="Arial"/>
+                        <a:buNone/>
+                      </a:pPr>
+                      <a:r>
+                        <a:rPr lang="ko-KR" altLang="en-US" sz="1300" b="0" u="none" strike="noStrike" cap="none" dirty="0" smtClean="0"/>
+                        <a:t>등록하기 버튼을 눌러서 등록 확인 페이지로 이동하고</a:t>
+                      </a:r>
+                      <a:r>
+                        <a:rPr lang="en-US" altLang="ko-KR" sz="1300" b="0" u="none" strike="noStrike" cap="none" dirty="0" smtClean="0"/>
+                        <a:t>, </a:t>
+                      </a:r>
+                      <a:r>
+                        <a:rPr lang="ko-KR" altLang="en-US" sz="1300" b="0" u="none" strike="noStrike" cap="none" dirty="0" smtClean="0"/>
+                        <a:t>해당 페이지에서 예약 완료를 위한 계좌 번호를 발급받는다</a:t>
+                      </a:r>
+                      <a:r>
+                        <a:rPr lang="en-US" altLang="ko-KR" sz="1300" b="0" u="none" strike="noStrike" cap="none" dirty="0" smtClean="0"/>
+                        <a:t>.</a:t>
+                      </a:r>
+                      <a:endParaRPr lang="en-US" altLang="ko-KR" sz="1300" b="0" u="none" strike="noStrike" cap="none" dirty="0"/>
+                    </a:p>
+                  </a:txBody>
+                  <a:tcPr marL="91451" marR="91451" marT="45725" marB="45725">
+                    <a:lnL w="12700" cap="flat" cmpd="sng" algn="ctr">
+                      <a:solidFill>
+                        <a:schemeClr val="dk1"/>
+                      </a:solidFill>
+                      <a:prstDash val="solid"/>
+                      <a:round/>
+                      <a:headEnd type="none" w="sm" len="sm"/>
+                      <a:tailEnd type="none" w="sm" len="sm"/>
+                    </a:lnL>
+                    <a:lnR w="12700" cap="flat" cmpd="sng">
+                      <a:solidFill>
+                        <a:schemeClr val="dk1"/>
+                      </a:solidFill>
+                      <a:prstDash val="solid"/>
+                      <a:round/>
+                      <a:headEnd type="none" w="sm" len="sm"/>
+                      <a:tailEnd type="none" w="sm" len="sm"/>
+                    </a:lnR>
+                    <a:lnT w="12700" cap="flat" cmpd="sng">
+                      <a:solidFill>
+                        <a:schemeClr val="dk1"/>
+                      </a:solidFill>
+                      <a:prstDash val="solid"/>
+                      <a:round/>
+                      <a:headEnd type="none" w="sm" len="sm"/>
+                      <a:tailEnd type="none" w="sm" len="sm"/>
+                    </a:lnT>
+                    <a:lnB w="12700" cap="flat" cmpd="sng">
+                      <a:solidFill>
+                        <a:schemeClr val="dk1"/>
+                      </a:solidFill>
+                      <a:prstDash val="solid"/>
+                      <a:round/>
+                      <a:headEnd type="none" w="sm" len="sm"/>
+                      <a:tailEnd type="none" w="sm" len="sm"/>
+                    </a:lnB>
+                    <a:solidFill>
+                      <a:schemeClr val="lt1"/>
+                    </a:solidFill>
+                  </a:tcPr>
+                </a:tc>
+              </a:tr>
+            </a:tbl>
+          </a:graphicData>
+        </a:graphic>
+      </p:graphicFrame>
+      <p:sp>
+        <p:nvSpPr>
+          <p:cNvPr id="55" name="직사각형 54"/>
+          <p:cNvSpPr/>
+          <p:nvPr/>
+        </p:nvSpPr>
+        <p:spPr>
+          <a:xfrm>
+            <a:off x="1608345" y="2680808"/>
+            <a:ext cx="217967" cy="288185"/>
+          </a:xfrm>
+          <a:prstGeom prst="rect">
+            <a:avLst/>
+          </a:prstGeom>
+          <a:solidFill>
+            <a:srgbClr val="FF0000"/>
+          </a:solidFill>
+        </p:spPr>
+        <p:style>
+          <a:lnRef idx="2">
+            <a:schemeClr val="accent1">
+              <a:shade val="50000"/>
+            </a:schemeClr>
+          </a:lnRef>
+          <a:fillRef idx="1">
+            <a:schemeClr val="accent1"/>
+          </a:fillRef>
+          <a:effectRef idx="0">
+            <a:schemeClr val="accent1"/>
+          </a:effectRef>
+          <a:fontRef idx="minor">
+            <a:schemeClr val="lt1"/>
+          </a:fontRef>
+        </p:style>
+        <p:txBody>
+          <a:bodyPr rtlCol="0" anchor="ctr"/>
+          <a:lstStyle/>
+          <a:p>
+            <a:pPr algn="ctr"/>
+            <a:r>
+              <a:rPr lang="en-US" altLang="ko-KR" dirty="0"/>
+              <a:t>2</a:t>
+            </a:r>
+            <a:endParaRPr lang="ko-KR" altLang="en-US" dirty="0"/>
+          </a:p>
+        </p:txBody>
+      </p:sp>
+      <p:sp>
+        <p:nvSpPr>
+          <p:cNvPr id="56" name="직사각형 55"/>
+          <p:cNvSpPr/>
+          <p:nvPr/>
+        </p:nvSpPr>
+        <p:spPr>
+          <a:xfrm>
+            <a:off x="3752806" y="6117152"/>
+            <a:ext cx="217967" cy="288185"/>
+          </a:xfrm>
+          <a:prstGeom prst="rect">
+            <a:avLst/>
+          </a:prstGeom>
+          <a:solidFill>
+            <a:srgbClr val="FF0000"/>
+          </a:solidFill>
+        </p:spPr>
+        <p:style>
+          <a:lnRef idx="2">
+            <a:schemeClr val="accent1">
+              <a:shade val="50000"/>
+            </a:schemeClr>
+          </a:lnRef>
+          <a:fillRef idx="1">
+            <a:schemeClr val="accent1"/>
+          </a:fillRef>
+          <a:effectRef idx="0">
+            <a:schemeClr val="accent1"/>
+          </a:effectRef>
+          <a:fontRef idx="minor">
+            <a:schemeClr val="lt1"/>
+          </a:fontRef>
+        </p:style>
+        <p:txBody>
+          <a:bodyPr rtlCol="0" anchor="ctr"/>
+          <a:lstStyle/>
+          <a:p>
+            <a:pPr algn="ctr"/>
+            <a:r>
+              <a:rPr lang="en-US" altLang="ko-KR" dirty="0" smtClean="0"/>
+              <a:t>3</a:t>
+            </a:r>
+            <a:endParaRPr lang="ko-KR" altLang="en-US" dirty="0"/>
+          </a:p>
+        </p:txBody>
+      </p:sp>
+    </p:spTree>
+    <p:extLst>
+      <p:ext uri="{BB962C8B-B14F-4D97-AF65-F5344CB8AC3E}">
+        <p14:creationId xmlns:p14="http://schemas.microsoft.com/office/powerpoint/2010/main" val="270636051"/>
+      </p:ext>
+    </p:extLst>
+  </p:cSld>
+  <p:clrMapOvr>
+    <a:masterClrMapping/>
+  </p:clrMapOvr>
+</p:sld>
+</file>
+
+<file path=ppt/slides/slide4.xml><?xml version="1.0" encoding="utf-8"?>
+<p:sld xmlns:a="http://schemas.openxmlformats.org/drawingml/2006/main" xmlns:r="http://schemas.openxmlformats.org/officeDocument/2006/relationships" xmlns:p="http://schemas.openxmlformats.org/presentationml/2006/main">
+  <p:cSld>
+    <p:spTree>
+      <p:nvGrpSpPr>
+        <p:cNvPr id="1" name="Shape 90"/>
+        <p:cNvGrpSpPr/>
+        <p:nvPr/>
+      </p:nvGrpSpPr>
+      <p:grpSpPr>
+        <a:xfrm>
+          <a:off x="0" y="0"/>
+          <a:ext cx="0" cy="0"/>
+          <a:chOff x="0" y="0"/>
+          <a:chExt cx="0" cy="0"/>
+        </a:xfrm>
+      </p:grpSpPr>
+      <p:graphicFrame>
+        <p:nvGraphicFramePr>
+          <p:cNvPr id="92" name="Google Shape;92;g7c553259d1_0_3"/>
+          <p:cNvGraphicFramePr/>
+          <p:nvPr>
+            <p:extLst>
+              <p:ext uri="{D42A27DB-BD31-4B8C-83A1-F6EECF244321}">
+                <p14:modId xmlns:p14="http://schemas.microsoft.com/office/powerpoint/2010/main" val="2044702175"/>
+              </p:ext>
+            </p:extLst>
+          </p:nvPr>
+        </p:nvGraphicFramePr>
+        <p:xfrm>
+          <a:off x="131604" y="115759"/>
+          <a:ext cx="3693699" cy="960150"/>
+        </p:xfrm>
+        <a:graphic>
+          <a:graphicData uri="http://schemas.openxmlformats.org/drawingml/2006/table">
+            <a:tbl>
+              <a:tblPr firstRow="1" bandRow="1">
+                <a:noFill/>
+              </a:tblPr>
+              <a:tblGrid>
+                <a:gridCol w="1549025">
+                  <a:extLst>
+                    <a:ext uri="{9D8B030D-6E8A-4147-A177-3AD203B41FA5}">
+                      <a16:colId xmlns:a16="http://schemas.microsoft.com/office/drawing/2014/main" xmlns="" val="20000"/>
+                    </a:ext>
+                  </a:extLst>
+                </a:gridCol>
+                <a:gridCol w="2144674">
+                  <a:extLst>
+                    <a:ext uri="{9D8B030D-6E8A-4147-A177-3AD203B41FA5}">
+                      <a16:colId xmlns:a16="http://schemas.microsoft.com/office/drawing/2014/main" xmlns="" val="20001"/>
+                    </a:ext>
+                  </a:extLst>
+                </a:gridCol>
+              </a:tblGrid>
+              <a:tr h="271225">
+                <a:tc>
+                  <a:txBody>
+                    <a:bodyPr/>
+                    <a:lstStyle/>
+                    <a:p>
+                      <a:pPr marL="0" marR="0" lvl="0" indent="0" algn="ctr" rtl="0">
+                        <a:lnSpc>
+                          <a:spcPct val="100000"/>
+                        </a:lnSpc>
+                        <a:spcBef>
+                          <a:spcPts val="0"/>
+                        </a:spcBef>
+                        <a:spcAft>
+                          <a:spcPts val="0"/>
+                        </a:spcAft>
+                        <a:buClr>
+                          <a:srgbClr val="000000"/>
+                        </a:buClr>
+                        <a:buSzPts val="1500"/>
+                        <a:buFont typeface="Arial"/>
+                        <a:buNone/>
+                      </a:pPr>
+                      <a:r>
+                        <a:rPr lang="ko-KR" sz="1500" b="0" u="none" strike="noStrike" cap="none" dirty="0">
+                          <a:solidFill>
+                            <a:schemeClr val="dk1"/>
+                          </a:solidFill>
+                        </a:rPr>
+                        <a:t>화면코드</a:t>
+                      </a:r>
+                      <a:endParaRPr sz="1500" b="0" u="none" strike="noStrike" cap="none" dirty="0">
+                        <a:solidFill>
+                          <a:schemeClr val="dk1"/>
+                        </a:solidFill>
+                      </a:endParaRPr>
+                    </a:p>
+                  </a:txBody>
+                  <a:tcPr marL="91451" marR="91451" marT="45725" marB="45725" anchor="ctr">
+                    <a:lnL w="12700" cap="flat" cmpd="sng">
+                      <a:solidFill>
+                        <a:schemeClr val="dk1"/>
+                      </a:solidFill>
+                      <a:prstDash val="solid"/>
+                      <a:round/>
+                      <a:headEnd type="none" w="sm" len="sm"/>
+                      <a:tailEnd type="none" w="sm" len="sm"/>
+                    </a:lnL>
+                    <a:lnR w="12700" cap="flat" cmpd="sng">
+                      <a:solidFill>
+                        <a:schemeClr val="dk1"/>
+                      </a:solidFill>
+                      <a:prstDash val="solid"/>
+                      <a:round/>
+                      <a:headEnd type="none" w="sm" len="sm"/>
+                      <a:tailEnd type="none" w="sm" len="sm"/>
+                    </a:lnR>
+                    <a:lnT w="12700" cap="flat" cmpd="sng">
+                      <a:solidFill>
+                        <a:schemeClr val="dk1"/>
+                      </a:solidFill>
+                      <a:prstDash val="solid"/>
+                      <a:round/>
+                      <a:headEnd type="none" w="sm" len="sm"/>
+                      <a:tailEnd type="none" w="sm" len="sm"/>
+                    </a:lnT>
+                    <a:lnB w="12700" cap="flat" cmpd="sng">
+                      <a:solidFill>
+                        <a:schemeClr val="dk1"/>
+                      </a:solidFill>
+                      <a:prstDash val="solid"/>
+                      <a:round/>
+                      <a:headEnd type="none" w="sm" len="sm"/>
+                      <a:tailEnd type="none" w="sm" len="sm"/>
+                    </a:lnB>
+                    <a:solidFill>
+                      <a:srgbClr val="D8D8D8"/>
+                    </a:solidFill>
+                  </a:tcPr>
+                </a:tc>
+                <a:tc>
+                  <a:txBody>
+                    <a:bodyPr/>
+                    <a:lstStyle/>
+                    <a:p>
+                      <a:pPr marL="0" marR="0" lvl="0" indent="0" algn="ctr" rtl="0">
+                        <a:lnSpc>
+                          <a:spcPct val="100000"/>
+                        </a:lnSpc>
+                        <a:spcBef>
+                          <a:spcPts val="0"/>
+                        </a:spcBef>
+                        <a:spcAft>
+                          <a:spcPts val="0"/>
+                        </a:spcAft>
+                        <a:buClr>
+                          <a:srgbClr val="000000"/>
+                        </a:buClr>
+                        <a:buSzPts val="1500"/>
+                        <a:buFont typeface="Arial"/>
+                        <a:buNone/>
+                      </a:pPr>
+                      <a:endParaRPr sz="1100" b="0" u="none" strike="noStrike" cap="none" dirty="0">
+                        <a:solidFill>
+                          <a:schemeClr val="dk1"/>
+                        </a:solidFill>
+                      </a:endParaRPr>
+                    </a:p>
+                  </a:txBody>
+                  <a:tcPr marL="91451" marR="91451" marT="45725" marB="45725" anchor="ctr">
+                    <a:lnL w="12700" cap="flat" cmpd="sng">
+                      <a:solidFill>
+                        <a:schemeClr val="dk1"/>
+                      </a:solidFill>
+                      <a:prstDash val="solid"/>
+                      <a:round/>
+                      <a:headEnd type="none" w="sm" len="sm"/>
+                      <a:tailEnd type="none" w="sm" len="sm"/>
+                    </a:lnL>
+                    <a:lnR w="12700" cap="flat" cmpd="sng">
+                      <a:solidFill>
+                        <a:schemeClr val="dk1"/>
+                      </a:solidFill>
+                      <a:prstDash val="solid"/>
+                      <a:round/>
+                      <a:headEnd type="none" w="sm" len="sm"/>
+                      <a:tailEnd type="none" w="sm" len="sm"/>
+                    </a:lnR>
+                    <a:lnT w="12700" cap="flat" cmpd="sng">
+                      <a:solidFill>
+                        <a:schemeClr val="dk1"/>
+                      </a:solidFill>
+                      <a:prstDash val="solid"/>
+                      <a:round/>
+                      <a:headEnd type="none" w="sm" len="sm"/>
+                      <a:tailEnd type="none" w="sm" len="sm"/>
+                    </a:lnT>
+                    <a:lnB w="12700" cap="flat" cmpd="sng">
+                      <a:solidFill>
+                        <a:schemeClr val="dk1"/>
+                      </a:solidFill>
+                      <a:prstDash val="solid"/>
+                      <a:round/>
+                      <a:headEnd type="none" w="sm" len="sm"/>
+                      <a:tailEnd type="none" w="sm" len="sm"/>
+                    </a:lnB>
+                    <a:solidFill>
+                      <a:schemeClr val="lt1"/>
+                    </a:solidFill>
+                  </a:tcPr>
+                </a:tc>
+                <a:extLst>
+                  <a:ext uri="{0D108BD9-81ED-4DB2-BD59-A6C34878D82A}">
+                    <a16:rowId xmlns:a16="http://schemas.microsoft.com/office/drawing/2014/main" xmlns="" val="10000"/>
+                  </a:ext>
+                </a:extLst>
+              </a:tr>
+              <a:tr h="271225">
+                <a:tc rowSpan="2">
+                  <a:txBody>
+                    <a:bodyPr/>
+                    <a:lstStyle/>
+                    <a:p>
+                      <a:pPr marL="0" marR="0" lvl="0" indent="0" algn="ctr" rtl="0">
+                        <a:lnSpc>
+                          <a:spcPct val="100000"/>
+                        </a:lnSpc>
+                        <a:spcBef>
+                          <a:spcPts val="0"/>
+                        </a:spcBef>
+                        <a:spcAft>
+                          <a:spcPts val="0"/>
+                        </a:spcAft>
+                        <a:buClr>
+                          <a:srgbClr val="000000"/>
+                        </a:buClr>
+                        <a:buSzPts val="1500"/>
+                        <a:buFont typeface="Arial"/>
+                        <a:buNone/>
+                      </a:pPr>
+                      <a:r>
+                        <a:rPr lang="ko-KR" sz="1500" b="0" u="none" strike="noStrike" cap="none">
+                          <a:solidFill>
+                            <a:schemeClr val="dk1"/>
+                          </a:solidFill>
+                        </a:rPr>
+                        <a:t>화면명</a:t>
+                      </a:r>
+                      <a:endParaRPr sz="1500" b="0" u="none" strike="noStrike" cap="none">
+                        <a:solidFill>
+                          <a:schemeClr val="dk1"/>
+                        </a:solidFill>
+                      </a:endParaRPr>
+                    </a:p>
+                  </a:txBody>
+                  <a:tcPr marL="91451" marR="91451" marT="45725" marB="45725" anchor="ctr">
+                    <a:lnL w="12700" cap="flat" cmpd="sng">
+                      <a:solidFill>
+                        <a:schemeClr val="dk1"/>
+                      </a:solidFill>
+                      <a:prstDash val="solid"/>
+                      <a:round/>
+                      <a:headEnd type="none" w="sm" len="sm"/>
+                      <a:tailEnd type="none" w="sm" len="sm"/>
+                    </a:lnL>
+                    <a:lnR w="12700" cap="flat" cmpd="sng">
+                      <a:solidFill>
+                        <a:schemeClr val="dk1"/>
+                      </a:solidFill>
+                      <a:prstDash val="solid"/>
+                      <a:round/>
+                      <a:headEnd type="none" w="sm" len="sm"/>
+                      <a:tailEnd type="none" w="sm" len="sm"/>
+                    </a:lnR>
+                    <a:lnT w="12700" cap="flat" cmpd="sng">
+                      <a:solidFill>
+                        <a:schemeClr val="dk1"/>
+                      </a:solidFill>
+                      <a:prstDash val="solid"/>
+                      <a:round/>
+                      <a:headEnd type="none" w="sm" len="sm"/>
+                      <a:tailEnd type="none" w="sm" len="sm"/>
+                    </a:lnT>
+                    <a:lnB w="12700" cap="flat" cmpd="sng">
+                      <a:solidFill>
+                        <a:schemeClr val="dk1"/>
+                      </a:solidFill>
+                      <a:prstDash val="solid"/>
+                      <a:round/>
+                      <a:headEnd type="none" w="sm" len="sm"/>
+                      <a:tailEnd type="none" w="sm" len="sm"/>
+                    </a:lnB>
+                    <a:solidFill>
+                      <a:srgbClr val="D8D8D8"/>
+                    </a:solidFill>
+                  </a:tcPr>
+                </a:tc>
+                <a:tc>
+                  <a:txBody>
+                    <a:bodyPr/>
+                    <a:lstStyle/>
+                    <a:p>
+                      <a:pPr marL="0" marR="0" lvl="0" indent="0" algn="ctr" rtl="0">
+                        <a:lnSpc>
+                          <a:spcPct val="100000"/>
+                        </a:lnSpc>
+                        <a:spcBef>
+                          <a:spcPts val="0"/>
+                        </a:spcBef>
+                        <a:spcAft>
+                          <a:spcPts val="0"/>
+                        </a:spcAft>
+                        <a:buClr>
+                          <a:srgbClr val="000000"/>
+                        </a:buClr>
+                        <a:buSzPts val="1500"/>
+                        <a:buFont typeface="Arial"/>
+                        <a:buNone/>
+                      </a:pPr>
+                      <a:r>
+                        <a:rPr lang="ko-KR" altLang="en-US" sz="1500" b="0" u="none" strike="noStrike" cap="none" dirty="0" smtClean="0">
+                          <a:solidFill>
+                            <a:schemeClr val="dk1"/>
+                          </a:solidFill>
+                        </a:rPr>
+                        <a:t>세미나 </a:t>
+                      </a:r>
+                      <a:r>
+                        <a:rPr lang="ko-KR" altLang="en-US" sz="1500" b="0" u="none" strike="noStrike" cap="none" dirty="0" smtClean="0">
+                          <a:solidFill>
+                            <a:schemeClr val="dk1"/>
+                          </a:solidFill>
+                        </a:rPr>
+                        <a:t>등록</a:t>
+                      </a:r>
+                      <a:r>
+                        <a:rPr lang="en-US" altLang="ko-KR" sz="1500" b="0" u="none" strike="noStrike" cap="none" dirty="0" smtClean="0">
+                          <a:solidFill>
+                            <a:schemeClr val="dk1"/>
+                          </a:solidFill>
+                        </a:rPr>
+                        <a:t>(</a:t>
+                      </a:r>
+                      <a:r>
+                        <a:rPr lang="ko-KR" altLang="en-US" sz="1500" b="0" u="none" strike="noStrike" cap="none" dirty="0" err="1" smtClean="0">
+                          <a:solidFill>
+                            <a:schemeClr val="dk1"/>
+                          </a:solidFill>
+                        </a:rPr>
+                        <a:t>앱</a:t>
+                      </a:r>
+                      <a:r>
+                        <a:rPr lang="en-US" altLang="ko-KR" sz="1500" b="0" u="none" strike="noStrike" cap="none" dirty="0" smtClean="0">
+                          <a:solidFill>
+                            <a:schemeClr val="dk1"/>
+                          </a:solidFill>
+                        </a:rPr>
+                        <a:t>)</a:t>
+                      </a:r>
+                      <a:endParaRPr sz="1500" b="0" u="none" strike="noStrike" cap="none" dirty="0">
+                        <a:solidFill>
+                          <a:schemeClr val="dk1"/>
+                        </a:solidFill>
+                      </a:endParaRPr>
+                    </a:p>
+                  </a:txBody>
+                  <a:tcPr marL="91451" marR="91451" marT="45725" marB="45725" anchor="ctr">
+                    <a:lnL w="12700" cap="flat" cmpd="sng">
+                      <a:solidFill>
+                        <a:schemeClr val="dk1"/>
+                      </a:solidFill>
+                      <a:prstDash val="solid"/>
+                      <a:round/>
+                      <a:headEnd type="none" w="sm" len="sm"/>
+                      <a:tailEnd type="none" w="sm" len="sm"/>
+                    </a:lnL>
+                    <a:lnR w="12700" cap="flat" cmpd="sng">
+                      <a:solidFill>
+                        <a:schemeClr val="dk1"/>
+                      </a:solidFill>
+                      <a:prstDash val="solid"/>
+                      <a:round/>
+                      <a:headEnd type="none" w="sm" len="sm"/>
+                      <a:tailEnd type="none" w="sm" len="sm"/>
+                    </a:lnR>
+                    <a:lnT w="12700" cap="flat" cmpd="sng">
+                      <a:solidFill>
+                        <a:schemeClr val="dk1"/>
+                      </a:solidFill>
+                      <a:prstDash val="solid"/>
+                      <a:round/>
+                      <a:headEnd type="none" w="sm" len="sm"/>
+                      <a:tailEnd type="none" w="sm" len="sm"/>
+                    </a:lnT>
+                    <a:lnB w="12700" cap="flat" cmpd="sng">
+                      <a:solidFill>
+                        <a:schemeClr val="dk1"/>
+                      </a:solidFill>
+                      <a:prstDash val="solid"/>
+                      <a:round/>
+                      <a:headEnd type="none" w="sm" len="sm"/>
+                      <a:tailEnd type="none" w="sm" len="sm"/>
+                    </a:lnB>
+                    <a:solidFill>
+                      <a:schemeClr val="lt1"/>
+                    </a:solidFill>
+                  </a:tcPr>
+                </a:tc>
+                <a:extLst>
+                  <a:ext uri="{0D108BD9-81ED-4DB2-BD59-A6C34878D82A}">
+                    <a16:rowId xmlns:a16="http://schemas.microsoft.com/office/drawing/2014/main" xmlns="" val="10001"/>
+                  </a:ext>
+                </a:extLst>
+              </a:tr>
+              <a:tr h="271225">
+                <a:tc vMerge="1">
+                  <a:txBody>
+                    <a:bodyPr/>
+                    <a:lstStyle/>
+                    <a:p>
+                      <a:endParaRPr lang="ko-KR"/>
+                    </a:p>
+                  </a:txBody>
+                  <a:tcPr/>
+                </a:tc>
+                <a:tc>
+                  <a:txBody>
+                    <a:bodyPr/>
+                    <a:lstStyle/>
+                    <a:p>
+                      <a:pPr marL="0" marR="0" lvl="0" indent="0" algn="ctr" rtl="0">
+                        <a:lnSpc>
+                          <a:spcPct val="100000"/>
+                        </a:lnSpc>
+                        <a:spcBef>
+                          <a:spcPts val="0"/>
+                        </a:spcBef>
+                        <a:spcAft>
+                          <a:spcPts val="0"/>
+                        </a:spcAft>
+                        <a:buClr>
+                          <a:srgbClr val="000000"/>
+                        </a:buClr>
+                        <a:buSzPts val="1500"/>
+                        <a:buFont typeface="Arial"/>
+                        <a:buNone/>
+                      </a:pPr>
+                      <a:endParaRPr sz="1500" b="0" u="none" strike="noStrike" cap="none" dirty="0">
+                        <a:solidFill>
+                          <a:schemeClr val="dk1"/>
+                        </a:solidFill>
+                      </a:endParaRPr>
+                    </a:p>
+                  </a:txBody>
+                  <a:tcPr marL="91451" marR="91451" marT="45725" marB="45725" anchor="ctr">
+                    <a:lnL w="12700" cap="flat" cmpd="sng">
+                      <a:solidFill>
+                        <a:schemeClr val="dk1"/>
+                      </a:solidFill>
+                      <a:prstDash val="solid"/>
+                      <a:round/>
+                      <a:headEnd type="none" w="sm" len="sm"/>
+                      <a:tailEnd type="none" w="sm" len="sm"/>
+                    </a:lnL>
+                    <a:lnR w="12700" cap="flat" cmpd="sng">
+                      <a:solidFill>
+                        <a:schemeClr val="dk1"/>
+                      </a:solidFill>
+                      <a:prstDash val="solid"/>
+                      <a:round/>
+                      <a:headEnd type="none" w="sm" len="sm"/>
+                      <a:tailEnd type="none" w="sm" len="sm"/>
+                    </a:lnR>
+                    <a:lnT w="12700" cap="flat" cmpd="sng">
+                      <a:solidFill>
+                        <a:schemeClr val="dk1"/>
+                      </a:solidFill>
+                      <a:prstDash val="solid"/>
+                      <a:round/>
+                      <a:headEnd type="none" w="sm" len="sm"/>
+                      <a:tailEnd type="none" w="sm" len="sm"/>
+                    </a:lnT>
+                    <a:lnB w="12700" cap="flat" cmpd="sng">
+                      <a:solidFill>
+                        <a:schemeClr val="dk1"/>
+                      </a:solidFill>
+                      <a:prstDash val="solid"/>
+                      <a:round/>
+                      <a:headEnd type="none" w="sm" len="sm"/>
+                      <a:tailEnd type="none" w="sm" len="sm"/>
+                    </a:lnB>
+                    <a:solidFill>
+                      <a:schemeClr val="lt1"/>
+                    </a:solidFill>
+                  </a:tcPr>
+                </a:tc>
+                <a:extLst>
+                  <a:ext uri="{0D108BD9-81ED-4DB2-BD59-A6C34878D82A}">
+                    <a16:rowId xmlns:a16="http://schemas.microsoft.com/office/drawing/2014/main" xmlns="" val="10002"/>
+                  </a:ext>
+                </a:extLst>
+              </a:tr>
+            </a:tbl>
+          </a:graphicData>
+        </a:graphic>
+      </p:graphicFrame>
+      <p:graphicFrame>
+        <p:nvGraphicFramePr>
+          <p:cNvPr id="93" name="Google Shape;93;g7c553259d1_0_3"/>
+          <p:cNvGraphicFramePr/>
+          <p:nvPr/>
+        </p:nvGraphicFramePr>
+        <p:xfrm>
+          <a:off x="9309046" y="197403"/>
+          <a:ext cx="2815500" cy="320050"/>
+        </p:xfrm>
+        <a:graphic>
+          <a:graphicData uri="http://schemas.openxmlformats.org/drawingml/2006/table">
+            <a:tbl>
+              <a:tblPr firstRow="1" bandRow="1">
+                <a:noFill/>
+              </a:tblPr>
+              <a:tblGrid>
+                <a:gridCol w="1407750">
+                  <a:extLst>
+                    <a:ext uri="{9D8B030D-6E8A-4147-A177-3AD203B41FA5}">
+                      <a16:colId xmlns:a16="http://schemas.microsoft.com/office/drawing/2014/main" xmlns="" val="20000"/>
+                    </a:ext>
+                  </a:extLst>
+                </a:gridCol>
+                <a:gridCol w="1407750">
+                  <a:extLst>
+                    <a:ext uri="{9D8B030D-6E8A-4147-A177-3AD203B41FA5}">
+                      <a16:colId xmlns:a16="http://schemas.microsoft.com/office/drawing/2014/main" xmlns="" val="20001"/>
+                    </a:ext>
+                  </a:extLst>
+                </a:gridCol>
+              </a:tblGrid>
+              <a:tr h="265075">
+                <a:tc>
+                  <a:txBody>
+                    <a:bodyPr/>
+                    <a:lstStyle/>
+                    <a:p>
+                      <a:pPr marL="0" marR="0" lvl="0" indent="0" algn="ctr" rtl="0">
+                        <a:lnSpc>
+                          <a:spcPct val="100000"/>
+                        </a:lnSpc>
+                        <a:spcBef>
+                          <a:spcPts val="0"/>
+                        </a:spcBef>
+                        <a:spcAft>
+                          <a:spcPts val="0"/>
+                        </a:spcAft>
+                        <a:buClr>
+                          <a:srgbClr val="000000"/>
+                        </a:buClr>
+                        <a:buSzPts val="1500"/>
+                        <a:buFont typeface="Arial"/>
+                        <a:buNone/>
+                      </a:pPr>
+                      <a:r>
+                        <a:rPr lang="ko-KR" sz="1500" b="0" u="none" strike="noStrike" cap="none" dirty="0">
+                          <a:solidFill>
+                            <a:schemeClr val="dk1"/>
+                          </a:solidFill>
+                        </a:rPr>
+                        <a:t>화면 번호</a:t>
+                      </a:r>
+                      <a:endParaRPr sz="1500" b="0" u="none" strike="noStrike" cap="none" dirty="0">
+                        <a:solidFill>
+                          <a:schemeClr val="dk1"/>
+                        </a:solidFill>
+                      </a:endParaRPr>
+                    </a:p>
+                  </a:txBody>
+                  <a:tcPr marL="91451" marR="91451" marT="45725" marB="45725" anchor="ctr">
+                    <a:lnL w="12700" cap="flat" cmpd="sng">
+                      <a:solidFill>
+                        <a:schemeClr val="dk1"/>
+                      </a:solidFill>
+                      <a:prstDash val="solid"/>
+                      <a:round/>
+                      <a:headEnd type="none" w="sm" len="sm"/>
+                      <a:tailEnd type="none" w="sm" len="sm"/>
+                    </a:lnL>
+                    <a:lnR w="12700" cap="flat" cmpd="sng">
+                      <a:solidFill>
+                        <a:schemeClr val="dk1"/>
+                      </a:solidFill>
+                      <a:prstDash val="solid"/>
+                      <a:round/>
+                      <a:headEnd type="none" w="sm" len="sm"/>
+                      <a:tailEnd type="none" w="sm" len="sm"/>
+                    </a:lnR>
+                    <a:lnT w="12700" cap="flat" cmpd="sng">
+                      <a:solidFill>
+                        <a:schemeClr val="dk1"/>
+                      </a:solidFill>
+                      <a:prstDash val="solid"/>
+                      <a:round/>
+                      <a:headEnd type="none" w="sm" len="sm"/>
+                      <a:tailEnd type="none" w="sm" len="sm"/>
+                    </a:lnT>
+                    <a:lnB w="12700" cap="flat" cmpd="sng">
+                      <a:solidFill>
+                        <a:schemeClr val="dk1"/>
+                      </a:solidFill>
+                      <a:prstDash val="solid"/>
+                      <a:round/>
+                      <a:headEnd type="none" w="sm" len="sm"/>
+                      <a:tailEnd type="none" w="sm" len="sm"/>
+                    </a:lnB>
+                    <a:solidFill>
+                      <a:srgbClr val="D8D8D8"/>
+                    </a:solidFill>
+                  </a:tcPr>
+                </a:tc>
+                <a:tc>
+                  <a:txBody>
+                    <a:bodyPr/>
+                    <a:lstStyle/>
+                    <a:p>
+                      <a:pPr marL="0" marR="0" lvl="0" indent="0" algn="ctr" rtl="0">
+                        <a:lnSpc>
+                          <a:spcPct val="100000"/>
+                        </a:lnSpc>
+                        <a:spcBef>
+                          <a:spcPts val="0"/>
+                        </a:spcBef>
+                        <a:spcAft>
+                          <a:spcPts val="0"/>
+                        </a:spcAft>
+                        <a:buClr>
+                          <a:srgbClr val="000000"/>
+                        </a:buClr>
+                        <a:buSzPts val="1500"/>
+                        <a:buFont typeface="Arial"/>
+                        <a:buNone/>
+                      </a:pPr>
+                      <a:r>
+                        <a:rPr lang="en-US" sz="1500" b="0" u="none" strike="noStrike" cap="none" dirty="0">
+                          <a:solidFill>
+                            <a:schemeClr val="dk1"/>
+                          </a:solidFill>
+                        </a:rPr>
+                        <a:t>1</a:t>
+                      </a:r>
+                      <a:endParaRPr sz="1500" b="0" u="none" strike="noStrike" cap="none" dirty="0">
+                        <a:solidFill>
+                          <a:schemeClr val="dk1"/>
+                        </a:solidFill>
+                      </a:endParaRPr>
+                    </a:p>
+                  </a:txBody>
+                  <a:tcPr marL="91451" marR="91451" marT="45725" marB="45725" anchor="ctr">
+                    <a:lnL w="12700" cap="flat" cmpd="sng">
+                      <a:solidFill>
+                        <a:schemeClr val="dk1"/>
+                      </a:solidFill>
+                      <a:prstDash val="solid"/>
+                      <a:round/>
+                      <a:headEnd type="none" w="sm" len="sm"/>
+                      <a:tailEnd type="none" w="sm" len="sm"/>
+                    </a:lnL>
+                    <a:lnR w="12700" cap="flat" cmpd="sng">
+                      <a:solidFill>
+                        <a:schemeClr val="dk1"/>
+                      </a:solidFill>
+                      <a:prstDash val="solid"/>
+                      <a:round/>
+                      <a:headEnd type="none" w="sm" len="sm"/>
+                      <a:tailEnd type="none" w="sm" len="sm"/>
+                    </a:lnR>
+                    <a:lnT w="12700" cap="flat" cmpd="sng">
+                      <a:solidFill>
+                        <a:schemeClr val="dk1"/>
+                      </a:solidFill>
+                      <a:prstDash val="solid"/>
+                      <a:round/>
+                      <a:headEnd type="none" w="sm" len="sm"/>
+                      <a:tailEnd type="none" w="sm" len="sm"/>
+                    </a:lnT>
+                    <a:lnB w="12700" cap="flat" cmpd="sng">
+                      <a:solidFill>
+                        <a:schemeClr val="dk1"/>
+                      </a:solidFill>
+                      <a:prstDash val="solid"/>
+                      <a:round/>
+                      <a:headEnd type="none" w="sm" len="sm"/>
+                      <a:tailEnd type="none" w="sm" len="sm"/>
+                    </a:lnB>
+                    <a:solidFill>
+                      <a:schemeClr val="lt1"/>
+                    </a:solidFill>
+                  </a:tcPr>
+                </a:tc>
+                <a:extLst>
+                  <a:ext uri="{0D108BD9-81ED-4DB2-BD59-A6C34878D82A}">
+                    <a16:rowId xmlns:a16="http://schemas.microsoft.com/office/drawing/2014/main" xmlns="" val="10000"/>
+                  </a:ext>
+                </a:extLst>
+              </a:tr>
+            </a:tbl>
+          </a:graphicData>
+        </a:graphic>
+      </p:graphicFrame>
+      <p:graphicFrame>
+        <p:nvGraphicFramePr>
+          <p:cNvPr id="94" name="Google Shape;94;g7c553259d1_0_3"/>
+          <p:cNvGraphicFramePr/>
+          <p:nvPr/>
+        </p:nvGraphicFramePr>
+        <p:xfrm>
+          <a:off x="6200086" y="197403"/>
+          <a:ext cx="2815500" cy="320050"/>
+        </p:xfrm>
+        <a:graphic>
+          <a:graphicData uri="http://schemas.openxmlformats.org/drawingml/2006/table">
+            <a:tbl>
+              <a:tblPr firstRow="1" bandRow="1">
+                <a:noFill/>
+              </a:tblPr>
+              <a:tblGrid>
+                <a:gridCol w="1407750">
+                  <a:extLst>
+                    <a:ext uri="{9D8B030D-6E8A-4147-A177-3AD203B41FA5}">
+                      <a16:colId xmlns:a16="http://schemas.microsoft.com/office/drawing/2014/main" xmlns="" val="20000"/>
+                    </a:ext>
+                  </a:extLst>
+                </a:gridCol>
+                <a:gridCol w="1407750">
+                  <a:extLst>
+                    <a:ext uri="{9D8B030D-6E8A-4147-A177-3AD203B41FA5}">
+                      <a16:colId xmlns:a16="http://schemas.microsoft.com/office/drawing/2014/main" xmlns="" val="20001"/>
+                    </a:ext>
+                  </a:extLst>
+                </a:gridCol>
+              </a:tblGrid>
+              <a:tr h="265075">
+                <a:tc>
+                  <a:txBody>
+                    <a:bodyPr/>
+                    <a:lstStyle/>
+                    <a:p>
+                      <a:pPr marL="0" marR="0" lvl="0" indent="0" algn="ctr" rtl="0">
+                        <a:lnSpc>
+                          <a:spcPct val="100000"/>
+                        </a:lnSpc>
+                        <a:spcBef>
+                          <a:spcPts val="0"/>
+                        </a:spcBef>
+                        <a:spcAft>
+                          <a:spcPts val="0"/>
+                        </a:spcAft>
+                        <a:buClr>
+                          <a:srgbClr val="000000"/>
+                        </a:buClr>
+                        <a:buSzPts val="1500"/>
+                        <a:buFont typeface="Arial"/>
+                        <a:buNone/>
+                      </a:pPr>
+                      <a:r>
+                        <a:rPr lang="ko-KR" sz="1500" b="0" u="none" strike="noStrike" cap="none">
+                          <a:solidFill>
+                            <a:schemeClr val="dk1"/>
+                          </a:solidFill>
+                        </a:rPr>
+                        <a:t>프로젝트</a:t>
+                      </a:r>
+                      <a:endParaRPr sz="1500" b="0" u="none" strike="noStrike" cap="none">
+                        <a:solidFill>
+                          <a:schemeClr val="dk1"/>
+                        </a:solidFill>
+                      </a:endParaRPr>
+                    </a:p>
+                  </a:txBody>
+                  <a:tcPr marL="91451" marR="91451" marT="45725" marB="45725" anchor="ctr">
+                    <a:lnL w="12700" cap="flat" cmpd="sng">
+                      <a:solidFill>
+                        <a:schemeClr val="dk1"/>
+                      </a:solidFill>
+                      <a:prstDash val="solid"/>
+                      <a:round/>
+                      <a:headEnd type="none" w="sm" len="sm"/>
+                      <a:tailEnd type="none" w="sm" len="sm"/>
+                    </a:lnL>
+                    <a:lnR w="12700" cap="flat" cmpd="sng">
+                      <a:solidFill>
+                        <a:schemeClr val="dk1"/>
+                      </a:solidFill>
+                      <a:prstDash val="solid"/>
+                      <a:round/>
+                      <a:headEnd type="none" w="sm" len="sm"/>
+                      <a:tailEnd type="none" w="sm" len="sm"/>
+                    </a:lnR>
+                    <a:lnT w="12700" cap="flat" cmpd="sng">
+                      <a:solidFill>
+                        <a:schemeClr val="dk1"/>
+                      </a:solidFill>
+                      <a:prstDash val="solid"/>
+                      <a:round/>
+                      <a:headEnd type="none" w="sm" len="sm"/>
+                      <a:tailEnd type="none" w="sm" len="sm"/>
+                    </a:lnT>
+                    <a:lnB w="12700" cap="flat" cmpd="sng">
+                      <a:solidFill>
+                        <a:schemeClr val="dk1"/>
+                      </a:solidFill>
+                      <a:prstDash val="solid"/>
+                      <a:round/>
+                      <a:headEnd type="none" w="sm" len="sm"/>
+                      <a:tailEnd type="none" w="sm" len="sm"/>
+                    </a:lnB>
+                    <a:solidFill>
+                      <a:srgbClr val="D8D8D8"/>
+                    </a:solidFill>
+                  </a:tcPr>
+                </a:tc>
+                <a:tc>
+                  <a:txBody>
+                    <a:bodyPr/>
+                    <a:lstStyle/>
+                    <a:p>
+                      <a:pPr marL="0" marR="0" lvl="0" indent="0" algn="ctr" rtl="0">
+                        <a:lnSpc>
+                          <a:spcPct val="100000"/>
+                        </a:lnSpc>
+                        <a:spcBef>
+                          <a:spcPts val="0"/>
+                        </a:spcBef>
+                        <a:spcAft>
+                          <a:spcPts val="0"/>
+                        </a:spcAft>
+                        <a:buClr>
+                          <a:srgbClr val="000000"/>
+                        </a:buClr>
+                        <a:buSzPts val="1500"/>
+                        <a:buFont typeface="Arial"/>
+                        <a:buNone/>
+                      </a:pPr>
+                      <a:endParaRPr sz="1500" b="0" u="none" strike="noStrike" cap="none">
+                        <a:solidFill>
+                          <a:schemeClr val="dk1"/>
+                        </a:solidFill>
+                      </a:endParaRPr>
+                    </a:p>
+                  </a:txBody>
+                  <a:tcPr marL="91451" marR="91451" marT="45725" marB="45725" anchor="ctr">
+                    <a:lnL w="12700" cap="flat" cmpd="sng">
+                      <a:solidFill>
+                        <a:schemeClr val="dk1"/>
+                      </a:solidFill>
+                      <a:prstDash val="solid"/>
+                      <a:round/>
+                      <a:headEnd type="none" w="sm" len="sm"/>
+                      <a:tailEnd type="none" w="sm" len="sm"/>
+                    </a:lnL>
+                    <a:lnR w="12700" cap="flat" cmpd="sng">
+                      <a:solidFill>
+                        <a:schemeClr val="dk1"/>
+                      </a:solidFill>
+                      <a:prstDash val="solid"/>
+                      <a:round/>
+                      <a:headEnd type="none" w="sm" len="sm"/>
+                      <a:tailEnd type="none" w="sm" len="sm"/>
+                    </a:lnR>
+                    <a:lnT w="12700" cap="flat" cmpd="sng">
+                      <a:solidFill>
+                        <a:schemeClr val="dk1"/>
+                      </a:solidFill>
+                      <a:prstDash val="solid"/>
+                      <a:round/>
+                      <a:headEnd type="none" w="sm" len="sm"/>
+                      <a:tailEnd type="none" w="sm" len="sm"/>
+                    </a:lnT>
+                    <a:lnB w="12700" cap="flat" cmpd="sng">
+                      <a:solidFill>
+                        <a:schemeClr val="dk1"/>
+                      </a:solidFill>
+                      <a:prstDash val="solid"/>
+                      <a:round/>
+                      <a:headEnd type="none" w="sm" len="sm"/>
+                      <a:tailEnd type="none" w="sm" len="sm"/>
+                    </a:lnB>
+                    <a:solidFill>
+                      <a:schemeClr val="lt1"/>
+                    </a:solidFill>
+                  </a:tcPr>
+                </a:tc>
+                <a:extLst>
+                  <a:ext uri="{0D108BD9-81ED-4DB2-BD59-A6C34878D82A}">
+                    <a16:rowId xmlns:a16="http://schemas.microsoft.com/office/drawing/2014/main" xmlns="" val="10000"/>
+                  </a:ext>
+                </a:extLst>
+              </a:tr>
+            </a:tbl>
+          </a:graphicData>
+        </a:graphic>
+      </p:graphicFrame>
+      <p:graphicFrame>
+        <p:nvGraphicFramePr>
+          <p:cNvPr id="96" name="Google Shape;96;g7c553259d1_0_3"/>
+          <p:cNvGraphicFramePr/>
+          <p:nvPr>
+            <p:extLst>
+              <p:ext uri="{D42A27DB-BD31-4B8C-83A1-F6EECF244321}">
+                <p14:modId xmlns:p14="http://schemas.microsoft.com/office/powerpoint/2010/main" val="659850734"/>
+              </p:ext>
+            </p:extLst>
+          </p:nvPr>
+        </p:nvGraphicFramePr>
+        <p:xfrm>
+          <a:off x="8843382" y="836712"/>
+          <a:ext cx="2952330" cy="807740"/>
+        </p:xfrm>
+        <a:graphic>
+          <a:graphicData uri="http://schemas.openxmlformats.org/drawingml/2006/table">
+            <a:tbl>
+              <a:tblPr firstRow="1" bandRow="1">
+                <a:noFill/>
+              </a:tblPr>
+              <a:tblGrid>
+                <a:gridCol w="289755">
+                  <a:extLst>
+                    <a:ext uri="{9D8B030D-6E8A-4147-A177-3AD203B41FA5}">
+                      <a16:colId xmlns:a16="http://schemas.microsoft.com/office/drawing/2014/main" xmlns="" val="20000"/>
+                    </a:ext>
+                  </a:extLst>
+                </a:gridCol>
+                <a:gridCol w="2662575">
+                  <a:extLst>
+                    <a:ext uri="{9D8B030D-6E8A-4147-A177-3AD203B41FA5}">
+                      <a16:colId xmlns:a16="http://schemas.microsoft.com/office/drawing/2014/main" xmlns="" val="20001"/>
+                    </a:ext>
+                  </a:extLst>
+                </a:gridCol>
+              </a:tblGrid>
+              <a:tr h="286673">
+                <a:tc>
+                  <a:txBody>
+                    <a:bodyPr/>
+                    <a:lstStyle/>
+                    <a:p>
+                      <a:pPr marL="0" marR="0" lvl="0" indent="0" algn="ctr" rtl="0">
+                        <a:lnSpc>
+                          <a:spcPct val="100000"/>
+                        </a:lnSpc>
+                        <a:spcBef>
+                          <a:spcPts val="0"/>
+                        </a:spcBef>
+                        <a:spcAft>
+                          <a:spcPts val="0"/>
+                        </a:spcAft>
+                        <a:buClr>
+                          <a:srgbClr val="000000"/>
+                        </a:buClr>
+                        <a:buSzPts val="1500"/>
+                        <a:buFont typeface="Arial"/>
+                        <a:buNone/>
+                      </a:pPr>
+                      <a:r>
+                        <a:rPr lang="ko-KR" sz="1500" u="none" strike="noStrike" cap="none" dirty="0">
+                          <a:solidFill>
+                            <a:schemeClr val="dk1"/>
+                          </a:solidFill>
+                        </a:rPr>
+                        <a:t>#</a:t>
+                      </a:r>
+                      <a:endParaRPr sz="1500" u="none" strike="noStrike" cap="none" dirty="0">
+                        <a:solidFill>
+                          <a:schemeClr val="dk1"/>
+                        </a:solidFill>
+                      </a:endParaRPr>
+                    </a:p>
+                  </a:txBody>
+                  <a:tcPr marL="91451" marR="91451" marT="45725" marB="45725" anchor="ctr">
+                    <a:lnL w="12700" cap="flat" cmpd="sng">
+                      <a:solidFill>
+                        <a:schemeClr val="dk1"/>
+                      </a:solidFill>
+                      <a:prstDash val="solid"/>
+                      <a:round/>
+                      <a:headEnd type="none" w="sm" len="sm"/>
+                      <a:tailEnd type="none" w="sm" len="sm"/>
+                    </a:lnL>
+                    <a:lnR w="12700" cap="flat" cmpd="sng">
+                      <a:solidFill>
+                        <a:schemeClr val="dk1"/>
+                      </a:solidFill>
+                      <a:prstDash val="solid"/>
+                      <a:round/>
+                      <a:headEnd type="none" w="sm" len="sm"/>
+                      <a:tailEnd type="none" w="sm" len="sm"/>
+                    </a:lnR>
+                    <a:lnT w="12700" cap="flat" cmpd="sng">
+                      <a:solidFill>
+                        <a:schemeClr val="dk1"/>
+                      </a:solidFill>
+                      <a:prstDash val="solid"/>
+                      <a:round/>
+                      <a:headEnd type="none" w="sm" len="sm"/>
+                      <a:tailEnd type="none" w="sm" len="sm"/>
+                    </a:lnT>
+                    <a:lnB w="12700" cap="flat" cmpd="sng">
+                      <a:solidFill>
+                        <a:schemeClr val="dk1"/>
+                      </a:solidFill>
+                      <a:prstDash val="solid"/>
+                      <a:round/>
+                      <a:headEnd type="none" w="sm" len="sm"/>
+                      <a:tailEnd type="none" w="sm" len="sm"/>
+                    </a:lnB>
+                    <a:solidFill>
+                      <a:srgbClr val="D8D8D8"/>
+                    </a:solidFill>
+                  </a:tcPr>
+                </a:tc>
+                <a:tc>
+                  <a:txBody>
+                    <a:bodyPr/>
+                    <a:lstStyle/>
+                    <a:p>
+                      <a:pPr marL="0" marR="0" lvl="0" indent="0" algn="ctr" rtl="0">
+                        <a:lnSpc>
+                          <a:spcPct val="100000"/>
+                        </a:lnSpc>
+                        <a:spcBef>
+                          <a:spcPts val="0"/>
+                        </a:spcBef>
+                        <a:spcAft>
+                          <a:spcPts val="0"/>
+                        </a:spcAft>
+                        <a:buClr>
+                          <a:srgbClr val="000000"/>
+                        </a:buClr>
+                        <a:buSzPts val="1500"/>
+                        <a:buFont typeface="Arial"/>
+                        <a:buNone/>
+                      </a:pPr>
+                      <a:r>
+                        <a:rPr lang="ko-KR" sz="1500" u="none" strike="noStrike" cap="none" dirty="0" err="1">
+                          <a:solidFill>
+                            <a:schemeClr val="dk1"/>
+                          </a:solidFill>
+                        </a:rPr>
+                        <a:t>기능명</a:t>
+                      </a:r>
+                      <a:endParaRPr sz="1500" u="none" strike="noStrike" cap="none" dirty="0">
+                        <a:solidFill>
+                          <a:schemeClr val="dk1"/>
+                        </a:solidFill>
+                      </a:endParaRPr>
+                    </a:p>
+                  </a:txBody>
+                  <a:tcPr marL="91451" marR="91451" marT="45725" marB="45725" anchor="ctr">
+                    <a:lnL w="12700" cap="flat" cmpd="sng">
+                      <a:solidFill>
+                        <a:schemeClr val="dk1"/>
+                      </a:solidFill>
+                      <a:prstDash val="solid"/>
+                      <a:round/>
+                      <a:headEnd type="none" w="sm" len="sm"/>
+                      <a:tailEnd type="none" w="sm" len="sm"/>
+                    </a:lnL>
+                    <a:lnR w="12700" cap="flat" cmpd="sng">
+                      <a:solidFill>
+                        <a:schemeClr val="dk1"/>
+                      </a:solidFill>
+                      <a:prstDash val="solid"/>
+                      <a:round/>
+                      <a:headEnd type="none" w="sm" len="sm"/>
+                      <a:tailEnd type="none" w="sm" len="sm"/>
+                    </a:lnR>
+                    <a:lnT w="12700" cap="flat" cmpd="sng">
+                      <a:solidFill>
+                        <a:schemeClr val="dk1"/>
+                      </a:solidFill>
+                      <a:prstDash val="solid"/>
+                      <a:round/>
+                      <a:headEnd type="none" w="sm" len="sm"/>
+                      <a:tailEnd type="none" w="sm" len="sm"/>
+                    </a:lnT>
+                    <a:lnB w="12700" cap="flat" cmpd="sng">
+                      <a:solidFill>
+                        <a:schemeClr val="dk1"/>
+                      </a:solidFill>
+                      <a:prstDash val="solid"/>
+                      <a:round/>
+                      <a:headEnd type="none" w="sm" len="sm"/>
+                      <a:tailEnd type="none" w="sm" len="sm"/>
+                    </a:lnB>
+                    <a:solidFill>
+                      <a:srgbClr val="D8D8D8"/>
+                    </a:solidFill>
+                  </a:tcPr>
+                </a:tc>
+                <a:extLst>
+                  <a:ext uri="{0D108BD9-81ED-4DB2-BD59-A6C34878D82A}">
+                    <a16:rowId xmlns:a16="http://schemas.microsoft.com/office/drawing/2014/main" xmlns="" val="10000"/>
+                  </a:ext>
+                </a:extLst>
+              </a:tr>
+              <a:tr h="328022">
+                <a:tc>
+                  <a:txBody>
+                    <a:bodyPr/>
+                    <a:lstStyle/>
+                    <a:p>
+                      <a:pPr marL="0" marR="0" lvl="0" indent="0" algn="ctr" rtl="0">
+                        <a:lnSpc>
+                          <a:spcPct val="100000"/>
+                        </a:lnSpc>
+                        <a:spcBef>
+                          <a:spcPts val="0"/>
+                        </a:spcBef>
+                        <a:spcAft>
+                          <a:spcPts val="0"/>
+                        </a:spcAft>
+                        <a:buClr>
+                          <a:srgbClr val="000000"/>
+                        </a:buClr>
+                        <a:buSzPts val="1500"/>
+                        <a:buFont typeface="Arial"/>
+                        <a:buNone/>
+                      </a:pPr>
+                      <a:r>
+                        <a:rPr lang="ko-KR" sz="1500" u="none" strike="noStrike" cap="none" dirty="0">
+                          <a:solidFill>
+                            <a:schemeClr val="dk1"/>
+                          </a:solidFill>
+                        </a:rPr>
+                        <a:t>1</a:t>
+                      </a:r>
+                      <a:endParaRPr sz="1500" u="none" strike="noStrike" cap="none" dirty="0">
+                        <a:solidFill>
+                          <a:schemeClr val="dk1"/>
+                        </a:solidFill>
+                      </a:endParaRPr>
+                    </a:p>
+                  </a:txBody>
+                  <a:tcPr marL="91451" marR="91451" marT="45725" marB="45725" anchor="ctr">
+                    <a:lnL w="12700" cap="flat" cmpd="sng">
+                      <a:solidFill>
+                        <a:schemeClr val="dk1"/>
+                      </a:solidFill>
+                      <a:prstDash val="solid"/>
+                      <a:round/>
+                      <a:headEnd type="none" w="sm" len="sm"/>
+                      <a:tailEnd type="none" w="sm" len="sm"/>
+                    </a:lnL>
+                    <a:lnR w="12700" cap="flat" cmpd="sng">
+                      <a:solidFill>
+                        <a:schemeClr val="dk1"/>
+                      </a:solidFill>
+                      <a:prstDash val="solid"/>
+                      <a:round/>
+                      <a:headEnd type="none" w="sm" len="sm"/>
+                      <a:tailEnd type="none" w="sm" len="sm"/>
+                    </a:lnR>
+                    <a:lnT w="12700" cap="flat" cmpd="sng">
+                      <a:solidFill>
+                        <a:schemeClr val="dk1"/>
+                      </a:solidFill>
+                      <a:prstDash val="solid"/>
+                      <a:round/>
+                      <a:headEnd type="none" w="sm" len="sm"/>
+                      <a:tailEnd type="none" w="sm" len="sm"/>
+                    </a:lnT>
+                    <a:lnB w="12700" cap="flat" cmpd="sng">
+                      <a:solidFill>
+                        <a:schemeClr val="dk1"/>
+                      </a:solidFill>
+                      <a:prstDash val="solid"/>
+                      <a:round/>
+                      <a:headEnd type="none" w="sm" len="sm"/>
+                      <a:tailEnd type="none" w="sm" len="sm"/>
+                    </a:lnB>
+                    <a:solidFill>
+                      <a:schemeClr val="lt1"/>
+                    </a:solidFill>
+                  </a:tcPr>
+                </a:tc>
+                <a:tc>
+                  <a:txBody>
+                    <a:bodyPr/>
+                    <a:lstStyle/>
+                    <a:p>
+                      <a:pPr marL="133350" marR="0" lvl="0" indent="0" algn="l" rtl="0">
+                        <a:lnSpc>
+                          <a:spcPct val="100000"/>
+                        </a:lnSpc>
+                        <a:spcBef>
+                          <a:spcPts val="0"/>
+                        </a:spcBef>
+                        <a:spcAft>
+                          <a:spcPts val="0"/>
+                        </a:spcAft>
+                        <a:buClr>
+                          <a:srgbClr val="000000"/>
+                        </a:buClr>
+                        <a:buSzPts val="1500"/>
+                        <a:buFont typeface="Arial"/>
+                        <a:buNone/>
+                        <a:tabLst/>
+                      </a:pPr>
+                      <a:r>
+                        <a:rPr lang="ko-KR" altLang="en-US" sz="1300" b="0" u="none" strike="noStrike" cap="none" dirty="0" smtClean="0"/>
+                        <a:t>등록완료</a:t>
+                      </a:r>
+                      <a:r>
+                        <a:rPr lang="en-US" altLang="ko-KR" sz="1300" b="0" u="none" strike="noStrike" cap="none" dirty="0" smtClean="0"/>
+                        <a:t>, </a:t>
+                      </a:r>
+                      <a:r>
+                        <a:rPr lang="ko-KR" altLang="en-US" sz="1300" b="0" u="none" strike="noStrike" cap="none" dirty="0" smtClean="0"/>
+                        <a:t>예약을 위한 계좌번호 발급 페이지</a:t>
+                      </a:r>
+                      <a:endParaRPr lang="en-US" altLang="ko-KR" sz="1300" b="0" u="none" strike="noStrike" cap="none" dirty="0" smtClean="0"/>
+                    </a:p>
+                  </a:txBody>
+                  <a:tcPr marL="91451" marR="91451" marT="45725" marB="45725">
+                    <a:lnL w="12700" cap="flat" cmpd="sng">
+                      <a:solidFill>
+                        <a:schemeClr val="dk1"/>
+                      </a:solidFill>
+                      <a:prstDash val="solid"/>
+                      <a:round/>
+                      <a:headEnd type="none" w="sm" len="sm"/>
+                      <a:tailEnd type="none" w="sm" len="sm"/>
+                    </a:lnL>
+                    <a:lnR w="12700" cap="flat" cmpd="sng">
+                      <a:solidFill>
+                        <a:schemeClr val="dk1"/>
+                      </a:solidFill>
+                      <a:prstDash val="solid"/>
+                      <a:round/>
+                      <a:headEnd type="none" w="sm" len="sm"/>
+                      <a:tailEnd type="none" w="sm" len="sm"/>
+                    </a:lnR>
+                    <a:lnT w="12700" cap="flat" cmpd="sng">
+                      <a:solidFill>
+                        <a:schemeClr val="dk1"/>
+                      </a:solidFill>
+                      <a:prstDash val="solid"/>
+                      <a:round/>
+                      <a:headEnd type="none" w="sm" len="sm"/>
+                      <a:tailEnd type="none" w="sm" len="sm"/>
+                    </a:lnT>
+                    <a:lnB w="12700" cap="flat" cmpd="sng">
+                      <a:solidFill>
+                        <a:schemeClr val="dk1"/>
+                      </a:solidFill>
+                      <a:prstDash val="solid"/>
+                      <a:round/>
+                      <a:headEnd type="none" w="sm" len="sm"/>
+                      <a:tailEnd type="none" w="sm" len="sm"/>
+                    </a:lnB>
+                    <a:solidFill>
+                      <a:schemeClr val="lt1"/>
+                    </a:solidFill>
+                  </a:tcPr>
+                </a:tc>
+                <a:extLst>
+                  <a:ext uri="{0D108BD9-81ED-4DB2-BD59-A6C34878D82A}">
+                    <a16:rowId xmlns:a16="http://schemas.microsoft.com/office/drawing/2014/main" xmlns="" val="10001"/>
+                  </a:ext>
+                </a:extLst>
+              </a:tr>
+            </a:tbl>
+          </a:graphicData>
+        </a:graphic>
+      </p:graphicFrame>
+      <p:sp>
+        <p:nvSpPr>
+          <p:cNvPr id="5" name="직사각형 4"/>
+          <p:cNvSpPr/>
+          <p:nvPr/>
+        </p:nvSpPr>
+        <p:spPr>
+          <a:xfrm>
+            <a:off x="2614744" y="1270296"/>
+            <a:ext cx="4369523" cy="5387794"/>
+          </a:xfrm>
+          <a:prstGeom prst="rect">
+            <a:avLst/>
+          </a:prstGeom>
+          <a:noFill/>
+          <a:ln>
+            <a:solidFill>
+              <a:schemeClr val="tx1"/>
+            </a:solidFill>
+          </a:ln>
+        </p:spPr>
+        <p:style>
+          <a:lnRef idx="2">
+            <a:schemeClr val="accent1">
+              <a:shade val="50000"/>
+            </a:schemeClr>
+          </a:lnRef>
+          <a:fillRef idx="1">
+            <a:schemeClr val="accent1"/>
+          </a:fillRef>
+          <a:effectRef idx="0">
+            <a:schemeClr val="accent1"/>
+          </a:effectRef>
+          <a:fontRef idx="minor">
+            <a:schemeClr val="lt1"/>
+          </a:fontRef>
+        </p:style>
+        <p:txBody>
+          <a:bodyPr rtlCol="0" anchor="ctr"/>
+          <a:lstStyle/>
+          <a:p>
+            <a:pPr algn="ctr"/>
+            <a:endParaRPr lang="ko-KR" altLang="en-US"/>
+          </a:p>
+        </p:txBody>
+      </p:sp>
+      <p:sp>
+        <p:nvSpPr>
+          <p:cNvPr id="81" name="TextBox 80"/>
+          <p:cNvSpPr txBox="1"/>
+          <p:nvPr/>
+        </p:nvSpPr>
+        <p:spPr>
+          <a:xfrm>
+            <a:off x="2975576" y="1766189"/>
+            <a:ext cx="3647861" cy="738664"/>
+          </a:xfrm>
+          <a:prstGeom prst="rect">
+            <a:avLst/>
+          </a:prstGeom>
+          <a:noFill/>
+        </p:spPr>
+        <p:txBody>
+          <a:bodyPr wrap="square" rtlCol="0">
+            <a:spAutoFit/>
+          </a:bodyPr>
+          <a:lstStyle/>
+          <a:p>
+            <a:pPr algn="ctr"/>
+            <a:r>
+              <a:rPr lang="ko-KR" altLang="en-US" sz="1400" dirty="0" smtClean="0"/>
+              <a:t>세미나 등록이 완료되었습니다</a:t>
+            </a:r>
+            <a:r>
+              <a:rPr lang="en-US" altLang="ko-KR" sz="1400" dirty="0" smtClean="0"/>
+              <a:t>!</a:t>
+            </a:r>
+          </a:p>
+          <a:p>
+            <a:pPr algn="ctr"/>
+            <a:r>
+              <a:rPr lang="ko-KR" altLang="en-US" sz="1400" dirty="0" smtClean="0"/>
+              <a:t>등록된 내용으로 예약을 진행하기 </a:t>
+            </a:r>
+            <a:r>
+              <a:rPr lang="ko-KR" altLang="en-US" sz="1400" dirty="0" smtClean="0"/>
+              <a:t>위해</a:t>
+            </a:r>
+            <a:endParaRPr lang="en-US" altLang="ko-KR" sz="1400" dirty="0" smtClean="0"/>
+          </a:p>
+          <a:p>
+            <a:pPr algn="ctr"/>
+            <a:r>
+              <a:rPr lang="ko-KR" altLang="en-US" sz="1400" dirty="0" smtClean="0"/>
+              <a:t>아래의 </a:t>
+            </a:r>
+            <a:r>
+              <a:rPr lang="ko-KR" altLang="en-US" sz="1400" dirty="0" smtClean="0"/>
+              <a:t>계좌번호로 입금이 필요합니다</a:t>
+            </a:r>
+            <a:r>
+              <a:rPr lang="en-US" altLang="ko-KR" sz="1400" dirty="0" smtClean="0"/>
+              <a:t>.</a:t>
+            </a:r>
+          </a:p>
+        </p:txBody>
+      </p:sp>
+      <p:sp>
+        <p:nvSpPr>
+          <p:cNvPr id="4" name="직사각형 3"/>
+          <p:cNvSpPr/>
+          <p:nvPr/>
+        </p:nvSpPr>
+        <p:spPr>
+          <a:xfrm>
+            <a:off x="4955576" y="4413324"/>
+            <a:ext cx="1629941" cy="493059"/>
+          </a:xfrm>
+          <a:prstGeom prst="rect">
+            <a:avLst/>
+          </a:prstGeom>
+        </p:spPr>
+        <p:style>
+          <a:lnRef idx="2">
+            <a:schemeClr val="accent1">
+              <a:shade val="50000"/>
+            </a:schemeClr>
+          </a:lnRef>
+          <a:fillRef idx="1">
+            <a:schemeClr val="accent1"/>
+          </a:fillRef>
+          <a:effectRef idx="0">
+            <a:schemeClr val="accent1"/>
+          </a:effectRef>
+          <a:fontRef idx="minor">
+            <a:schemeClr val="lt1"/>
+          </a:fontRef>
+        </p:style>
+        <p:txBody>
+          <a:bodyPr rtlCol="0" anchor="ctr"/>
+          <a:lstStyle/>
+          <a:p>
+            <a:pPr algn="ctr"/>
+            <a:r>
+              <a:rPr lang="ko-KR" altLang="en-US" smtClean="0"/>
+              <a:t>마이페이지</a:t>
+            </a:r>
+            <a:endParaRPr lang="ko-KR" altLang="en-US" dirty="0"/>
+          </a:p>
+        </p:txBody>
+      </p:sp>
+      <p:sp>
+        <p:nvSpPr>
+          <p:cNvPr id="46" name="직사각형 45"/>
+          <p:cNvSpPr/>
+          <p:nvPr/>
+        </p:nvSpPr>
+        <p:spPr>
+          <a:xfrm>
+            <a:off x="3112835" y="4413323"/>
+            <a:ext cx="1637312" cy="493059"/>
+          </a:xfrm>
+          <a:prstGeom prst="rect">
+            <a:avLst/>
+          </a:prstGeom>
+        </p:spPr>
+        <p:style>
+          <a:lnRef idx="2">
+            <a:schemeClr val="accent1">
+              <a:shade val="50000"/>
+            </a:schemeClr>
+          </a:lnRef>
+          <a:fillRef idx="1">
+            <a:schemeClr val="accent1"/>
+          </a:fillRef>
+          <a:effectRef idx="0">
+            <a:schemeClr val="accent1"/>
+          </a:effectRef>
+          <a:fontRef idx="minor">
+            <a:schemeClr val="lt1"/>
+          </a:fontRef>
+        </p:style>
+        <p:txBody>
+          <a:bodyPr rtlCol="0" anchor="ctr"/>
+          <a:lstStyle/>
+          <a:p>
+            <a:pPr algn="ctr"/>
+            <a:r>
+              <a:rPr lang="ko-KR" altLang="en-US" dirty="0" err="1" smtClean="0"/>
+              <a:t>메인화면</a:t>
+            </a:r>
+            <a:endParaRPr lang="ko-KR" altLang="en-US" dirty="0"/>
+          </a:p>
+        </p:txBody>
+      </p:sp>
+      <p:sp>
+        <p:nvSpPr>
+          <p:cNvPr id="6" name="직사각형 5"/>
+          <p:cNvSpPr/>
+          <p:nvPr/>
+        </p:nvSpPr>
+        <p:spPr>
+          <a:xfrm>
+            <a:off x="3139035" y="2823883"/>
+            <a:ext cx="1217812" cy="573741"/>
+          </a:xfrm>
+          <a:prstGeom prst="rect">
+            <a:avLst/>
+          </a:prstGeom>
+          <a:solidFill>
+            <a:schemeClr val="bg2"/>
+          </a:solidFill>
+          <a:ln>
+            <a:solidFill>
+              <a:schemeClr val="tx1"/>
+            </a:solidFill>
+          </a:ln>
+        </p:spPr>
+        <p:style>
+          <a:lnRef idx="2">
+            <a:schemeClr val="accent1">
+              <a:shade val="50000"/>
+            </a:schemeClr>
+          </a:lnRef>
+          <a:fillRef idx="1">
+            <a:schemeClr val="accent1"/>
+          </a:fillRef>
+          <a:effectRef idx="0">
+            <a:schemeClr val="accent1"/>
+          </a:effectRef>
+          <a:fontRef idx="minor">
+            <a:schemeClr val="lt1"/>
+          </a:fontRef>
+        </p:style>
+        <p:txBody>
+          <a:bodyPr rtlCol="0" anchor="ctr"/>
+          <a:lstStyle/>
+          <a:p>
+            <a:pPr algn="ctr"/>
+            <a:r>
+              <a:rPr lang="ko-KR" altLang="en-US" dirty="0" smtClean="0">
+                <a:solidFill>
+                  <a:schemeClr val="tx1"/>
+                </a:solidFill>
+              </a:rPr>
+              <a:t>우리은행</a:t>
+            </a:r>
+            <a:endParaRPr lang="ko-KR" altLang="en-US" dirty="0">
+              <a:solidFill>
+                <a:schemeClr val="tx1"/>
+              </a:solidFill>
+            </a:endParaRPr>
+          </a:p>
+        </p:txBody>
+      </p:sp>
+      <p:sp>
+        <p:nvSpPr>
+          <p:cNvPr id="54" name="직사각형 53"/>
+          <p:cNvSpPr/>
+          <p:nvPr/>
+        </p:nvSpPr>
+        <p:spPr>
+          <a:xfrm>
+            <a:off x="4356847" y="2823883"/>
+            <a:ext cx="2228670" cy="573742"/>
+          </a:xfrm>
+          <a:prstGeom prst="rect">
+            <a:avLst/>
+          </a:prstGeom>
+          <a:noFill/>
+          <a:ln>
+            <a:solidFill>
+              <a:schemeClr val="tx1"/>
+            </a:solidFill>
+          </a:ln>
+        </p:spPr>
+        <p:style>
+          <a:lnRef idx="2">
+            <a:schemeClr val="accent1">
+              <a:shade val="50000"/>
+            </a:schemeClr>
+          </a:lnRef>
+          <a:fillRef idx="1">
+            <a:schemeClr val="accent1"/>
+          </a:fillRef>
+          <a:effectRef idx="0">
+            <a:schemeClr val="accent1"/>
+          </a:effectRef>
+          <a:fontRef idx="minor">
+            <a:schemeClr val="lt1"/>
+          </a:fontRef>
+        </p:style>
+        <p:txBody>
+          <a:bodyPr rtlCol="0" anchor="ctr"/>
+          <a:lstStyle/>
+          <a:p>
+            <a:pPr algn="ctr"/>
+            <a:r>
+              <a:rPr lang="en-US" altLang="ko-KR" dirty="0" smtClean="0">
+                <a:solidFill>
+                  <a:schemeClr val="tx1"/>
+                </a:solidFill>
+              </a:rPr>
+              <a:t>123456789-1235</a:t>
+            </a:r>
+            <a:endParaRPr lang="ko-KR" altLang="en-US" dirty="0">
+              <a:solidFill>
+                <a:schemeClr val="tx1"/>
+              </a:solidFill>
+            </a:endParaRPr>
+          </a:p>
+        </p:txBody>
+      </p:sp>
+    </p:spTree>
+    <p:extLst>
+      <p:ext uri="{BB962C8B-B14F-4D97-AF65-F5344CB8AC3E}">
+        <p14:creationId xmlns:p14="http://schemas.microsoft.com/office/powerpoint/2010/main" val="554130180"/>
       </p:ext>
     </p:extLst>
   </p:cSld>
